--- a/diagrams/global_storage.pptx
+++ b/diagrams/global_storage.pptx
@@ -11,6 +11,9 @@
     <p:sldId id="259" r:id="rId5"/>
     <p:sldId id="260" r:id="rId6"/>
     <p:sldId id="261" r:id="rId7"/>
+    <p:sldId id="262" r:id="rId8"/>
+    <p:sldId id="263" r:id="rId9"/>
+    <p:sldId id="264" r:id="rId10"/>
   </p:sldIdLst>
   <p:sldSz cx="12192000" cy="6858000"/>
   <p:notesSz cx="6858000" cy="9144000"/>
@@ -6546,7 +6549,7 @@
             <a:pPr algn="ctr"/>
             <a:r>
               <a:rPr lang="en-US" dirty="0"/>
-              <a:t>1234564643</a:t>
+              <a:t>123456464</a:t>
             </a:r>
           </a:p>
         </p:txBody>
@@ -8179,7 +8182,7 @@
             <a:pPr algn="ctr"/>
             <a:r>
               <a:rPr lang="en-US" dirty="0"/>
-              <a:t>1234564643</a:t>
+              <a:t>123456464</a:t>
             </a:r>
           </a:p>
         </p:txBody>
@@ -10408,7 +10411,7 @@
             <a:pPr algn="ctr"/>
             <a:r>
               <a:rPr lang="en-US" dirty="0"/>
-              <a:t>1234564643</a:t>
+              <a:t>123456464</a:t>
             </a:r>
           </a:p>
         </p:txBody>
@@ -12706,7 +12709,7 @@
             <a:pPr algn="ctr"/>
             <a:r>
               <a:rPr lang="en-US" dirty="0"/>
-              <a:t>1234564643</a:t>
+              <a:t>123456464</a:t>
             </a:r>
           </a:p>
         </p:txBody>
@@ -14244,6 +14247,5986 @@
     <p:extLst>
       <p:ext uri="{BB962C8B-B14F-4D97-AF65-F5344CB8AC3E}">
         <p14:creationId xmlns:p14="http://schemas.microsoft.com/office/powerpoint/2010/main" val="814565867"/>
+      </p:ext>
+    </p:extLst>
+  </p:cSld>
+  <p:clrMapOvr>
+    <a:masterClrMapping/>
+  </p:clrMapOvr>
+</p:sld>
+</file>
+
+<file path=ppt/slides/slide7.xml><?xml version="1.0" encoding="utf-8"?>
+<p:sld xmlns:a="http://schemas.openxmlformats.org/drawingml/2006/main" xmlns:r="http://schemas.openxmlformats.org/officeDocument/2006/relationships" xmlns:p="http://schemas.openxmlformats.org/presentationml/2006/main">
+  <p:cSld>
+    <p:spTree>
+      <p:nvGrpSpPr>
+        <p:cNvPr id="1" name=""/>
+        <p:cNvGrpSpPr/>
+        <p:nvPr/>
+      </p:nvGrpSpPr>
+      <p:grpSpPr>
+        <a:xfrm>
+          <a:off x="0" y="0"/>
+          <a:ext cx="0" cy="0"/>
+          <a:chOff x="0" y="0"/>
+          <a:chExt cx="0" cy="0"/>
+        </a:xfrm>
+      </p:grpSpPr>
+      <p:sp>
+        <p:nvSpPr>
+          <p:cNvPr id="4" name="TextBox 3">
+            <a:extLst>
+              <a:ext uri="{FF2B5EF4-FFF2-40B4-BE49-F238E27FC236}">
+                <a16:creationId xmlns:a16="http://schemas.microsoft.com/office/drawing/2014/main" id="{B162801C-762F-E94B-A835-73FA42117F87}"/>
+              </a:ext>
+            </a:extLst>
+          </p:cNvPr>
+          <p:cNvSpPr txBox="1"/>
+          <p:nvPr/>
+        </p:nvSpPr>
+        <p:spPr>
+          <a:xfrm>
+            <a:off x="881349" y="3822256"/>
+            <a:ext cx="1454227" cy="369332"/>
+          </a:xfrm>
+          <a:prstGeom prst="rect">
+            <a:avLst/>
+          </a:prstGeom>
+          <a:solidFill>
+            <a:schemeClr val="accent6">
+              <a:lumMod val="20000"/>
+              <a:lumOff val="80000"/>
+            </a:schemeClr>
+          </a:solidFill>
+          <a:ln w="38100">
+            <a:solidFill>
+              <a:schemeClr val="tx1"/>
+            </a:solidFill>
+          </a:ln>
+        </p:spPr>
+        <p:txBody>
+          <a:bodyPr wrap="square" rtlCol="0">
+            <a:spAutoFit/>
+          </a:bodyPr>
+          <a:lstStyle/>
+          <a:p>
+            <a:pPr algn="ctr"/>
+            <a:r>
+              <a:rPr lang="en-US" dirty="0"/>
+              <a:t>employee</a:t>
+            </a:r>
+          </a:p>
+        </p:txBody>
+      </p:sp>
+      <p:sp>
+        <p:nvSpPr>
+          <p:cNvPr id="5" name="TextBox 4">
+            <a:extLst>
+              <a:ext uri="{FF2B5EF4-FFF2-40B4-BE49-F238E27FC236}">
+                <a16:creationId xmlns:a16="http://schemas.microsoft.com/office/drawing/2014/main" id="{1A2AC16F-7704-3D42-B4B8-F48A39849A4C}"/>
+              </a:ext>
+            </a:extLst>
+          </p:cNvPr>
+          <p:cNvSpPr txBox="1"/>
+          <p:nvPr/>
+        </p:nvSpPr>
+        <p:spPr>
+          <a:xfrm>
+            <a:off x="2763698" y="3826372"/>
+            <a:ext cx="1454227" cy="369332"/>
+          </a:xfrm>
+          <a:prstGeom prst="rect">
+            <a:avLst/>
+          </a:prstGeom>
+          <a:solidFill>
+            <a:schemeClr val="accent1">
+              <a:lumMod val="20000"/>
+              <a:lumOff val="80000"/>
+            </a:schemeClr>
+          </a:solidFill>
+          <a:ln w="38100">
+            <a:solidFill>
+              <a:schemeClr val="tx1"/>
+            </a:solidFill>
+          </a:ln>
+        </p:spPr>
+        <p:txBody>
+          <a:bodyPr wrap="square" rtlCol="0">
+            <a:spAutoFit/>
+          </a:bodyPr>
+          <a:lstStyle/>
+          <a:p>
+            <a:pPr algn="ctr"/>
+            <a:r>
+              <a:rPr lang="en-US" dirty="0"/>
+              <a:t>"UK"</a:t>
+            </a:r>
+          </a:p>
+        </p:txBody>
+      </p:sp>
+      <p:cxnSp>
+        <p:nvCxnSpPr>
+          <p:cNvPr id="7" name="Straight Connector 6">
+            <a:extLst>
+              <a:ext uri="{FF2B5EF4-FFF2-40B4-BE49-F238E27FC236}">
+                <a16:creationId xmlns:a16="http://schemas.microsoft.com/office/drawing/2014/main" id="{4C8FD840-F06D-E24A-8F64-A9669EC19673}"/>
+              </a:ext>
+            </a:extLst>
+          </p:cNvPr>
+          <p:cNvCxnSpPr>
+            <a:cxnSpLocks/>
+            <a:stCxn id="4" idx="3"/>
+            <a:endCxn id="5" idx="1"/>
+          </p:cNvCxnSpPr>
+          <p:nvPr/>
+        </p:nvCxnSpPr>
+        <p:spPr>
+          <a:xfrm>
+            <a:off x="2335576" y="4006922"/>
+            <a:ext cx="428122" cy="4116"/>
+          </a:xfrm>
+          <a:prstGeom prst="line">
+            <a:avLst/>
+          </a:prstGeom>
+          <a:ln w="38100"/>
+        </p:spPr>
+        <p:style>
+          <a:lnRef idx="1">
+            <a:schemeClr val="accent1"/>
+          </a:lnRef>
+          <a:fillRef idx="0">
+            <a:schemeClr val="accent1"/>
+          </a:fillRef>
+          <a:effectRef idx="0">
+            <a:schemeClr val="accent1"/>
+          </a:effectRef>
+          <a:fontRef idx="minor">
+            <a:schemeClr val="tx1"/>
+          </a:fontRef>
+        </p:style>
+      </p:cxnSp>
+      <p:sp>
+        <p:nvSpPr>
+          <p:cNvPr id="9" name="TextBox 8">
+            <a:extLst>
+              <a:ext uri="{FF2B5EF4-FFF2-40B4-BE49-F238E27FC236}">
+                <a16:creationId xmlns:a16="http://schemas.microsoft.com/office/drawing/2014/main" id="{B1A35203-CBEA-F24D-9D57-F613AC9A0D4E}"/>
+              </a:ext>
+            </a:extLst>
+          </p:cNvPr>
+          <p:cNvSpPr txBox="1"/>
+          <p:nvPr/>
+        </p:nvSpPr>
+        <p:spPr>
+          <a:xfrm>
+            <a:off x="4633693" y="2866658"/>
+            <a:ext cx="1454227" cy="369332"/>
+          </a:xfrm>
+          <a:prstGeom prst="rect">
+            <a:avLst/>
+          </a:prstGeom>
+          <a:solidFill>
+            <a:schemeClr val="accent1">
+              <a:lumMod val="20000"/>
+              <a:lumOff val="80000"/>
+            </a:schemeClr>
+          </a:solidFill>
+          <a:ln w="38100">
+            <a:solidFill>
+              <a:schemeClr val="tx1"/>
+            </a:solidFill>
+          </a:ln>
+        </p:spPr>
+        <p:txBody>
+          <a:bodyPr wrap="square" rtlCol="0">
+            <a:spAutoFit/>
+          </a:bodyPr>
+          <a:lstStyle/>
+          <a:p>
+            <a:pPr algn="ctr"/>
+            <a:r>
+              <a:rPr lang="en-US" dirty="0"/>
+              <a:t>"London"</a:t>
+            </a:r>
+          </a:p>
+        </p:txBody>
+      </p:sp>
+      <p:sp>
+        <p:nvSpPr>
+          <p:cNvPr id="11" name="TextBox 10">
+            <a:extLst>
+              <a:ext uri="{FF2B5EF4-FFF2-40B4-BE49-F238E27FC236}">
+                <a16:creationId xmlns:a16="http://schemas.microsoft.com/office/drawing/2014/main" id="{BD8937EA-1CBB-7A42-8BE4-D04076A1F18B}"/>
+              </a:ext>
+            </a:extLst>
+          </p:cNvPr>
+          <p:cNvSpPr txBox="1"/>
+          <p:nvPr/>
+        </p:nvSpPr>
+        <p:spPr>
+          <a:xfrm>
+            <a:off x="6516045" y="2203503"/>
+            <a:ext cx="1454227" cy="369332"/>
+          </a:xfrm>
+          <a:prstGeom prst="rect">
+            <a:avLst/>
+          </a:prstGeom>
+          <a:solidFill>
+            <a:schemeClr val="accent1">
+              <a:lumMod val="20000"/>
+              <a:lumOff val="80000"/>
+            </a:schemeClr>
+          </a:solidFill>
+          <a:ln w="38100">
+            <a:solidFill>
+              <a:schemeClr val="tx1"/>
+            </a:solidFill>
+          </a:ln>
+        </p:spPr>
+        <p:txBody>
+          <a:bodyPr wrap="square" rtlCol="0">
+            <a:spAutoFit/>
+          </a:bodyPr>
+          <a:lstStyle/>
+          <a:p>
+            <a:pPr algn="ctr"/>
+            <a:r>
+              <a:rPr lang="en-US" dirty="0"/>
+              <a:t>123456789</a:t>
+            </a:r>
+          </a:p>
+        </p:txBody>
+      </p:sp>
+      <p:sp>
+        <p:nvSpPr>
+          <p:cNvPr id="13" name="TextBox 12">
+            <a:extLst>
+              <a:ext uri="{FF2B5EF4-FFF2-40B4-BE49-F238E27FC236}">
+                <a16:creationId xmlns:a16="http://schemas.microsoft.com/office/drawing/2014/main" id="{72CEFC41-2AC0-B64B-9707-24931A178818}"/>
+              </a:ext>
+            </a:extLst>
+          </p:cNvPr>
+          <p:cNvSpPr txBox="1"/>
+          <p:nvPr/>
+        </p:nvSpPr>
+        <p:spPr>
+          <a:xfrm>
+            <a:off x="8398401" y="1898694"/>
+            <a:ext cx="1454227" cy="369332"/>
+          </a:xfrm>
+          <a:prstGeom prst="rect">
+            <a:avLst/>
+          </a:prstGeom>
+          <a:solidFill>
+            <a:schemeClr val="accent1">
+              <a:lumMod val="20000"/>
+              <a:lumOff val="80000"/>
+            </a:schemeClr>
+          </a:solidFill>
+          <a:ln w="38100">
+            <a:solidFill>
+              <a:schemeClr val="tx1"/>
+            </a:solidFill>
+          </a:ln>
+        </p:spPr>
+        <p:txBody>
+          <a:bodyPr wrap="square" rtlCol="0">
+            <a:spAutoFit/>
+          </a:bodyPr>
+          <a:lstStyle/>
+          <a:p>
+            <a:pPr algn="ctr"/>
+            <a:r>
+              <a:rPr lang="en-US" dirty="0"/>
+              <a:t>"name"</a:t>
+            </a:r>
+          </a:p>
+        </p:txBody>
+      </p:sp>
+      <p:cxnSp>
+        <p:nvCxnSpPr>
+          <p:cNvPr id="14" name="Straight Connector 13">
+            <a:extLst>
+              <a:ext uri="{FF2B5EF4-FFF2-40B4-BE49-F238E27FC236}">
+                <a16:creationId xmlns:a16="http://schemas.microsoft.com/office/drawing/2014/main" id="{387DA41E-342E-4B4A-8A89-CDC32204F860}"/>
+              </a:ext>
+            </a:extLst>
+          </p:cNvPr>
+          <p:cNvCxnSpPr>
+            <a:cxnSpLocks/>
+          </p:cNvCxnSpPr>
+          <p:nvPr/>
+        </p:nvCxnSpPr>
+        <p:spPr>
+          <a:xfrm>
+            <a:off x="7970279" y="2388169"/>
+            <a:ext cx="197553" cy="0"/>
+          </a:xfrm>
+          <a:prstGeom prst="line">
+            <a:avLst/>
+          </a:prstGeom>
+          <a:ln w="38100"/>
+        </p:spPr>
+        <p:style>
+          <a:lnRef idx="1">
+            <a:schemeClr val="accent1"/>
+          </a:lnRef>
+          <a:fillRef idx="0">
+            <a:schemeClr val="accent1"/>
+          </a:fillRef>
+          <a:effectRef idx="0">
+            <a:schemeClr val="accent1"/>
+          </a:effectRef>
+          <a:fontRef idx="minor">
+            <a:schemeClr val="tx1"/>
+          </a:fontRef>
+        </p:style>
+      </p:cxnSp>
+      <p:sp>
+        <p:nvSpPr>
+          <p:cNvPr id="15" name="TextBox 14">
+            <a:extLst>
+              <a:ext uri="{FF2B5EF4-FFF2-40B4-BE49-F238E27FC236}">
+                <a16:creationId xmlns:a16="http://schemas.microsoft.com/office/drawing/2014/main" id="{D4DC33A3-494C-BF4F-808E-692CDE7E00FD}"/>
+              </a:ext>
+            </a:extLst>
+          </p:cNvPr>
+          <p:cNvSpPr txBox="1"/>
+          <p:nvPr/>
+        </p:nvSpPr>
+        <p:spPr>
+          <a:xfrm>
+            <a:off x="9835911" y="1902810"/>
+            <a:ext cx="1454227" cy="369332"/>
+          </a:xfrm>
+          <a:prstGeom prst="rect">
+            <a:avLst/>
+          </a:prstGeom>
+          <a:solidFill>
+            <a:schemeClr val="accent2">
+              <a:lumMod val="20000"/>
+              <a:lumOff val="80000"/>
+            </a:schemeClr>
+          </a:solidFill>
+          <a:ln w="38100">
+            <a:solidFill>
+              <a:schemeClr val="tx1"/>
+            </a:solidFill>
+          </a:ln>
+        </p:spPr>
+        <p:txBody>
+          <a:bodyPr wrap="square" rtlCol="0">
+            <a:spAutoFit/>
+          </a:bodyPr>
+          <a:lstStyle/>
+          <a:p>
+            <a:pPr algn="ctr"/>
+            <a:r>
+              <a:rPr lang="en-US" dirty="0"/>
+              <a:t>"Rob Tweed"</a:t>
+            </a:r>
+          </a:p>
+        </p:txBody>
+      </p:sp>
+      <p:cxnSp>
+        <p:nvCxnSpPr>
+          <p:cNvPr id="17" name="Straight Connector 16">
+            <a:extLst>
+              <a:ext uri="{FF2B5EF4-FFF2-40B4-BE49-F238E27FC236}">
+                <a16:creationId xmlns:a16="http://schemas.microsoft.com/office/drawing/2014/main" id="{320DBBA8-7C04-EE43-A613-532B3EE9E790}"/>
+              </a:ext>
+            </a:extLst>
+          </p:cNvPr>
+          <p:cNvCxnSpPr>
+            <a:cxnSpLocks/>
+          </p:cNvCxnSpPr>
+          <p:nvPr/>
+        </p:nvCxnSpPr>
+        <p:spPr>
+          <a:xfrm>
+            <a:off x="2545490" y="766101"/>
+            <a:ext cx="0" cy="5399921"/>
+          </a:xfrm>
+          <a:prstGeom prst="line">
+            <a:avLst/>
+          </a:prstGeom>
+          <a:ln w="34925">
+            <a:solidFill>
+              <a:schemeClr val="accent2">
+                <a:lumMod val="20000"/>
+                <a:lumOff val="80000"/>
+              </a:schemeClr>
+            </a:solidFill>
+            <a:prstDash val="dash"/>
+          </a:ln>
+        </p:spPr>
+        <p:style>
+          <a:lnRef idx="1">
+            <a:schemeClr val="accent1"/>
+          </a:lnRef>
+          <a:fillRef idx="0">
+            <a:schemeClr val="accent1"/>
+          </a:fillRef>
+          <a:effectRef idx="0">
+            <a:schemeClr val="accent1"/>
+          </a:effectRef>
+          <a:fontRef idx="minor">
+            <a:schemeClr val="tx1"/>
+          </a:fontRef>
+        </p:style>
+      </p:cxnSp>
+      <p:sp>
+        <p:nvSpPr>
+          <p:cNvPr id="18" name="TextBox 17">
+            <a:extLst>
+              <a:ext uri="{FF2B5EF4-FFF2-40B4-BE49-F238E27FC236}">
+                <a16:creationId xmlns:a16="http://schemas.microsoft.com/office/drawing/2014/main" id="{E80276C6-8FDC-D341-A35D-8C9F4B564AF3}"/>
+              </a:ext>
+            </a:extLst>
+          </p:cNvPr>
+          <p:cNvSpPr txBox="1"/>
+          <p:nvPr/>
+        </p:nvSpPr>
+        <p:spPr>
+          <a:xfrm>
+            <a:off x="976182" y="1075022"/>
+            <a:ext cx="1265090" cy="338554"/>
+          </a:xfrm>
+          <a:prstGeom prst="rect">
+            <a:avLst/>
+          </a:prstGeom>
+          <a:noFill/>
+        </p:spPr>
+        <p:txBody>
+          <a:bodyPr wrap="none" rtlCol="0">
+            <a:spAutoFit/>
+          </a:bodyPr>
+          <a:lstStyle/>
+          <a:p>
+            <a:r>
+              <a:rPr lang="en-US" sz="1600" dirty="0"/>
+              <a:t>Global Name</a:t>
+            </a:r>
+          </a:p>
+        </p:txBody>
+      </p:sp>
+      <p:cxnSp>
+        <p:nvCxnSpPr>
+          <p:cNvPr id="19" name="Straight Connector 18">
+            <a:extLst>
+              <a:ext uri="{FF2B5EF4-FFF2-40B4-BE49-F238E27FC236}">
+                <a16:creationId xmlns:a16="http://schemas.microsoft.com/office/drawing/2014/main" id="{AB2ADC5D-0300-FB4A-B8EC-96F24DD908B5}"/>
+              </a:ext>
+            </a:extLst>
+          </p:cNvPr>
+          <p:cNvCxnSpPr>
+            <a:cxnSpLocks/>
+          </p:cNvCxnSpPr>
+          <p:nvPr/>
+        </p:nvCxnSpPr>
+        <p:spPr>
+          <a:xfrm>
+            <a:off x="4390771" y="782574"/>
+            <a:ext cx="0" cy="5284594"/>
+          </a:xfrm>
+          <a:prstGeom prst="line">
+            <a:avLst/>
+          </a:prstGeom>
+          <a:ln w="34925">
+            <a:solidFill>
+              <a:schemeClr val="accent2">
+                <a:lumMod val="20000"/>
+                <a:lumOff val="80000"/>
+              </a:schemeClr>
+            </a:solidFill>
+            <a:prstDash val="dash"/>
+          </a:ln>
+        </p:spPr>
+        <p:style>
+          <a:lnRef idx="1">
+            <a:schemeClr val="accent1"/>
+          </a:lnRef>
+          <a:fillRef idx="0">
+            <a:schemeClr val="accent1"/>
+          </a:fillRef>
+          <a:effectRef idx="0">
+            <a:schemeClr val="accent1"/>
+          </a:effectRef>
+          <a:fontRef idx="minor">
+            <a:schemeClr val="tx1"/>
+          </a:fontRef>
+        </p:style>
+      </p:cxnSp>
+      <p:cxnSp>
+        <p:nvCxnSpPr>
+          <p:cNvPr id="20" name="Straight Connector 19">
+            <a:extLst>
+              <a:ext uri="{FF2B5EF4-FFF2-40B4-BE49-F238E27FC236}">
+                <a16:creationId xmlns:a16="http://schemas.microsoft.com/office/drawing/2014/main" id="{DF0C5A21-5B86-7B4D-93F0-7BE91F3E7E0B}"/>
+              </a:ext>
+            </a:extLst>
+          </p:cNvPr>
+          <p:cNvCxnSpPr>
+            <a:cxnSpLocks/>
+          </p:cNvCxnSpPr>
+          <p:nvPr/>
+        </p:nvCxnSpPr>
+        <p:spPr>
+          <a:xfrm>
+            <a:off x="6285482" y="774333"/>
+            <a:ext cx="0" cy="5292835"/>
+          </a:xfrm>
+          <a:prstGeom prst="line">
+            <a:avLst/>
+          </a:prstGeom>
+          <a:ln w="34925">
+            <a:solidFill>
+              <a:schemeClr val="accent2">
+                <a:lumMod val="20000"/>
+                <a:lumOff val="80000"/>
+              </a:schemeClr>
+            </a:solidFill>
+            <a:prstDash val="dash"/>
+          </a:ln>
+        </p:spPr>
+        <p:style>
+          <a:lnRef idx="1">
+            <a:schemeClr val="accent1"/>
+          </a:lnRef>
+          <a:fillRef idx="0">
+            <a:schemeClr val="accent1"/>
+          </a:fillRef>
+          <a:effectRef idx="0">
+            <a:schemeClr val="accent1"/>
+          </a:effectRef>
+          <a:fontRef idx="minor">
+            <a:schemeClr val="tx1"/>
+          </a:fontRef>
+        </p:style>
+      </p:cxnSp>
+      <p:cxnSp>
+        <p:nvCxnSpPr>
+          <p:cNvPr id="21" name="Straight Connector 20">
+            <a:extLst>
+              <a:ext uri="{FF2B5EF4-FFF2-40B4-BE49-F238E27FC236}">
+                <a16:creationId xmlns:a16="http://schemas.microsoft.com/office/drawing/2014/main" id="{AAF2CCAF-6B30-3B47-A46F-B86F699F5B48}"/>
+              </a:ext>
+            </a:extLst>
+          </p:cNvPr>
+          <p:cNvCxnSpPr>
+            <a:cxnSpLocks/>
+          </p:cNvCxnSpPr>
+          <p:nvPr/>
+        </p:nvCxnSpPr>
+        <p:spPr>
+          <a:xfrm flipH="1">
+            <a:off x="8163707" y="778449"/>
+            <a:ext cx="4125" cy="5288719"/>
+          </a:xfrm>
+          <a:prstGeom prst="line">
+            <a:avLst/>
+          </a:prstGeom>
+          <a:ln w="34925">
+            <a:solidFill>
+              <a:schemeClr val="accent2">
+                <a:lumMod val="20000"/>
+                <a:lumOff val="80000"/>
+              </a:schemeClr>
+            </a:solidFill>
+            <a:prstDash val="dash"/>
+          </a:ln>
+        </p:spPr>
+        <p:style>
+          <a:lnRef idx="1">
+            <a:schemeClr val="accent1"/>
+          </a:lnRef>
+          <a:fillRef idx="0">
+            <a:schemeClr val="accent1"/>
+          </a:fillRef>
+          <a:effectRef idx="0">
+            <a:schemeClr val="accent1"/>
+          </a:effectRef>
+          <a:fontRef idx="minor">
+            <a:schemeClr val="tx1"/>
+          </a:fontRef>
+        </p:style>
+      </p:cxnSp>
+      <p:cxnSp>
+        <p:nvCxnSpPr>
+          <p:cNvPr id="22" name="Straight Connector 21">
+            <a:extLst>
+              <a:ext uri="{FF2B5EF4-FFF2-40B4-BE49-F238E27FC236}">
+                <a16:creationId xmlns:a16="http://schemas.microsoft.com/office/drawing/2014/main" id="{4ECBD974-738A-AD4A-92A1-2461968AB80E}"/>
+              </a:ext>
+            </a:extLst>
+          </p:cNvPr>
+          <p:cNvCxnSpPr>
+            <a:cxnSpLocks/>
+          </p:cNvCxnSpPr>
+          <p:nvPr/>
+        </p:nvCxnSpPr>
+        <p:spPr>
+          <a:xfrm>
+            <a:off x="9840117" y="782565"/>
+            <a:ext cx="16627" cy="5383457"/>
+          </a:xfrm>
+          <a:prstGeom prst="line">
+            <a:avLst/>
+          </a:prstGeom>
+          <a:ln w="34925">
+            <a:solidFill>
+              <a:schemeClr val="accent2">
+                <a:lumMod val="20000"/>
+                <a:lumOff val="80000"/>
+              </a:schemeClr>
+            </a:solidFill>
+            <a:prstDash val="dash"/>
+          </a:ln>
+        </p:spPr>
+        <p:style>
+          <a:lnRef idx="1">
+            <a:schemeClr val="accent1"/>
+          </a:lnRef>
+          <a:fillRef idx="0">
+            <a:schemeClr val="accent1"/>
+          </a:fillRef>
+          <a:effectRef idx="0">
+            <a:schemeClr val="accent1"/>
+          </a:effectRef>
+          <a:fontRef idx="minor">
+            <a:schemeClr val="tx1"/>
+          </a:fontRef>
+        </p:style>
+      </p:cxnSp>
+      <p:sp>
+        <p:nvSpPr>
+          <p:cNvPr id="23" name="TextBox 22">
+            <a:extLst>
+              <a:ext uri="{FF2B5EF4-FFF2-40B4-BE49-F238E27FC236}">
+                <a16:creationId xmlns:a16="http://schemas.microsoft.com/office/drawing/2014/main" id="{3939CBED-D6CD-A143-B64F-C89AE1D78FA0}"/>
+              </a:ext>
+            </a:extLst>
+          </p:cNvPr>
+          <p:cNvSpPr txBox="1"/>
+          <p:nvPr/>
+        </p:nvSpPr>
+        <p:spPr>
+          <a:xfrm>
+            <a:off x="2809104" y="881426"/>
+            <a:ext cx="1158972" cy="584775"/>
+          </a:xfrm>
+          <a:prstGeom prst="rect">
+            <a:avLst/>
+          </a:prstGeom>
+          <a:noFill/>
+        </p:spPr>
+        <p:txBody>
+          <a:bodyPr wrap="none" rtlCol="0">
+            <a:spAutoFit/>
+          </a:bodyPr>
+          <a:lstStyle/>
+          <a:p>
+            <a:pPr algn="ctr"/>
+            <a:r>
+              <a:rPr lang="en-US" sz="1600" dirty="0"/>
+              <a:t>Subscript 1:</a:t>
+            </a:r>
+          </a:p>
+          <a:p>
+            <a:pPr algn="ctr"/>
+            <a:r>
+              <a:rPr lang="en-US" sz="1600" dirty="0"/>
+              <a:t>Country</a:t>
+            </a:r>
+          </a:p>
+        </p:txBody>
+      </p:sp>
+      <p:sp>
+        <p:nvSpPr>
+          <p:cNvPr id="24" name="TextBox 23">
+            <a:extLst>
+              <a:ext uri="{FF2B5EF4-FFF2-40B4-BE49-F238E27FC236}">
+                <a16:creationId xmlns:a16="http://schemas.microsoft.com/office/drawing/2014/main" id="{2E80D592-FA8F-B145-8311-FEF1796BB219}"/>
+              </a:ext>
+            </a:extLst>
+          </p:cNvPr>
+          <p:cNvSpPr txBox="1"/>
+          <p:nvPr/>
+        </p:nvSpPr>
+        <p:spPr>
+          <a:xfrm>
+            <a:off x="4679095" y="885542"/>
+            <a:ext cx="1158972" cy="584775"/>
+          </a:xfrm>
+          <a:prstGeom prst="rect">
+            <a:avLst/>
+          </a:prstGeom>
+          <a:noFill/>
+        </p:spPr>
+        <p:txBody>
+          <a:bodyPr wrap="none" rtlCol="0">
+            <a:spAutoFit/>
+          </a:bodyPr>
+          <a:lstStyle/>
+          <a:p>
+            <a:pPr algn="ctr"/>
+            <a:r>
+              <a:rPr lang="en-US" sz="1600" dirty="0"/>
+              <a:t>Subscript 2:</a:t>
+            </a:r>
+          </a:p>
+          <a:p>
+            <a:pPr algn="ctr"/>
+            <a:r>
+              <a:rPr lang="en-US" sz="1600" dirty="0"/>
+              <a:t>City/Office</a:t>
+            </a:r>
+          </a:p>
+        </p:txBody>
+      </p:sp>
+      <p:sp>
+        <p:nvSpPr>
+          <p:cNvPr id="25" name="TextBox 24">
+            <a:extLst>
+              <a:ext uri="{FF2B5EF4-FFF2-40B4-BE49-F238E27FC236}">
+                <a16:creationId xmlns:a16="http://schemas.microsoft.com/office/drawing/2014/main" id="{E46261D8-4F1A-E641-91D0-7FF895D2A5FC}"/>
+              </a:ext>
+            </a:extLst>
+          </p:cNvPr>
+          <p:cNvSpPr txBox="1"/>
+          <p:nvPr/>
+        </p:nvSpPr>
+        <p:spPr>
+          <a:xfrm>
+            <a:off x="6572097" y="877301"/>
+            <a:ext cx="1211807" cy="584775"/>
+          </a:xfrm>
+          <a:prstGeom prst="rect">
+            <a:avLst/>
+          </a:prstGeom>
+          <a:noFill/>
+        </p:spPr>
+        <p:txBody>
+          <a:bodyPr wrap="none" rtlCol="0">
+            <a:spAutoFit/>
+          </a:bodyPr>
+          <a:lstStyle/>
+          <a:p>
+            <a:pPr algn="ctr"/>
+            <a:r>
+              <a:rPr lang="en-US" sz="1600" dirty="0"/>
+              <a:t>Subscript 3:</a:t>
+            </a:r>
+          </a:p>
+          <a:p>
+            <a:pPr algn="ctr"/>
+            <a:r>
+              <a:rPr lang="en-US" sz="1600" dirty="0"/>
+              <a:t>Employee Id</a:t>
+            </a:r>
+          </a:p>
+        </p:txBody>
+      </p:sp>
+      <p:sp>
+        <p:nvSpPr>
+          <p:cNvPr id="26" name="TextBox 25">
+            <a:extLst>
+              <a:ext uri="{FF2B5EF4-FFF2-40B4-BE49-F238E27FC236}">
+                <a16:creationId xmlns:a16="http://schemas.microsoft.com/office/drawing/2014/main" id="{847DA4B7-832F-9C4E-9450-4247FCAD7815}"/>
+              </a:ext>
+            </a:extLst>
+          </p:cNvPr>
+          <p:cNvSpPr txBox="1"/>
+          <p:nvPr/>
+        </p:nvSpPr>
+        <p:spPr>
+          <a:xfrm>
+            <a:off x="8307776" y="881417"/>
+            <a:ext cx="1455720" cy="584775"/>
+          </a:xfrm>
+          <a:prstGeom prst="rect">
+            <a:avLst/>
+          </a:prstGeom>
+          <a:noFill/>
+        </p:spPr>
+        <p:txBody>
+          <a:bodyPr wrap="none" rtlCol="0">
+            <a:spAutoFit/>
+          </a:bodyPr>
+          <a:lstStyle/>
+          <a:p>
+            <a:pPr algn="ctr"/>
+            <a:r>
+              <a:rPr lang="en-US" sz="1600" dirty="0"/>
+              <a:t>Subscript 4:</a:t>
+            </a:r>
+          </a:p>
+          <a:p>
+            <a:pPr algn="ctr"/>
+            <a:r>
+              <a:rPr lang="en-US" sz="1600" dirty="0"/>
+              <a:t>Property Name</a:t>
+            </a:r>
+          </a:p>
+        </p:txBody>
+      </p:sp>
+      <p:sp>
+        <p:nvSpPr>
+          <p:cNvPr id="27" name="TextBox 26">
+            <a:extLst>
+              <a:ext uri="{FF2B5EF4-FFF2-40B4-BE49-F238E27FC236}">
+                <a16:creationId xmlns:a16="http://schemas.microsoft.com/office/drawing/2014/main" id="{F6574DA6-1B61-5940-A8B3-179390BA80FD}"/>
+              </a:ext>
+            </a:extLst>
+          </p:cNvPr>
+          <p:cNvSpPr txBox="1"/>
+          <p:nvPr/>
+        </p:nvSpPr>
+        <p:spPr>
+          <a:xfrm>
+            <a:off x="10166238" y="1000411"/>
+            <a:ext cx="644536" cy="338554"/>
+          </a:xfrm>
+          <a:prstGeom prst="rect">
+            <a:avLst/>
+          </a:prstGeom>
+          <a:noFill/>
+        </p:spPr>
+        <p:txBody>
+          <a:bodyPr wrap="none" rtlCol="0">
+            <a:spAutoFit/>
+          </a:bodyPr>
+          <a:lstStyle/>
+          <a:p>
+            <a:pPr algn="ctr"/>
+            <a:r>
+              <a:rPr lang="en-US" sz="1600" dirty="0"/>
+              <a:t>Value</a:t>
+            </a:r>
+          </a:p>
+        </p:txBody>
+      </p:sp>
+      <p:cxnSp>
+        <p:nvCxnSpPr>
+          <p:cNvPr id="39" name="Straight Connector 38">
+            <a:extLst>
+              <a:ext uri="{FF2B5EF4-FFF2-40B4-BE49-F238E27FC236}">
+                <a16:creationId xmlns:a16="http://schemas.microsoft.com/office/drawing/2014/main" id="{8EE1C60D-AEBF-564D-B83F-7C030BBD69A6}"/>
+              </a:ext>
+            </a:extLst>
+          </p:cNvPr>
+          <p:cNvCxnSpPr>
+            <a:cxnSpLocks/>
+          </p:cNvCxnSpPr>
+          <p:nvPr/>
+        </p:nvCxnSpPr>
+        <p:spPr>
+          <a:xfrm flipH="1">
+            <a:off x="8163707" y="2088276"/>
+            <a:ext cx="4125" cy="295762"/>
+          </a:xfrm>
+          <a:prstGeom prst="line">
+            <a:avLst/>
+          </a:prstGeom>
+          <a:ln w="38100"/>
+        </p:spPr>
+        <p:style>
+          <a:lnRef idx="1">
+            <a:schemeClr val="accent1"/>
+          </a:lnRef>
+          <a:fillRef idx="0">
+            <a:schemeClr val="accent1"/>
+          </a:fillRef>
+          <a:effectRef idx="0">
+            <a:schemeClr val="accent1"/>
+          </a:effectRef>
+          <a:fontRef idx="minor">
+            <a:schemeClr val="tx1"/>
+          </a:fontRef>
+        </p:style>
+      </p:cxnSp>
+      <p:cxnSp>
+        <p:nvCxnSpPr>
+          <p:cNvPr id="42" name="Straight Connector 41">
+            <a:extLst>
+              <a:ext uri="{FF2B5EF4-FFF2-40B4-BE49-F238E27FC236}">
+                <a16:creationId xmlns:a16="http://schemas.microsoft.com/office/drawing/2014/main" id="{4ED25C8B-B151-2742-86A3-D87E0DBFE409}"/>
+              </a:ext>
+            </a:extLst>
+          </p:cNvPr>
+          <p:cNvCxnSpPr>
+            <a:cxnSpLocks/>
+            <a:endCxn id="13" idx="1"/>
+          </p:cNvCxnSpPr>
+          <p:nvPr/>
+        </p:nvCxnSpPr>
+        <p:spPr>
+          <a:xfrm>
+            <a:off x="8167832" y="2083360"/>
+            <a:ext cx="230569" cy="0"/>
+          </a:xfrm>
+          <a:prstGeom prst="line">
+            <a:avLst/>
+          </a:prstGeom>
+          <a:ln w="38100"/>
+        </p:spPr>
+        <p:style>
+          <a:lnRef idx="1">
+            <a:schemeClr val="accent1"/>
+          </a:lnRef>
+          <a:fillRef idx="0">
+            <a:schemeClr val="accent1"/>
+          </a:fillRef>
+          <a:effectRef idx="0">
+            <a:schemeClr val="accent1"/>
+          </a:effectRef>
+          <a:fontRef idx="minor">
+            <a:schemeClr val="tx1"/>
+          </a:fontRef>
+        </p:style>
+      </p:cxnSp>
+      <p:sp>
+        <p:nvSpPr>
+          <p:cNvPr id="30" name="TextBox 29">
+            <a:extLst>
+              <a:ext uri="{FF2B5EF4-FFF2-40B4-BE49-F238E27FC236}">
+                <a16:creationId xmlns:a16="http://schemas.microsoft.com/office/drawing/2014/main" id="{D24C21CD-22DA-9747-BC76-901699199EDC}"/>
+              </a:ext>
+            </a:extLst>
+          </p:cNvPr>
+          <p:cNvSpPr txBox="1"/>
+          <p:nvPr/>
+        </p:nvSpPr>
+        <p:spPr>
+          <a:xfrm>
+            <a:off x="6520161" y="3517435"/>
+            <a:ext cx="1454227" cy="369332"/>
+          </a:xfrm>
+          <a:prstGeom prst="rect">
+            <a:avLst/>
+          </a:prstGeom>
+          <a:solidFill>
+            <a:schemeClr val="accent1">
+              <a:lumMod val="20000"/>
+              <a:lumOff val="80000"/>
+            </a:schemeClr>
+          </a:solidFill>
+          <a:ln w="38100">
+            <a:solidFill>
+              <a:schemeClr val="tx1"/>
+            </a:solidFill>
+          </a:ln>
+        </p:spPr>
+        <p:txBody>
+          <a:bodyPr wrap="square" rtlCol="0">
+            <a:spAutoFit/>
+          </a:bodyPr>
+          <a:lstStyle/>
+          <a:p>
+            <a:pPr algn="ctr"/>
+            <a:r>
+              <a:rPr lang="en-US" dirty="0"/>
+              <a:t>123456464</a:t>
+            </a:r>
+          </a:p>
+        </p:txBody>
+      </p:sp>
+      <p:sp>
+        <p:nvSpPr>
+          <p:cNvPr id="31" name="TextBox 30">
+            <a:extLst>
+              <a:ext uri="{FF2B5EF4-FFF2-40B4-BE49-F238E27FC236}">
+                <a16:creationId xmlns:a16="http://schemas.microsoft.com/office/drawing/2014/main" id="{C9C44824-2556-BE48-B0D4-8F5EDD64FF2E}"/>
+              </a:ext>
+            </a:extLst>
+          </p:cNvPr>
+          <p:cNvSpPr txBox="1"/>
+          <p:nvPr/>
+        </p:nvSpPr>
+        <p:spPr>
+          <a:xfrm>
+            <a:off x="8402517" y="3212626"/>
+            <a:ext cx="1454227" cy="369332"/>
+          </a:xfrm>
+          <a:prstGeom prst="rect">
+            <a:avLst/>
+          </a:prstGeom>
+          <a:solidFill>
+            <a:schemeClr val="accent1">
+              <a:lumMod val="20000"/>
+              <a:lumOff val="80000"/>
+            </a:schemeClr>
+          </a:solidFill>
+          <a:ln w="38100">
+            <a:solidFill>
+              <a:schemeClr val="tx1"/>
+            </a:solidFill>
+          </a:ln>
+        </p:spPr>
+        <p:txBody>
+          <a:bodyPr wrap="square" rtlCol="0">
+            <a:spAutoFit/>
+          </a:bodyPr>
+          <a:lstStyle/>
+          <a:p>
+            <a:pPr algn="ctr"/>
+            <a:r>
+              <a:rPr lang="en-US" dirty="0"/>
+              <a:t>"name"</a:t>
+            </a:r>
+          </a:p>
+        </p:txBody>
+      </p:sp>
+      <p:cxnSp>
+        <p:nvCxnSpPr>
+          <p:cNvPr id="32" name="Straight Connector 31">
+            <a:extLst>
+              <a:ext uri="{FF2B5EF4-FFF2-40B4-BE49-F238E27FC236}">
+                <a16:creationId xmlns:a16="http://schemas.microsoft.com/office/drawing/2014/main" id="{0891CC21-40F5-0347-A6B9-11B6A9B5BEBD}"/>
+              </a:ext>
+            </a:extLst>
+          </p:cNvPr>
+          <p:cNvCxnSpPr>
+            <a:cxnSpLocks/>
+          </p:cNvCxnSpPr>
+          <p:nvPr/>
+        </p:nvCxnSpPr>
+        <p:spPr>
+          <a:xfrm>
+            <a:off x="7974395" y="3702101"/>
+            <a:ext cx="197553" cy="0"/>
+          </a:xfrm>
+          <a:prstGeom prst="line">
+            <a:avLst/>
+          </a:prstGeom>
+          <a:ln w="38100"/>
+        </p:spPr>
+        <p:style>
+          <a:lnRef idx="1">
+            <a:schemeClr val="accent1"/>
+          </a:lnRef>
+          <a:fillRef idx="0">
+            <a:schemeClr val="accent1"/>
+          </a:fillRef>
+          <a:effectRef idx="0">
+            <a:schemeClr val="accent1"/>
+          </a:effectRef>
+          <a:fontRef idx="minor">
+            <a:schemeClr val="tx1"/>
+          </a:fontRef>
+        </p:style>
+      </p:cxnSp>
+      <p:sp>
+        <p:nvSpPr>
+          <p:cNvPr id="33" name="TextBox 32">
+            <a:extLst>
+              <a:ext uri="{FF2B5EF4-FFF2-40B4-BE49-F238E27FC236}">
+                <a16:creationId xmlns:a16="http://schemas.microsoft.com/office/drawing/2014/main" id="{3A91990D-02EB-A74F-95D4-A853E30F6B23}"/>
+              </a:ext>
+            </a:extLst>
+          </p:cNvPr>
+          <p:cNvSpPr txBox="1"/>
+          <p:nvPr/>
+        </p:nvSpPr>
+        <p:spPr>
+          <a:xfrm>
+            <a:off x="9840027" y="3216742"/>
+            <a:ext cx="1454227" cy="369332"/>
+          </a:xfrm>
+          <a:prstGeom prst="rect">
+            <a:avLst/>
+          </a:prstGeom>
+          <a:solidFill>
+            <a:schemeClr val="accent2">
+              <a:lumMod val="20000"/>
+              <a:lumOff val="80000"/>
+            </a:schemeClr>
+          </a:solidFill>
+          <a:ln w="38100">
+            <a:solidFill>
+              <a:schemeClr val="tx1"/>
+            </a:solidFill>
+          </a:ln>
+        </p:spPr>
+        <p:txBody>
+          <a:bodyPr wrap="square" rtlCol="0">
+            <a:spAutoFit/>
+          </a:bodyPr>
+          <a:lstStyle/>
+          <a:p>
+            <a:pPr algn="ctr"/>
+            <a:r>
+              <a:rPr lang="en-US" dirty="0"/>
+              <a:t>"John Smith"</a:t>
+            </a:r>
+          </a:p>
+        </p:txBody>
+      </p:sp>
+      <p:sp>
+        <p:nvSpPr>
+          <p:cNvPr id="34" name="TextBox 33">
+            <a:extLst>
+              <a:ext uri="{FF2B5EF4-FFF2-40B4-BE49-F238E27FC236}">
+                <a16:creationId xmlns:a16="http://schemas.microsoft.com/office/drawing/2014/main" id="{BB19126B-5B1B-D645-8F0A-EF0A5274D453}"/>
+              </a:ext>
+            </a:extLst>
+          </p:cNvPr>
+          <p:cNvSpPr txBox="1"/>
+          <p:nvPr/>
+        </p:nvSpPr>
+        <p:spPr>
+          <a:xfrm>
+            <a:off x="8406633" y="3846942"/>
+            <a:ext cx="1454227" cy="369332"/>
+          </a:xfrm>
+          <a:prstGeom prst="rect">
+            <a:avLst/>
+          </a:prstGeom>
+          <a:solidFill>
+            <a:schemeClr val="accent1">
+              <a:lumMod val="20000"/>
+              <a:lumOff val="80000"/>
+            </a:schemeClr>
+          </a:solidFill>
+          <a:ln w="38100">
+            <a:solidFill>
+              <a:schemeClr val="tx1"/>
+            </a:solidFill>
+          </a:ln>
+        </p:spPr>
+        <p:txBody>
+          <a:bodyPr wrap="square" rtlCol="0">
+            <a:spAutoFit/>
+          </a:bodyPr>
+          <a:lstStyle/>
+          <a:p>
+            <a:pPr algn="ctr"/>
+            <a:r>
+              <a:rPr lang="en-US" dirty="0"/>
+              <a:t>"</a:t>
+            </a:r>
+            <a:r>
+              <a:rPr lang="en-US" dirty="0" err="1"/>
+              <a:t>job_title</a:t>
+            </a:r>
+            <a:r>
+              <a:rPr lang="en-US" dirty="0"/>
+              <a:t>"</a:t>
+            </a:r>
+          </a:p>
+        </p:txBody>
+      </p:sp>
+      <p:sp>
+        <p:nvSpPr>
+          <p:cNvPr id="35" name="TextBox 34">
+            <a:extLst>
+              <a:ext uri="{FF2B5EF4-FFF2-40B4-BE49-F238E27FC236}">
+                <a16:creationId xmlns:a16="http://schemas.microsoft.com/office/drawing/2014/main" id="{5AA53942-AE45-8C4F-A55D-921FD803EF53}"/>
+              </a:ext>
+            </a:extLst>
+          </p:cNvPr>
+          <p:cNvSpPr txBox="1"/>
+          <p:nvPr/>
+        </p:nvSpPr>
+        <p:spPr>
+          <a:xfrm>
+            <a:off x="9844143" y="3838701"/>
+            <a:ext cx="1454227" cy="369332"/>
+          </a:xfrm>
+          <a:prstGeom prst="rect">
+            <a:avLst/>
+          </a:prstGeom>
+          <a:solidFill>
+            <a:schemeClr val="accent2">
+              <a:lumMod val="20000"/>
+              <a:lumOff val="80000"/>
+            </a:schemeClr>
+          </a:solidFill>
+          <a:ln w="38100">
+            <a:solidFill>
+              <a:schemeClr val="tx1"/>
+            </a:solidFill>
+          </a:ln>
+        </p:spPr>
+        <p:txBody>
+          <a:bodyPr wrap="square" rtlCol="0">
+            <a:spAutoFit/>
+          </a:bodyPr>
+          <a:lstStyle/>
+          <a:p>
+            <a:pPr algn="ctr"/>
+            <a:r>
+              <a:rPr lang="en-US" dirty="0"/>
+              <a:t>"Accountant"</a:t>
+            </a:r>
+          </a:p>
+        </p:txBody>
+      </p:sp>
+      <p:cxnSp>
+        <p:nvCxnSpPr>
+          <p:cNvPr id="36" name="Straight Connector 35">
+            <a:extLst>
+              <a:ext uri="{FF2B5EF4-FFF2-40B4-BE49-F238E27FC236}">
+                <a16:creationId xmlns:a16="http://schemas.microsoft.com/office/drawing/2014/main" id="{31983750-57EA-D249-87E9-43F4FBC2B964}"/>
+              </a:ext>
+            </a:extLst>
+          </p:cNvPr>
+          <p:cNvCxnSpPr>
+            <a:cxnSpLocks/>
+          </p:cNvCxnSpPr>
+          <p:nvPr/>
+        </p:nvCxnSpPr>
+        <p:spPr>
+          <a:xfrm>
+            <a:off x="8171948" y="3402208"/>
+            <a:ext cx="0" cy="667264"/>
+          </a:xfrm>
+          <a:prstGeom prst="line">
+            <a:avLst/>
+          </a:prstGeom>
+          <a:ln w="38100"/>
+        </p:spPr>
+        <p:style>
+          <a:lnRef idx="1">
+            <a:schemeClr val="accent1"/>
+          </a:lnRef>
+          <a:fillRef idx="0">
+            <a:schemeClr val="accent1"/>
+          </a:fillRef>
+          <a:effectRef idx="0">
+            <a:schemeClr val="accent1"/>
+          </a:effectRef>
+          <a:fontRef idx="minor">
+            <a:schemeClr val="tx1"/>
+          </a:fontRef>
+        </p:style>
+      </p:cxnSp>
+      <p:cxnSp>
+        <p:nvCxnSpPr>
+          <p:cNvPr id="37" name="Straight Connector 36">
+            <a:extLst>
+              <a:ext uri="{FF2B5EF4-FFF2-40B4-BE49-F238E27FC236}">
+                <a16:creationId xmlns:a16="http://schemas.microsoft.com/office/drawing/2014/main" id="{9329E4AC-3A2C-834A-A499-D000B275F297}"/>
+              </a:ext>
+            </a:extLst>
+          </p:cNvPr>
+          <p:cNvCxnSpPr>
+            <a:cxnSpLocks/>
+            <a:endCxn id="31" idx="1"/>
+          </p:cNvCxnSpPr>
+          <p:nvPr/>
+        </p:nvCxnSpPr>
+        <p:spPr>
+          <a:xfrm>
+            <a:off x="8171948" y="3397292"/>
+            <a:ext cx="230569" cy="0"/>
+          </a:xfrm>
+          <a:prstGeom prst="line">
+            <a:avLst/>
+          </a:prstGeom>
+          <a:ln w="38100"/>
+        </p:spPr>
+        <p:style>
+          <a:lnRef idx="1">
+            <a:schemeClr val="accent1"/>
+          </a:lnRef>
+          <a:fillRef idx="0">
+            <a:schemeClr val="accent1"/>
+          </a:fillRef>
+          <a:effectRef idx="0">
+            <a:schemeClr val="accent1"/>
+          </a:effectRef>
+          <a:fontRef idx="minor">
+            <a:schemeClr val="tx1"/>
+          </a:fontRef>
+        </p:style>
+      </p:cxnSp>
+      <p:cxnSp>
+        <p:nvCxnSpPr>
+          <p:cNvPr id="38" name="Straight Connector 37">
+            <a:extLst>
+              <a:ext uri="{FF2B5EF4-FFF2-40B4-BE49-F238E27FC236}">
+                <a16:creationId xmlns:a16="http://schemas.microsoft.com/office/drawing/2014/main" id="{10C9C948-4BB8-C447-8800-B67AAFB385FD}"/>
+              </a:ext>
+            </a:extLst>
+          </p:cNvPr>
+          <p:cNvCxnSpPr>
+            <a:cxnSpLocks/>
+          </p:cNvCxnSpPr>
+          <p:nvPr/>
+        </p:nvCxnSpPr>
+        <p:spPr>
+          <a:xfrm>
+            <a:off x="8171948" y="4043965"/>
+            <a:ext cx="234685" cy="0"/>
+          </a:xfrm>
+          <a:prstGeom prst="line">
+            <a:avLst/>
+          </a:prstGeom>
+          <a:ln w="38100"/>
+        </p:spPr>
+        <p:style>
+          <a:lnRef idx="1">
+            <a:schemeClr val="accent1"/>
+          </a:lnRef>
+          <a:fillRef idx="0">
+            <a:schemeClr val="accent1"/>
+          </a:fillRef>
+          <a:effectRef idx="0">
+            <a:schemeClr val="accent1"/>
+          </a:effectRef>
+          <a:fontRef idx="minor">
+            <a:schemeClr val="tx1"/>
+          </a:fontRef>
+        </p:style>
+      </p:cxnSp>
+      <p:cxnSp>
+        <p:nvCxnSpPr>
+          <p:cNvPr id="46" name="Straight Connector 45">
+            <a:extLst>
+              <a:ext uri="{FF2B5EF4-FFF2-40B4-BE49-F238E27FC236}">
+                <a16:creationId xmlns:a16="http://schemas.microsoft.com/office/drawing/2014/main" id="{9FE0E766-E9F0-6345-BA40-FF9028507187}"/>
+              </a:ext>
+            </a:extLst>
+          </p:cNvPr>
+          <p:cNvCxnSpPr>
+            <a:cxnSpLocks/>
+          </p:cNvCxnSpPr>
+          <p:nvPr/>
+        </p:nvCxnSpPr>
+        <p:spPr>
+          <a:xfrm>
+            <a:off x="6096165" y="3034843"/>
+            <a:ext cx="197553" cy="0"/>
+          </a:xfrm>
+          <a:prstGeom prst="line">
+            <a:avLst/>
+          </a:prstGeom>
+          <a:ln w="38100"/>
+        </p:spPr>
+        <p:style>
+          <a:lnRef idx="1">
+            <a:schemeClr val="accent1"/>
+          </a:lnRef>
+          <a:fillRef idx="0">
+            <a:schemeClr val="accent1"/>
+          </a:fillRef>
+          <a:effectRef idx="0">
+            <a:schemeClr val="accent1"/>
+          </a:effectRef>
+          <a:fontRef idx="minor">
+            <a:schemeClr val="tx1"/>
+          </a:fontRef>
+        </p:style>
+      </p:cxnSp>
+      <p:cxnSp>
+        <p:nvCxnSpPr>
+          <p:cNvPr id="48" name="Straight Connector 47">
+            <a:extLst>
+              <a:ext uri="{FF2B5EF4-FFF2-40B4-BE49-F238E27FC236}">
+                <a16:creationId xmlns:a16="http://schemas.microsoft.com/office/drawing/2014/main" id="{ADC1802D-DB49-3545-AF41-0F5CA55D030A}"/>
+              </a:ext>
+            </a:extLst>
+          </p:cNvPr>
+          <p:cNvCxnSpPr>
+            <a:cxnSpLocks/>
+          </p:cNvCxnSpPr>
+          <p:nvPr/>
+        </p:nvCxnSpPr>
+        <p:spPr>
+          <a:xfrm flipH="1">
+            <a:off x="6285482" y="2388169"/>
+            <a:ext cx="8236" cy="1285099"/>
+          </a:xfrm>
+          <a:prstGeom prst="line">
+            <a:avLst/>
+          </a:prstGeom>
+          <a:ln w="38100"/>
+        </p:spPr>
+        <p:style>
+          <a:lnRef idx="1">
+            <a:schemeClr val="accent1"/>
+          </a:lnRef>
+          <a:fillRef idx="0">
+            <a:schemeClr val="accent1"/>
+          </a:fillRef>
+          <a:effectRef idx="0">
+            <a:schemeClr val="accent1"/>
+          </a:effectRef>
+          <a:fontRef idx="minor">
+            <a:schemeClr val="tx1"/>
+          </a:fontRef>
+        </p:style>
+      </p:cxnSp>
+      <p:cxnSp>
+        <p:nvCxnSpPr>
+          <p:cNvPr id="49" name="Straight Connector 48">
+            <a:extLst>
+              <a:ext uri="{FF2B5EF4-FFF2-40B4-BE49-F238E27FC236}">
+                <a16:creationId xmlns:a16="http://schemas.microsoft.com/office/drawing/2014/main" id="{39CF07DF-C598-F542-9DE9-A5538406BCE3}"/>
+              </a:ext>
+            </a:extLst>
+          </p:cNvPr>
+          <p:cNvCxnSpPr>
+            <a:cxnSpLocks/>
+          </p:cNvCxnSpPr>
+          <p:nvPr/>
+        </p:nvCxnSpPr>
+        <p:spPr>
+          <a:xfrm>
+            <a:off x="6293718" y="2384038"/>
+            <a:ext cx="230569" cy="0"/>
+          </a:xfrm>
+          <a:prstGeom prst="line">
+            <a:avLst/>
+          </a:prstGeom>
+          <a:ln w="38100"/>
+        </p:spPr>
+        <p:style>
+          <a:lnRef idx="1">
+            <a:schemeClr val="accent1"/>
+          </a:lnRef>
+          <a:fillRef idx="0">
+            <a:schemeClr val="accent1"/>
+          </a:fillRef>
+          <a:effectRef idx="0">
+            <a:schemeClr val="accent1"/>
+          </a:effectRef>
+          <a:fontRef idx="minor">
+            <a:schemeClr val="tx1"/>
+          </a:fontRef>
+        </p:style>
+      </p:cxnSp>
+      <p:cxnSp>
+        <p:nvCxnSpPr>
+          <p:cNvPr id="50" name="Straight Connector 49">
+            <a:extLst>
+              <a:ext uri="{FF2B5EF4-FFF2-40B4-BE49-F238E27FC236}">
+                <a16:creationId xmlns:a16="http://schemas.microsoft.com/office/drawing/2014/main" id="{BEE01309-F1DE-AA46-8C4A-FC4F22BA4CDB}"/>
+              </a:ext>
+            </a:extLst>
+          </p:cNvPr>
+          <p:cNvCxnSpPr>
+            <a:cxnSpLocks/>
+          </p:cNvCxnSpPr>
+          <p:nvPr/>
+        </p:nvCxnSpPr>
+        <p:spPr>
+          <a:xfrm>
+            <a:off x="6293718" y="3673268"/>
+            <a:ext cx="234685" cy="0"/>
+          </a:xfrm>
+          <a:prstGeom prst="line">
+            <a:avLst/>
+          </a:prstGeom>
+          <a:ln w="38100"/>
+        </p:spPr>
+        <p:style>
+          <a:lnRef idx="1">
+            <a:schemeClr val="accent1"/>
+          </a:lnRef>
+          <a:fillRef idx="0">
+            <a:schemeClr val="accent1"/>
+          </a:fillRef>
+          <a:effectRef idx="0">
+            <a:schemeClr val="accent1"/>
+          </a:effectRef>
+          <a:fontRef idx="minor">
+            <a:schemeClr val="tx1"/>
+          </a:fontRef>
+        </p:style>
+      </p:cxnSp>
+      <p:sp>
+        <p:nvSpPr>
+          <p:cNvPr id="40" name="TextBox 39">
+            <a:extLst>
+              <a:ext uri="{FF2B5EF4-FFF2-40B4-BE49-F238E27FC236}">
+                <a16:creationId xmlns:a16="http://schemas.microsoft.com/office/drawing/2014/main" id="{AD9FE9D1-B41E-074B-98F6-0D3D410206D1}"/>
+              </a:ext>
+            </a:extLst>
+          </p:cNvPr>
+          <p:cNvSpPr txBox="1"/>
+          <p:nvPr/>
+        </p:nvSpPr>
+        <p:spPr>
+          <a:xfrm>
+            <a:off x="4637809" y="4711930"/>
+            <a:ext cx="1454227" cy="369332"/>
+          </a:xfrm>
+          <a:prstGeom prst="rect">
+            <a:avLst/>
+          </a:prstGeom>
+          <a:solidFill>
+            <a:schemeClr val="accent1">
+              <a:lumMod val="20000"/>
+              <a:lumOff val="80000"/>
+            </a:schemeClr>
+          </a:solidFill>
+          <a:ln w="38100">
+            <a:solidFill>
+              <a:schemeClr val="tx1"/>
+            </a:solidFill>
+          </a:ln>
+        </p:spPr>
+        <p:txBody>
+          <a:bodyPr wrap="square" rtlCol="0">
+            <a:spAutoFit/>
+          </a:bodyPr>
+          <a:lstStyle/>
+          <a:p>
+            <a:pPr algn="ctr"/>
+            <a:r>
+              <a:rPr lang="en-US" dirty="0"/>
+              <a:t>"Bristol"</a:t>
+            </a:r>
+          </a:p>
+        </p:txBody>
+      </p:sp>
+      <p:sp>
+        <p:nvSpPr>
+          <p:cNvPr id="41" name="TextBox 40">
+            <a:extLst>
+              <a:ext uri="{FF2B5EF4-FFF2-40B4-BE49-F238E27FC236}">
+                <a16:creationId xmlns:a16="http://schemas.microsoft.com/office/drawing/2014/main" id="{BE1F8686-B383-D245-AC69-875674C928B1}"/>
+              </a:ext>
+            </a:extLst>
+          </p:cNvPr>
+          <p:cNvSpPr txBox="1"/>
+          <p:nvPr/>
+        </p:nvSpPr>
+        <p:spPr>
+          <a:xfrm>
+            <a:off x="6520161" y="4716046"/>
+            <a:ext cx="1454227" cy="369332"/>
+          </a:xfrm>
+          <a:prstGeom prst="rect">
+            <a:avLst/>
+          </a:prstGeom>
+          <a:solidFill>
+            <a:schemeClr val="accent1">
+              <a:lumMod val="20000"/>
+              <a:lumOff val="80000"/>
+            </a:schemeClr>
+          </a:solidFill>
+          <a:ln w="38100">
+            <a:solidFill>
+              <a:schemeClr val="tx1"/>
+            </a:solidFill>
+          </a:ln>
+        </p:spPr>
+        <p:txBody>
+          <a:bodyPr wrap="square" rtlCol="0">
+            <a:spAutoFit/>
+          </a:bodyPr>
+          <a:lstStyle/>
+          <a:p>
+            <a:pPr algn="ctr"/>
+            <a:r>
+              <a:rPr lang="en-US" dirty="0"/>
+              <a:t>987654321</a:t>
+            </a:r>
+          </a:p>
+        </p:txBody>
+      </p:sp>
+      <p:cxnSp>
+        <p:nvCxnSpPr>
+          <p:cNvPr id="43" name="Straight Connector 42">
+            <a:extLst>
+              <a:ext uri="{FF2B5EF4-FFF2-40B4-BE49-F238E27FC236}">
+                <a16:creationId xmlns:a16="http://schemas.microsoft.com/office/drawing/2014/main" id="{D600E78C-B70F-D246-ACAC-41A5C1A72177}"/>
+              </a:ext>
+            </a:extLst>
+          </p:cNvPr>
+          <p:cNvCxnSpPr>
+            <a:cxnSpLocks/>
+            <a:endCxn id="41" idx="1"/>
+          </p:cNvCxnSpPr>
+          <p:nvPr/>
+        </p:nvCxnSpPr>
+        <p:spPr>
+          <a:xfrm>
+            <a:off x="6092039" y="4896596"/>
+            <a:ext cx="428122" cy="4116"/>
+          </a:xfrm>
+          <a:prstGeom prst="line">
+            <a:avLst/>
+          </a:prstGeom>
+          <a:ln w="38100"/>
+        </p:spPr>
+        <p:style>
+          <a:lnRef idx="1">
+            <a:schemeClr val="accent1"/>
+          </a:lnRef>
+          <a:fillRef idx="0">
+            <a:schemeClr val="accent1"/>
+          </a:fillRef>
+          <a:effectRef idx="0">
+            <a:schemeClr val="accent1"/>
+          </a:effectRef>
+          <a:fontRef idx="minor">
+            <a:schemeClr val="tx1"/>
+          </a:fontRef>
+        </p:style>
+      </p:cxnSp>
+      <p:cxnSp>
+        <p:nvCxnSpPr>
+          <p:cNvPr id="52" name="Straight Connector 51">
+            <a:extLst>
+              <a:ext uri="{FF2B5EF4-FFF2-40B4-BE49-F238E27FC236}">
+                <a16:creationId xmlns:a16="http://schemas.microsoft.com/office/drawing/2014/main" id="{C00D2E55-1373-804A-A327-7297330EC6D7}"/>
+              </a:ext>
+            </a:extLst>
+          </p:cNvPr>
+          <p:cNvCxnSpPr>
+            <a:cxnSpLocks/>
+          </p:cNvCxnSpPr>
+          <p:nvPr/>
+        </p:nvCxnSpPr>
+        <p:spPr>
+          <a:xfrm>
+            <a:off x="4209694" y="4002794"/>
+            <a:ext cx="197553" cy="0"/>
+          </a:xfrm>
+          <a:prstGeom prst="line">
+            <a:avLst/>
+          </a:prstGeom>
+          <a:ln w="38100"/>
+        </p:spPr>
+        <p:style>
+          <a:lnRef idx="1">
+            <a:schemeClr val="accent1"/>
+          </a:lnRef>
+          <a:fillRef idx="0">
+            <a:schemeClr val="accent1"/>
+          </a:fillRef>
+          <a:effectRef idx="0">
+            <a:schemeClr val="accent1"/>
+          </a:effectRef>
+          <a:fontRef idx="minor">
+            <a:schemeClr val="tx1"/>
+          </a:fontRef>
+        </p:style>
+      </p:cxnSp>
+      <p:cxnSp>
+        <p:nvCxnSpPr>
+          <p:cNvPr id="53" name="Straight Connector 52">
+            <a:extLst>
+              <a:ext uri="{FF2B5EF4-FFF2-40B4-BE49-F238E27FC236}">
+                <a16:creationId xmlns:a16="http://schemas.microsoft.com/office/drawing/2014/main" id="{4FE77270-9BF3-5D4B-A233-01E126B7D76A}"/>
+              </a:ext>
+            </a:extLst>
+          </p:cNvPr>
+          <p:cNvCxnSpPr>
+            <a:cxnSpLocks/>
+          </p:cNvCxnSpPr>
+          <p:nvPr/>
+        </p:nvCxnSpPr>
+        <p:spPr>
+          <a:xfrm>
+            <a:off x="4399011" y="3034843"/>
+            <a:ext cx="0" cy="1882342"/>
+          </a:xfrm>
+          <a:prstGeom prst="line">
+            <a:avLst/>
+          </a:prstGeom>
+          <a:ln w="38100"/>
+        </p:spPr>
+        <p:style>
+          <a:lnRef idx="1">
+            <a:schemeClr val="accent1"/>
+          </a:lnRef>
+          <a:fillRef idx="0">
+            <a:schemeClr val="accent1"/>
+          </a:fillRef>
+          <a:effectRef idx="0">
+            <a:schemeClr val="accent1"/>
+          </a:effectRef>
+          <a:fontRef idx="minor">
+            <a:schemeClr val="tx1"/>
+          </a:fontRef>
+        </p:style>
+      </p:cxnSp>
+      <p:cxnSp>
+        <p:nvCxnSpPr>
+          <p:cNvPr id="54" name="Straight Connector 53">
+            <a:extLst>
+              <a:ext uri="{FF2B5EF4-FFF2-40B4-BE49-F238E27FC236}">
+                <a16:creationId xmlns:a16="http://schemas.microsoft.com/office/drawing/2014/main" id="{E58A8B46-D70D-F848-99A0-9651F131305C}"/>
+              </a:ext>
+            </a:extLst>
+          </p:cNvPr>
+          <p:cNvCxnSpPr>
+            <a:cxnSpLocks/>
+          </p:cNvCxnSpPr>
+          <p:nvPr/>
+        </p:nvCxnSpPr>
+        <p:spPr>
+          <a:xfrm>
+            <a:off x="4407247" y="3067778"/>
+            <a:ext cx="230569" cy="0"/>
+          </a:xfrm>
+          <a:prstGeom prst="line">
+            <a:avLst/>
+          </a:prstGeom>
+          <a:ln w="38100"/>
+        </p:spPr>
+        <p:style>
+          <a:lnRef idx="1">
+            <a:schemeClr val="accent1"/>
+          </a:lnRef>
+          <a:fillRef idx="0">
+            <a:schemeClr val="accent1"/>
+          </a:fillRef>
+          <a:effectRef idx="0">
+            <a:schemeClr val="accent1"/>
+          </a:effectRef>
+          <a:fontRef idx="minor">
+            <a:schemeClr val="tx1"/>
+          </a:fontRef>
+        </p:style>
+      </p:cxnSp>
+      <p:cxnSp>
+        <p:nvCxnSpPr>
+          <p:cNvPr id="55" name="Straight Connector 54">
+            <a:extLst>
+              <a:ext uri="{FF2B5EF4-FFF2-40B4-BE49-F238E27FC236}">
+                <a16:creationId xmlns:a16="http://schemas.microsoft.com/office/drawing/2014/main" id="{B8550718-94E0-0F47-9768-1A49C31A346B}"/>
+              </a:ext>
+            </a:extLst>
+          </p:cNvPr>
+          <p:cNvCxnSpPr>
+            <a:cxnSpLocks/>
+          </p:cNvCxnSpPr>
+          <p:nvPr/>
+        </p:nvCxnSpPr>
+        <p:spPr>
+          <a:xfrm>
+            <a:off x="4407247" y="4900716"/>
+            <a:ext cx="234685" cy="0"/>
+          </a:xfrm>
+          <a:prstGeom prst="line">
+            <a:avLst/>
+          </a:prstGeom>
+          <a:ln w="38100"/>
+        </p:spPr>
+        <p:style>
+          <a:lnRef idx="1">
+            <a:schemeClr val="accent1"/>
+          </a:lnRef>
+          <a:fillRef idx="0">
+            <a:schemeClr val="accent1"/>
+          </a:fillRef>
+          <a:effectRef idx="0">
+            <a:schemeClr val="accent1"/>
+          </a:effectRef>
+          <a:fontRef idx="minor">
+            <a:schemeClr val="tx1"/>
+          </a:fontRef>
+        </p:style>
+      </p:cxnSp>
+      <p:sp>
+        <p:nvSpPr>
+          <p:cNvPr id="56" name="TextBox 55">
+            <a:extLst>
+              <a:ext uri="{FF2B5EF4-FFF2-40B4-BE49-F238E27FC236}">
+                <a16:creationId xmlns:a16="http://schemas.microsoft.com/office/drawing/2014/main" id="{D46579A6-8F05-9D4A-8E02-48DBD81FD95A}"/>
+              </a:ext>
+            </a:extLst>
+          </p:cNvPr>
+          <p:cNvSpPr txBox="1"/>
+          <p:nvPr/>
+        </p:nvSpPr>
+        <p:spPr>
+          <a:xfrm>
+            <a:off x="8394276" y="4427710"/>
+            <a:ext cx="1454227" cy="369332"/>
+          </a:xfrm>
+          <a:prstGeom prst="rect">
+            <a:avLst/>
+          </a:prstGeom>
+          <a:solidFill>
+            <a:schemeClr val="accent1">
+              <a:lumMod val="20000"/>
+              <a:lumOff val="80000"/>
+            </a:schemeClr>
+          </a:solidFill>
+          <a:ln w="38100">
+            <a:solidFill>
+              <a:schemeClr val="tx1"/>
+            </a:solidFill>
+          </a:ln>
+        </p:spPr>
+        <p:txBody>
+          <a:bodyPr wrap="square" rtlCol="0">
+            <a:spAutoFit/>
+          </a:bodyPr>
+          <a:lstStyle/>
+          <a:p>
+            <a:pPr algn="ctr"/>
+            <a:r>
+              <a:rPr lang="en-US" dirty="0"/>
+              <a:t>"name"</a:t>
+            </a:r>
+          </a:p>
+        </p:txBody>
+      </p:sp>
+      <p:cxnSp>
+        <p:nvCxnSpPr>
+          <p:cNvPr id="57" name="Straight Connector 56">
+            <a:extLst>
+              <a:ext uri="{FF2B5EF4-FFF2-40B4-BE49-F238E27FC236}">
+                <a16:creationId xmlns:a16="http://schemas.microsoft.com/office/drawing/2014/main" id="{069E7C1F-6498-AA4A-96AE-DF0F1C0EFE00}"/>
+              </a:ext>
+            </a:extLst>
+          </p:cNvPr>
+          <p:cNvCxnSpPr>
+            <a:cxnSpLocks/>
+          </p:cNvCxnSpPr>
+          <p:nvPr/>
+        </p:nvCxnSpPr>
+        <p:spPr>
+          <a:xfrm>
+            <a:off x="7966154" y="4917185"/>
+            <a:ext cx="197553" cy="0"/>
+          </a:xfrm>
+          <a:prstGeom prst="line">
+            <a:avLst/>
+          </a:prstGeom>
+          <a:ln w="38100"/>
+        </p:spPr>
+        <p:style>
+          <a:lnRef idx="1">
+            <a:schemeClr val="accent1"/>
+          </a:lnRef>
+          <a:fillRef idx="0">
+            <a:schemeClr val="accent1"/>
+          </a:fillRef>
+          <a:effectRef idx="0">
+            <a:schemeClr val="accent1"/>
+          </a:effectRef>
+          <a:fontRef idx="minor">
+            <a:schemeClr val="tx1"/>
+          </a:fontRef>
+        </p:style>
+      </p:cxnSp>
+      <p:sp>
+        <p:nvSpPr>
+          <p:cNvPr id="58" name="TextBox 57">
+            <a:extLst>
+              <a:ext uri="{FF2B5EF4-FFF2-40B4-BE49-F238E27FC236}">
+                <a16:creationId xmlns:a16="http://schemas.microsoft.com/office/drawing/2014/main" id="{347B5CBE-07CD-664D-958C-3B86FD234C15}"/>
+              </a:ext>
+            </a:extLst>
+          </p:cNvPr>
+          <p:cNvSpPr txBox="1"/>
+          <p:nvPr/>
+        </p:nvSpPr>
+        <p:spPr>
+          <a:xfrm>
+            <a:off x="9831786" y="4419469"/>
+            <a:ext cx="1454227" cy="369332"/>
+          </a:xfrm>
+          <a:prstGeom prst="rect">
+            <a:avLst/>
+          </a:prstGeom>
+          <a:solidFill>
+            <a:schemeClr val="accent2">
+              <a:lumMod val="20000"/>
+              <a:lumOff val="80000"/>
+            </a:schemeClr>
+          </a:solidFill>
+          <a:ln w="38100">
+            <a:solidFill>
+              <a:schemeClr val="tx1"/>
+            </a:solidFill>
+          </a:ln>
+        </p:spPr>
+        <p:txBody>
+          <a:bodyPr wrap="square" rtlCol="0">
+            <a:spAutoFit/>
+          </a:bodyPr>
+          <a:lstStyle/>
+          <a:p>
+            <a:pPr algn="ctr"/>
+            <a:r>
+              <a:rPr lang="en-US" dirty="0"/>
+              <a:t>"John Smith"</a:t>
+            </a:r>
+          </a:p>
+        </p:txBody>
+      </p:sp>
+      <p:sp>
+        <p:nvSpPr>
+          <p:cNvPr id="59" name="TextBox 58">
+            <a:extLst>
+              <a:ext uri="{FF2B5EF4-FFF2-40B4-BE49-F238E27FC236}">
+                <a16:creationId xmlns:a16="http://schemas.microsoft.com/office/drawing/2014/main" id="{EC4A2C90-6627-ED48-86F9-B37B7E409ACE}"/>
+              </a:ext>
+            </a:extLst>
+          </p:cNvPr>
+          <p:cNvSpPr txBox="1"/>
+          <p:nvPr/>
+        </p:nvSpPr>
+        <p:spPr>
+          <a:xfrm>
+            <a:off x="8398392" y="5062026"/>
+            <a:ext cx="1454227" cy="369332"/>
+          </a:xfrm>
+          <a:prstGeom prst="rect">
+            <a:avLst/>
+          </a:prstGeom>
+          <a:solidFill>
+            <a:schemeClr val="accent1">
+              <a:lumMod val="20000"/>
+              <a:lumOff val="80000"/>
+            </a:schemeClr>
+          </a:solidFill>
+          <a:ln w="38100">
+            <a:solidFill>
+              <a:schemeClr val="tx1"/>
+            </a:solidFill>
+          </a:ln>
+        </p:spPr>
+        <p:txBody>
+          <a:bodyPr wrap="square" rtlCol="0">
+            <a:spAutoFit/>
+          </a:bodyPr>
+          <a:lstStyle/>
+          <a:p>
+            <a:pPr algn="ctr"/>
+            <a:r>
+              <a:rPr lang="en-US" dirty="0"/>
+              <a:t>"</a:t>
+            </a:r>
+            <a:r>
+              <a:rPr lang="en-US" dirty="0" err="1"/>
+              <a:t>job_title</a:t>
+            </a:r>
+            <a:r>
+              <a:rPr lang="en-US" dirty="0"/>
+              <a:t>"</a:t>
+            </a:r>
+          </a:p>
+        </p:txBody>
+      </p:sp>
+      <p:cxnSp>
+        <p:nvCxnSpPr>
+          <p:cNvPr id="61" name="Straight Connector 60">
+            <a:extLst>
+              <a:ext uri="{FF2B5EF4-FFF2-40B4-BE49-F238E27FC236}">
+                <a16:creationId xmlns:a16="http://schemas.microsoft.com/office/drawing/2014/main" id="{ED8E7AEB-1429-1340-9D3B-802AC83FF776}"/>
+              </a:ext>
+            </a:extLst>
+          </p:cNvPr>
+          <p:cNvCxnSpPr>
+            <a:cxnSpLocks/>
+          </p:cNvCxnSpPr>
+          <p:nvPr/>
+        </p:nvCxnSpPr>
+        <p:spPr>
+          <a:xfrm>
+            <a:off x="8163707" y="4617292"/>
+            <a:ext cx="0" cy="667264"/>
+          </a:xfrm>
+          <a:prstGeom prst="line">
+            <a:avLst/>
+          </a:prstGeom>
+          <a:ln w="38100"/>
+        </p:spPr>
+        <p:style>
+          <a:lnRef idx="1">
+            <a:schemeClr val="accent1"/>
+          </a:lnRef>
+          <a:fillRef idx="0">
+            <a:schemeClr val="accent1"/>
+          </a:fillRef>
+          <a:effectRef idx="0">
+            <a:schemeClr val="accent1"/>
+          </a:effectRef>
+          <a:fontRef idx="minor">
+            <a:schemeClr val="tx1"/>
+          </a:fontRef>
+        </p:style>
+      </p:cxnSp>
+      <p:cxnSp>
+        <p:nvCxnSpPr>
+          <p:cNvPr id="62" name="Straight Connector 61">
+            <a:extLst>
+              <a:ext uri="{FF2B5EF4-FFF2-40B4-BE49-F238E27FC236}">
+                <a16:creationId xmlns:a16="http://schemas.microsoft.com/office/drawing/2014/main" id="{7842B537-C770-1A48-B93F-0CE25AB9284A}"/>
+              </a:ext>
+            </a:extLst>
+          </p:cNvPr>
+          <p:cNvCxnSpPr>
+            <a:cxnSpLocks/>
+            <a:endCxn id="56" idx="1"/>
+          </p:cNvCxnSpPr>
+          <p:nvPr/>
+        </p:nvCxnSpPr>
+        <p:spPr>
+          <a:xfrm>
+            <a:off x="8163707" y="4612376"/>
+            <a:ext cx="230569" cy="0"/>
+          </a:xfrm>
+          <a:prstGeom prst="line">
+            <a:avLst/>
+          </a:prstGeom>
+          <a:ln w="38100"/>
+        </p:spPr>
+        <p:style>
+          <a:lnRef idx="1">
+            <a:schemeClr val="accent1"/>
+          </a:lnRef>
+          <a:fillRef idx="0">
+            <a:schemeClr val="accent1"/>
+          </a:fillRef>
+          <a:effectRef idx="0">
+            <a:schemeClr val="accent1"/>
+          </a:effectRef>
+          <a:fontRef idx="minor">
+            <a:schemeClr val="tx1"/>
+          </a:fontRef>
+        </p:style>
+      </p:cxnSp>
+      <p:cxnSp>
+        <p:nvCxnSpPr>
+          <p:cNvPr id="63" name="Straight Connector 62">
+            <a:extLst>
+              <a:ext uri="{FF2B5EF4-FFF2-40B4-BE49-F238E27FC236}">
+                <a16:creationId xmlns:a16="http://schemas.microsoft.com/office/drawing/2014/main" id="{B4E45706-1EB9-5D44-96A9-A83E90A02CAA}"/>
+              </a:ext>
+            </a:extLst>
+          </p:cNvPr>
+          <p:cNvCxnSpPr>
+            <a:cxnSpLocks/>
+          </p:cNvCxnSpPr>
+          <p:nvPr/>
+        </p:nvCxnSpPr>
+        <p:spPr>
+          <a:xfrm>
+            <a:off x="8163707" y="5259049"/>
+            <a:ext cx="234685" cy="0"/>
+          </a:xfrm>
+          <a:prstGeom prst="line">
+            <a:avLst/>
+          </a:prstGeom>
+          <a:ln w="38100"/>
+        </p:spPr>
+        <p:style>
+          <a:lnRef idx="1">
+            <a:schemeClr val="accent1"/>
+          </a:lnRef>
+          <a:fillRef idx="0">
+            <a:schemeClr val="accent1"/>
+          </a:fillRef>
+          <a:effectRef idx="0">
+            <a:schemeClr val="accent1"/>
+          </a:effectRef>
+          <a:fontRef idx="minor">
+            <a:schemeClr val="tx1"/>
+          </a:fontRef>
+        </p:style>
+      </p:cxnSp>
+      <p:sp>
+        <p:nvSpPr>
+          <p:cNvPr id="64" name="TextBox 63">
+            <a:extLst>
+              <a:ext uri="{FF2B5EF4-FFF2-40B4-BE49-F238E27FC236}">
+                <a16:creationId xmlns:a16="http://schemas.microsoft.com/office/drawing/2014/main" id="{FFF49C89-51A5-3B4E-8FC2-7D8BB72F2D57}"/>
+              </a:ext>
+            </a:extLst>
+          </p:cNvPr>
+          <p:cNvSpPr txBox="1"/>
+          <p:nvPr/>
+        </p:nvSpPr>
+        <p:spPr>
+          <a:xfrm>
+            <a:off x="9848259" y="5066148"/>
+            <a:ext cx="1454227" cy="369332"/>
+          </a:xfrm>
+          <a:prstGeom prst="rect">
+            <a:avLst/>
+          </a:prstGeom>
+          <a:solidFill>
+            <a:schemeClr val="accent2">
+              <a:lumMod val="20000"/>
+              <a:lumOff val="80000"/>
+            </a:schemeClr>
+          </a:solidFill>
+          <a:ln w="38100">
+            <a:solidFill>
+              <a:schemeClr val="tx1"/>
+            </a:solidFill>
+          </a:ln>
+        </p:spPr>
+        <p:txBody>
+          <a:bodyPr wrap="square" rtlCol="0">
+            <a:spAutoFit/>
+          </a:bodyPr>
+          <a:lstStyle/>
+          <a:p>
+            <a:pPr algn="ctr"/>
+            <a:r>
+              <a:rPr lang="en-US" dirty="0"/>
+              <a:t>"Clerk"</a:t>
+            </a:r>
+          </a:p>
+        </p:txBody>
+      </p:sp>
+    </p:spTree>
+    <p:extLst>
+      <p:ext uri="{BB962C8B-B14F-4D97-AF65-F5344CB8AC3E}">
+        <p14:creationId xmlns:p14="http://schemas.microsoft.com/office/powerpoint/2010/main" val="3259107293"/>
+      </p:ext>
+    </p:extLst>
+  </p:cSld>
+  <p:clrMapOvr>
+    <a:masterClrMapping/>
+  </p:clrMapOvr>
+</p:sld>
+</file>
+
+<file path=ppt/slides/slide8.xml><?xml version="1.0" encoding="utf-8"?>
+<p:sld xmlns:a="http://schemas.openxmlformats.org/drawingml/2006/main" xmlns:r="http://schemas.openxmlformats.org/officeDocument/2006/relationships" xmlns:p="http://schemas.openxmlformats.org/presentationml/2006/main">
+  <p:cSld>
+    <p:spTree>
+      <p:nvGrpSpPr>
+        <p:cNvPr id="1" name=""/>
+        <p:cNvGrpSpPr/>
+        <p:nvPr/>
+      </p:nvGrpSpPr>
+      <p:grpSpPr>
+        <a:xfrm>
+          <a:off x="0" y="0"/>
+          <a:ext cx="0" cy="0"/>
+          <a:chOff x="0" y="0"/>
+          <a:chExt cx="0" cy="0"/>
+        </a:xfrm>
+      </p:grpSpPr>
+      <p:sp>
+        <p:nvSpPr>
+          <p:cNvPr id="4" name="TextBox 3">
+            <a:extLst>
+              <a:ext uri="{FF2B5EF4-FFF2-40B4-BE49-F238E27FC236}">
+                <a16:creationId xmlns:a16="http://schemas.microsoft.com/office/drawing/2014/main" id="{B162801C-762F-E94B-A835-73FA42117F87}"/>
+              </a:ext>
+            </a:extLst>
+          </p:cNvPr>
+          <p:cNvSpPr txBox="1"/>
+          <p:nvPr/>
+        </p:nvSpPr>
+        <p:spPr>
+          <a:xfrm>
+            <a:off x="881349" y="3822256"/>
+            <a:ext cx="1454227" cy="369332"/>
+          </a:xfrm>
+          <a:prstGeom prst="rect">
+            <a:avLst/>
+          </a:prstGeom>
+          <a:solidFill>
+            <a:schemeClr val="accent6">
+              <a:lumMod val="20000"/>
+              <a:lumOff val="80000"/>
+            </a:schemeClr>
+          </a:solidFill>
+          <a:ln w="38100">
+            <a:solidFill>
+              <a:schemeClr val="tx1"/>
+            </a:solidFill>
+          </a:ln>
+        </p:spPr>
+        <p:txBody>
+          <a:bodyPr wrap="square" rtlCol="0">
+            <a:spAutoFit/>
+          </a:bodyPr>
+          <a:lstStyle/>
+          <a:p>
+            <a:pPr algn="ctr"/>
+            <a:r>
+              <a:rPr lang="en-US" dirty="0"/>
+              <a:t>employee</a:t>
+            </a:r>
+          </a:p>
+        </p:txBody>
+      </p:sp>
+      <p:sp>
+        <p:nvSpPr>
+          <p:cNvPr id="5" name="TextBox 4">
+            <a:extLst>
+              <a:ext uri="{FF2B5EF4-FFF2-40B4-BE49-F238E27FC236}">
+                <a16:creationId xmlns:a16="http://schemas.microsoft.com/office/drawing/2014/main" id="{1A2AC16F-7704-3D42-B4B8-F48A39849A4C}"/>
+              </a:ext>
+            </a:extLst>
+          </p:cNvPr>
+          <p:cNvSpPr txBox="1"/>
+          <p:nvPr/>
+        </p:nvSpPr>
+        <p:spPr>
+          <a:xfrm>
+            <a:off x="2763698" y="3826372"/>
+            <a:ext cx="1454227" cy="369332"/>
+          </a:xfrm>
+          <a:prstGeom prst="rect">
+            <a:avLst/>
+          </a:prstGeom>
+          <a:solidFill>
+            <a:schemeClr val="accent1">
+              <a:lumMod val="20000"/>
+              <a:lumOff val="80000"/>
+            </a:schemeClr>
+          </a:solidFill>
+          <a:ln w="38100">
+            <a:solidFill>
+              <a:schemeClr val="tx1"/>
+            </a:solidFill>
+          </a:ln>
+        </p:spPr>
+        <p:txBody>
+          <a:bodyPr wrap="square" rtlCol="0">
+            <a:spAutoFit/>
+          </a:bodyPr>
+          <a:lstStyle/>
+          <a:p>
+            <a:pPr algn="ctr"/>
+            <a:r>
+              <a:rPr lang="en-US" dirty="0"/>
+              <a:t>"UK"</a:t>
+            </a:r>
+          </a:p>
+        </p:txBody>
+      </p:sp>
+      <p:cxnSp>
+        <p:nvCxnSpPr>
+          <p:cNvPr id="7" name="Straight Connector 6">
+            <a:extLst>
+              <a:ext uri="{FF2B5EF4-FFF2-40B4-BE49-F238E27FC236}">
+                <a16:creationId xmlns:a16="http://schemas.microsoft.com/office/drawing/2014/main" id="{4C8FD840-F06D-E24A-8F64-A9669EC19673}"/>
+              </a:ext>
+            </a:extLst>
+          </p:cNvPr>
+          <p:cNvCxnSpPr>
+            <a:cxnSpLocks/>
+            <a:stCxn id="4" idx="3"/>
+            <a:endCxn id="5" idx="1"/>
+          </p:cNvCxnSpPr>
+          <p:nvPr/>
+        </p:nvCxnSpPr>
+        <p:spPr>
+          <a:xfrm>
+            <a:off x="2335576" y="4006922"/>
+            <a:ext cx="428122" cy="4116"/>
+          </a:xfrm>
+          <a:prstGeom prst="line">
+            <a:avLst/>
+          </a:prstGeom>
+          <a:ln w="38100"/>
+        </p:spPr>
+        <p:style>
+          <a:lnRef idx="1">
+            <a:schemeClr val="accent1"/>
+          </a:lnRef>
+          <a:fillRef idx="0">
+            <a:schemeClr val="accent1"/>
+          </a:fillRef>
+          <a:effectRef idx="0">
+            <a:schemeClr val="accent1"/>
+          </a:effectRef>
+          <a:fontRef idx="minor">
+            <a:schemeClr val="tx1"/>
+          </a:fontRef>
+        </p:style>
+      </p:cxnSp>
+      <p:sp>
+        <p:nvSpPr>
+          <p:cNvPr id="9" name="TextBox 8">
+            <a:extLst>
+              <a:ext uri="{FF2B5EF4-FFF2-40B4-BE49-F238E27FC236}">
+                <a16:creationId xmlns:a16="http://schemas.microsoft.com/office/drawing/2014/main" id="{B1A35203-CBEA-F24D-9D57-F613AC9A0D4E}"/>
+              </a:ext>
+            </a:extLst>
+          </p:cNvPr>
+          <p:cNvSpPr txBox="1"/>
+          <p:nvPr/>
+        </p:nvSpPr>
+        <p:spPr>
+          <a:xfrm>
+            <a:off x="4633693" y="2866658"/>
+            <a:ext cx="1454227" cy="369332"/>
+          </a:xfrm>
+          <a:prstGeom prst="rect">
+            <a:avLst/>
+          </a:prstGeom>
+          <a:solidFill>
+            <a:schemeClr val="accent1">
+              <a:lumMod val="20000"/>
+              <a:lumOff val="80000"/>
+            </a:schemeClr>
+          </a:solidFill>
+          <a:ln w="38100">
+            <a:solidFill>
+              <a:schemeClr val="tx1"/>
+            </a:solidFill>
+          </a:ln>
+        </p:spPr>
+        <p:txBody>
+          <a:bodyPr wrap="square" rtlCol="0">
+            <a:spAutoFit/>
+          </a:bodyPr>
+          <a:lstStyle/>
+          <a:p>
+            <a:pPr algn="ctr"/>
+            <a:r>
+              <a:rPr lang="en-US" dirty="0"/>
+              <a:t>"London"</a:t>
+            </a:r>
+          </a:p>
+        </p:txBody>
+      </p:sp>
+      <p:sp>
+        <p:nvSpPr>
+          <p:cNvPr id="11" name="TextBox 10">
+            <a:extLst>
+              <a:ext uri="{FF2B5EF4-FFF2-40B4-BE49-F238E27FC236}">
+                <a16:creationId xmlns:a16="http://schemas.microsoft.com/office/drawing/2014/main" id="{BD8937EA-1CBB-7A42-8BE4-D04076A1F18B}"/>
+              </a:ext>
+            </a:extLst>
+          </p:cNvPr>
+          <p:cNvSpPr txBox="1"/>
+          <p:nvPr/>
+        </p:nvSpPr>
+        <p:spPr>
+          <a:xfrm>
+            <a:off x="6516045" y="2203503"/>
+            <a:ext cx="1454227" cy="369332"/>
+          </a:xfrm>
+          <a:prstGeom prst="rect">
+            <a:avLst/>
+          </a:prstGeom>
+          <a:solidFill>
+            <a:srgbClr val="FFFF00"/>
+          </a:solidFill>
+          <a:ln w="38100">
+            <a:solidFill>
+              <a:schemeClr val="tx1"/>
+            </a:solidFill>
+          </a:ln>
+        </p:spPr>
+        <p:txBody>
+          <a:bodyPr wrap="square" rtlCol="0">
+            <a:spAutoFit/>
+          </a:bodyPr>
+          <a:lstStyle/>
+          <a:p>
+            <a:pPr algn="ctr"/>
+            <a:r>
+              <a:rPr lang="en-US" dirty="0"/>
+              <a:t>123456789</a:t>
+            </a:r>
+          </a:p>
+        </p:txBody>
+      </p:sp>
+      <p:cxnSp>
+        <p:nvCxnSpPr>
+          <p:cNvPr id="17" name="Straight Connector 16">
+            <a:extLst>
+              <a:ext uri="{FF2B5EF4-FFF2-40B4-BE49-F238E27FC236}">
+                <a16:creationId xmlns:a16="http://schemas.microsoft.com/office/drawing/2014/main" id="{320DBBA8-7C04-EE43-A613-532B3EE9E790}"/>
+              </a:ext>
+            </a:extLst>
+          </p:cNvPr>
+          <p:cNvCxnSpPr>
+            <a:cxnSpLocks/>
+          </p:cNvCxnSpPr>
+          <p:nvPr/>
+        </p:nvCxnSpPr>
+        <p:spPr>
+          <a:xfrm>
+            <a:off x="2545490" y="766101"/>
+            <a:ext cx="0" cy="5399921"/>
+          </a:xfrm>
+          <a:prstGeom prst="line">
+            <a:avLst/>
+          </a:prstGeom>
+          <a:ln w="34925">
+            <a:solidFill>
+              <a:schemeClr val="accent2">
+                <a:lumMod val="20000"/>
+                <a:lumOff val="80000"/>
+              </a:schemeClr>
+            </a:solidFill>
+            <a:prstDash val="dash"/>
+          </a:ln>
+        </p:spPr>
+        <p:style>
+          <a:lnRef idx="1">
+            <a:schemeClr val="accent1"/>
+          </a:lnRef>
+          <a:fillRef idx="0">
+            <a:schemeClr val="accent1"/>
+          </a:fillRef>
+          <a:effectRef idx="0">
+            <a:schemeClr val="accent1"/>
+          </a:effectRef>
+          <a:fontRef idx="minor">
+            <a:schemeClr val="tx1"/>
+          </a:fontRef>
+        </p:style>
+      </p:cxnSp>
+      <p:sp>
+        <p:nvSpPr>
+          <p:cNvPr id="18" name="TextBox 17">
+            <a:extLst>
+              <a:ext uri="{FF2B5EF4-FFF2-40B4-BE49-F238E27FC236}">
+                <a16:creationId xmlns:a16="http://schemas.microsoft.com/office/drawing/2014/main" id="{E80276C6-8FDC-D341-A35D-8C9F4B564AF3}"/>
+              </a:ext>
+            </a:extLst>
+          </p:cNvPr>
+          <p:cNvSpPr txBox="1"/>
+          <p:nvPr/>
+        </p:nvSpPr>
+        <p:spPr>
+          <a:xfrm>
+            <a:off x="976182" y="1075022"/>
+            <a:ext cx="1265090" cy="338554"/>
+          </a:xfrm>
+          <a:prstGeom prst="rect">
+            <a:avLst/>
+          </a:prstGeom>
+          <a:noFill/>
+        </p:spPr>
+        <p:txBody>
+          <a:bodyPr wrap="none" rtlCol="0">
+            <a:spAutoFit/>
+          </a:bodyPr>
+          <a:lstStyle/>
+          <a:p>
+            <a:r>
+              <a:rPr lang="en-US" sz="1600" dirty="0"/>
+              <a:t>Global Name</a:t>
+            </a:r>
+          </a:p>
+        </p:txBody>
+      </p:sp>
+      <p:cxnSp>
+        <p:nvCxnSpPr>
+          <p:cNvPr id="19" name="Straight Connector 18">
+            <a:extLst>
+              <a:ext uri="{FF2B5EF4-FFF2-40B4-BE49-F238E27FC236}">
+                <a16:creationId xmlns:a16="http://schemas.microsoft.com/office/drawing/2014/main" id="{AB2ADC5D-0300-FB4A-B8EC-96F24DD908B5}"/>
+              </a:ext>
+            </a:extLst>
+          </p:cNvPr>
+          <p:cNvCxnSpPr>
+            <a:cxnSpLocks/>
+          </p:cNvCxnSpPr>
+          <p:nvPr/>
+        </p:nvCxnSpPr>
+        <p:spPr>
+          <a:xfrm>
+            <a:off x="4390771" y="782574"/>
+            <a:ext cx="0" cy="5284594"/>
+          </a:xfrm>
+          <a:prstGeom prst="line">
+            <a:avLst/>
+          </a:prstGeom>
+          <a:ln w="34925">
+            <a:solidFill>
+              <a:schemeClr val="accent2">
+                <a:lumMod val="20000"/>
+                <a:lumOff val="80000"/>
+              </a:schemeClr>
+            </a:solidFill>
+            <a:prstDash val="dash"/>
+          </a:ln>
+        </p:spPr>
+        <p:style>
+          <a:lnRef idx="1">
+            <a:schemeClr val="accent1"/>
+          </a:lnRef>
+          <a:fillRef idx="0">
+            <a:schemeClr val="accent1"/>
+          </a:fillRef>
+          <a:effectRef idx="0">
+            <a:schemeClr val="accent1"/>
+          </a:effectRef>
+          <a:fontRef idx="minor">
+            <a:schemeClr val="tx1"/>
+          </a:fontRef>
+        </p:style>
+      </p:cxnSp>
+      <p:cxnSp>
+        <p:nvCxnSpPr>
+          <p:cNvPr id="20" name="Straight Connector 19">
+            <a:extLst>
+              <a:ext uri="{FF2B5EF4-FFF2-40B4-BE49-F238E27FC236}">
+                <a16:creationId xmlns:a16="http://schemas.microsoft.com/office/drawing/2014/main" id="{DF0C5A21-5B86-7B4D-93F0-7BE91F3E7E0B}"/>
+              </a:ext>
+            </a:extLst>
+          </p:cNvPr>
+          <p:cNvCxnSpPr>
+            <a:cxnSpLocks/>
+          </p:cNvCxnSpPr>
+          <p:nvPr/>
+        </p:nvCxnSpPr>
+        <p:spPr>
+          <a:xfrm>
+            <a:off x="6285482" y="774333"/>
+            <a:ext cx="0" cy="5292835"/>
+          </a:xfrm>
+          <a:prstGeom prst="line">
+            <a:avLst/>
+          </a:prstGeom>
+          <a:ln w="34925">
+            <a:solidFill>
+              <a:schemeClr val="accent2">
+                <a:lumMod val="20000"/>
+                <a:lumOff val="80000"/>
+              </a:schemeClr>
+            </a:solidFill>
+            <a:prstDash val="dash"/>
+          </a:ln>
+        </p:spPr>
+        <p:style>
+          <a:lnRef idx="1">
+            <a:schemeClr val="accent1"/>
+          </a:lnRef>
+          <a:fillRef idx="0">
+            <a:schemeClr val="accent1"/>
+          </a:fillRef>
+          <a:effectRef idx="0">
+            <a:schemeClr val="accent1"/>
+          </a:effectRef>
+          <a:fontRef idx="minor">
+            <a:schemeClr val="tx1"/>
+          </a:fontRef>
+        </p:style>
+      </p:cxnSp>
+      <p:cxnSp>
+        <p:nvCxnSpPr>
+          <p:cNvPr id="21" name="Straight Connector 20">
+            <a:extLst>
+              <a:ext uri="{FF2B5EF4-FFF2-40B4-BE49-F238E27FC236}">
+                <a16:creationId xmlns:a16="http://schemas.microsoft.com/office/drawing/2014/main" id="{AAF2CCAF-6B30-3B47-A46F-B86F699F5B48}"/>
+              </a:ext>
+            </a:extLst>
+          </p:cNvPr>
+          <p:cNvCxnSpPr>
+            <a:cxnSpLocks/>
+          </p:cNvCxnSpPr>
+          <p:nvPr/>
+        </p:nvCxnSpPr>
+        <p:spPr>
+          <a:xfrm flipH="1">
+            <a:off x="8163707" y="778449"/>
+            <a:ext cx="4125" cy="5288719"/>
+          </a:xfrm>
+          <a:prstGeom prst="line">
+            <a:avLst/>
+          </a:prstGeom>
+          <a:ln w="34925">
+            <a:solidFill>
+              <a:schemeClr val="accent2">
+                <a:lumMod val="20000"/>
+                <a:lumOff val="80000"/>
+              </a:schemeClr>
+            </a:solidFill>
+            <a:prstDash val="dash"/>
+          </a:ln>
+        </p:spPr>
+        <p:style>
+          <a:lnRef idx="1">
+            <a:schemeClr val="accent1"/>
+          </a:lnRef>
+          <a:fillRef idx="0">
+            <a:schemeClr val="accent1"/>
+          </a:fillRef>
+          <a:effectRef idx="0">
+            <a:schemeClr val="accent1"/>
+          </a:effectRef>
+          <a:fontRef idx="minor">
+            <a:schemeClr val="tx1"/>
+          </a:fontRef>
+        </p:style>
+      </p:cxnSp>
+      <p:cxnSp>
+        <p:nvCxnSpPr>
+          <p:cNvPr id="22" name="Straight Connector 21">
+            <a:extLst>
+              <a:ext uri="{FF2B5EF4-FFF2-40B4-BE49-F238E27FC236}">
+                <a16:creationId xmlns:a16="http://schemas.microsoft.com/office/drawing/2014/main" id="{4ECBD974-738A-AD4A-92A1-2461968AB80E}"/>
+              </a:ext>
+            </a:extLst>
+          </p:cNvPr>
+          <p:cNvCxnSpPr>
+            <a:cxnSpLocks/>
+          </p:cNvCxnSpPr>
+          <p:nvPr/>
+        </p:nvCxnSpPr>
+        <p:spPr>
+          <a:xfrm>
+            <a:off x="9840117" y="782565"/>
+            <a:ext cx="16627" cy="5383457"/>
+          </a:xfrm>
+          <a:prstGeom prst="line">
+            <a:avLst/>
+          </a:prstGeom>
+          <a:ln w="34925">
+            <a:solidFill>
+              <a:schemeClr val="accent2">
+                <a:lumMod val="20000"/>
+                <a:lumOff val="80000"/>
+              </a:schemeClr>
+            </a:solidFill>
+            <a:prstDash val="dash"/>
+          </a:ln>
+        </p:spPr>
+        <p:style>
+          <a:lnRef idx="1">
+            <a:schemeClr val="accent1"/>
+          </a:lnRef>
+          <a:fillRef idx="0">
+            <a:schemeClr val="accent1"/>
+          </a:fillRef>
+          <a:effectRef idx="0">
+            <a:schemeClr val="accent1"/>
+          </a:effectRef>
+          <a:fontRef idx="minor">
+            <a:schemeClr val="tx1"/>
+          </a:fontRef>
+        </p:style>
+      </p:cxnSp>
+      <p:sp>
+        <p:nvSpPr>
+          <p:cNvPr id="23" name="TextBox 22">
+            <a:extLst>
+              <a:ext uri="{FF2B5EF4-FFF2-40B4-BE49-F238E27FC236}">
+                <a16:creationId xmlns:a16="http://schemas.microsoft.com/office/drawing/2014/main" id="{3939CBED-D6CD-A143-B64F-C89AE1D78FA0}"/>
+              </a:ext>
+            </a:extLst>
+          </p:cNvPr>
+          <p:cNvSpPr txBox="1"/>
+          <p:nvPr/>
+        </p:nvSpPr>
+        <p:spPr>
+          <a:xfrm>
+            <a:off x="2809104" y="881426"/>
+            <a:ext cx="1158972" cy="584775"/>
+          </a:xfrm>
+          <a:prstGeom prst="rect">
+            <a:avLst/>
+          </a:prstGeom>
+          <a:noFill/>
+        </p:spPr>
+        <p:txBody>
+          <a:bodyPr wrap="none" rtlCol="0">
+            <a:spAutoFit/>
+          </a:bodyPr>
+          <a:lstStyle/>
+          <a:p>
+            <a:pPr algn="ctr"/>
+            <a:r>
+              <a:rPr lang="en-US" sz="1600" dirty="0"/>
+              <a:t>Subscript 1:</a:t>
+            </a:r>
+          </a:p>
+          <a:p>
+            <a:pPr algn="ctr"/>
+            <a:r>
+              <a:rPr lang="en-US" sz="1600" dirty="0"/>
+              <a:t>Country</a:t>
+            </a:r>
+          </a:p>
+        </p:txBody>
+      </p:sp>
+      <p:sp>
+        <p:nvSpPr>
+          <p:cNvPr id="24" name="TextBox 23">
+            <a:extLst>
+              <a:ext uri="{FF2B5EF4-FFF2-40B4-BE49-F238E27FC236}">
+                <a16:creationId xmlns:a16="http://schemas.microsoft.com/office/drawing/2014/main" id="{2E80D592-FA8F-B145-8311-FEF1796BB219}"/>
+              </a:ext>
+            </a:extLst>
+          </p:cNvPr>
+          <p:cNvSpPr txBox="1"/>
+          <p:nvPr/>
+        </p:nvSpPr>
+        <p:spPr>
+          <a:xfrm>
+            <a:off x="4679095" y="885542"/>
+            <a:ext cx="1158972" cy="584775"/>
+          </a:xfrm>
+          <a:prstGeom prst="rect">
+            <a:avLst/>
+          </a:prstGeom>
+          <a:noFill/>
+        </p:spPr>
+        <p:txBody>
+          <a:bodyPr wrap="none" rtlCol="0">
+            <a:spAutoFit/>
+          </a:bodyPr>
+          <a:lstStyle/>
+          <a:p>
+            <a:pPr algn="ctr"/>
+            <a:r>
+              <a:rPr lang="en-US" sz="1600" dirty="0"/>
+              <a:t>Subscript 2:</a:t>
+            </a:r>
+          </a:p>
+          <a:p>
+            <a:pPr algn="ctr"/>
+            <a:r>
+              <a:rPr lang="en-US" sz="1600" dirty="0"/>
+              <a:t>City/Office</a:t>
+            </a:r>
+          </a:p>
+        </p:txBody>
+      </p:sp>
+      <p:sp>
+        <p:nvSpPr>
+          <p:cNvPr id="25" name="TextBox 24">
+            <a:extLst>
+              <a:ext uri="{FF2B5EF4-FFF2-40B4-BE49-F238E27FC236}">
+                <a16:creationId xmlns:a16="http://schemas.microsoft.com/office/drawing/2014/main" id="{E46261D8-4F1A-E641-91D0-7FF895D2A5FC}"/>
+              </a:ext>
+            </a:extLst>
+          </p:cNvPr>
+          <p:cNvSpPr txBox="1"/>
+          <p:nvPr/>
+        </p:nvSpPr>
+        <p:spPr>
+          <a:xfrm>
+            <a:off x="6572097" y="877301"/>
+            <a:ext cx="1211807" cy="584775"/>
+          </a:xfrm>
+          <a:prstGeom prst="rect">
+            <a:avLst/>
+          </a:prstGeom>
+          <a:noFill/>
+        </p:spPr>
+        <p:txBody>
+          <a:bodyPr wrap="none" rtlCol="0">
+            <a:spAutoFit/>
+          </a:bodyPr>
+          <a:lstStyle/>
+          <a:p>
+            <a:pPr algn="ctr"/>
+            <a:r>
+              <a:rPr lang="en-US" sz="1600" dirty="0"/>
+              <a:t>Subscript 3:</a:t>
+            </a:r>
+          </a:p>
+          <a:p>
+            <a:pPr algn="ctr"/>
+            <a:r>
+              <a:rPr lang="en-US" sz="1600" dirty="0"/>
+              <a:t>Employee Id</a:t>
+            </a:r>
+          </a:p>
+        </p:txBody>
+      </p:sp>
+      <p:sp>
+        <p:nvSpPr>
+          <p:cNvPr id="26" name="TextBox 25">
+            <a:extLst>
+              <a:ext uri="{FF2B5EF4-FFF2-40B4-BE49-F238E27FC236}">
+                <a16:creationId xmlns:a16="http://schemas.microsoft.com/office/drawing/2014/main" id="{847DA4B7-832F-9C4E-9450-4247FCAD7815}"/>
+              </a:ext>
+            </a:extLst>
+          </p:cNvPr>
+          <p:cNvSpPr txBox="1"/>
+          <p:nvPr/>
+        </p:nvSpPr>
+        <p:spPr>
+          <a:xfrm>
+            <a:off x="8307776" y="881417"/>
+            <a:ext cx="1455720" cy="584775"/>
+          </a:xfrm>
+          <a:prstGeom prst="rect">
+            <a:avLst/>
+          </a:prstGeom>
+          <a:noFill/>
+        </p:spPr>
+        <p:txBody>
+          <a:bodyPr wrap="none" rtlCol="0">
+            <a:spAutoFit/>
+          </a:bodyPr>
+          <a:lstStyle/>
+          <a:p>
+            <a:pPr algn="ctr"/>
+            <a:r>
+              <a:rPr lang="en-US" sz="1600" dirty="0"/>
+              <a:t>Subscript 4:</a:t>
+            </a:r>
+          </a:p>
+          <a:p>
+            <a:pPr algn="ctr"/>
+            <a:r>
+              <a:rPr lang="en-US" sz="1600" dirty="0"/>
+              <a:t>Property Name</a:t>
+            </a:r>
+          </a:p>
+        </p:txBody>
+      </p:sp>
+      <p:sp>
+        <p:nvSpPr>
+          <p:cNvPr id="27" name="TextBox 26">
+            <a:extLst>
+              <a:ext uri="{FF2B5EF4-FFF2-40B4-BE49-F238E27FC236}">
+                <a16:creationId xmlns:a16="http://schemas.microsoft.com/office/drawing/2014/main" id="{F6574DA6-1B61-5940-A8B3-179390BA80FD}"/>
+              </a:ext>
+            </a:extLst>
+          </p:cNvPr>
+          <p:cNvSpPr txBox="1"/>
+          <p:nvPr/>
+        </p:nvSpPr>
+        <p:spPr>
+          <a:xfrm>
+            <a:off x="10166238" y="1000411"/>
+            <a:ext cx="644536" cy="338554"/>
+          </a:xfrm>
+          <a:prstGeom prst="rect">
+            <a:avLst/>
+          </a:prstGeom>
+          <a:noFill/>
+        </p:spPr>
+        <p:txBody>
+          <a:bodyPr wrap="none" rtlCol="0">
+            <a:spAutoFit/>
+          </a:bodyPr>
+          <a:lstStyle/>
+          <a:p>
+            <a:pPr algn="ctr"/>
+            <a:r>
+              <a:rPr lang="en-US" sz="1600" dirty="0"/>
+              <a:t>Value</a:t>
+            </a:r>
+          </a:p>
+        </p:txBody>
+      </p:sp>
+      <p:sp>
+        <p:nvSpPr>
+          <p:cNvPr id="30" name="TextBox 29">
+            <a:extLst>
+              <a:ext uri="{FF2B5EF4-FFF2-40B4-BE49-F238E27FC236}">
+                <a16:creationId xmlns:a16="http://schemas.microsoft.com/office/drawing/2014/main" id="{D24C21CD-22DA-9747-BC76-901699199EDC}"/>
+              </a:ext>
+            </a:extLst>
+          </p:cNvPr>
+          <p:cNvSpPr txBox="1"/>
+          <p:nvPr/>
+        </p:nvSpPr>
+        <p:spPr>
+          <a:xfrm>
+            <a:off x="6520161" y="3517435"/>
+            <a:ext cx="1454227" cy="369332"/>
+          </a:xfrm>
+          <a:prstGeom prst="rect">
+            <a:avLst/>
+          </a:prstGeom>
+          <a:solidFill>
+            <a:schemeClr val="accent1">
+              <a:lumMod val="20000"/>
+              <a:lumOff val="80000"/>
+            </a:schemeClr>
+          </a:solidFill>
+          <a:ln w="38100">
+            <a:solidFill>
+              <a:schemeClr val="tx1"/>
+            </a:solidFill>
+          </a:ln>
+        </p:spPr>
+        <p:txBody>
+          <a:bodyPr wrap="square" rtlCol="0">
+            <a:spAutoFit/>
+          </a:bodyPr>
+          <a:lstStyle/>
+          <a:p>
+            <a:pPr algn="ctr"/>
+            <a:r>
+              <a:rPr lang="en-US" dirty="0"/>
+              <a:t>123456464</a:t>
+            </a:r>
+          </a:p>
+        </p:txBody>
+      </p:sp>
+      <p:sp>
+        <p:nvSpPr>
+          <p:cNvPr id="31" name="TextBox 30">
+            <a:extLst>
+              <a:ext uri="{FF2B5EF4-FFF2-40B4-BE49-F238E27FC236}">
+                <a16:creationId xmlns:a16="http://schemas.microsoft.com/office/drawing/2014/main" id="{C9C44824-2556-BE48-B0D4-8F5EDD64FF2E}"/>
+              </a:ext>
+            </a:extLst>
+          </p:cNvPr>
+          <p:cNvSpPr txBox="1"/>
+          <p:nvPr/>
+        </p:nvSpPr>
+        <p:spPr>
+          <a:xfrm>
+            <a:off x="8402517" y="3212626"/>
+            <a:ext cx="1454227" cy="369332"/>
+          </a:xfrm>
+          <a:prstGeom prst="rect">
+            <a:avLst/>
+          </a:prstGeom>
+          <a:solidFill>
+            <a:schemeClr val="accent1">
+              <a:lumMod val="20000"/>
+              <a:lumOff val="80000"/>
+            </a:schemeClr>
+          </a:solidFill>
+          <a:ln w="38100">
+            <a:solidFill>
+              <a:schemeClr val="tx1"/>
+            </a:solidFill>
+          </a:ln>
+        </p:spPr>
+        <p:txBody>
+          <a:bodyPr wrap="square" rtlCol="0">
+            <a:spAutoFit/>
+          </a:bodyPr>
+          <a:lstStyle/>
+          <a:p>
+            <a:pPr algn="ctr"/>
+            <a:r>
+              <a:rPr lang="en-US" dirty="0"/>
+              <a:t>"name"</a:t>
+            </a:r>
+          </a:p>
+        </p:txBody>
+      </p:sp>
+      <p:cxnSp>
+        <p:nvCxnSpPr>
+          <p:cNvPr id="32" name="Straight Connector 31">
+            <a:extLst>
+              <a:ext uri="{FF2B5EF4-FFF2-40B4-BE49-F238E27FC236}">
+                <a16:creationId xmlns:a16="http://schemas.microsoft.com/office/drawing/2014/main" id="{0891CC21-40F5-0347-A6B9-11B6A9B5BEBD}"/>
+              </a:ext>
+            </a:extLst>
+          </p:cNvPr>
+          <p:cNvCxnSpPr>
+            <a:cxnSpLocks/>
+          </p:cNvCxnSpPr>
+          <p:nvPr/>
+        </p:nvCxnSpPr>
+        <p:spPr>
+          <a:xfrm>
+            <a:off x="7974395" y="3702101"/>
+            <a:ext cx="197553" cy="0"/>
+          </a:xfrm>
+          <a:prstGeom prst="line">
+            <a:avLst/>
+          </a:prstGeom>
+          <a:ln w="38100"/>
+        </p:spPr>
+        <p:style>
+          <a:lnRef idx="1">
+            <a:schemeClr val="accent1"/>
+          </a:lnRef>
+          <a:fillRef idx="0">
+            <a:schemeClr val="accent1"/>
+          </a:fillRef>
+          <a:effectRef idx="0">
+            <a:schemeClr val="accent1"/>
+          </a:effectRef>
+          <a:fontRef idx="minor">
+            <a:schemeClr val="tx1"/>
+          </a:fontRef>
+        </p:style>
+      </p:cxnSp>
+      <p:sp>
+        <p:nvSpPr>
+          <p:cNvPr id="33" name="TextBox 32">
+            <a:extLst>
+              <a:ext uri="{FF2B5EF4-FFF2-40B4-BE49-F238E27FC236}">
+                <a16:creationId xmlns:a16="http://schemas.microsoft.com/office/drawing/2014/main" id="{3A91990D-02EB-A74F-95D4-A853E30F6B23}"/>
+              </a:ext>
+            </a:extLst>
+          </p:cNvPr>
+          <p:cNvSpPr txBox="1"/>
+          <p:nvPr/>
+        </p:nvSpPr>
+        <p:spPr>
+          <a:xfrm>
+            <a:off x="9840027" y="3216742"/>
+            <a:ext cx="1454227" cy="369332"/>
+          </a:xfrm>
+          <a:prstGeom prst="rect">
+            <a:avLst/>
+          </a:prstGeom>
+          <a:solidFill>
+            <a:schemeClr val="accent2">
+              <a:lumMod val="20000"/>
+              <a:lumOff val="80000"/>
+            </a:schemeClr>
+          </a:solidFill>
+          <a:ln w="38100">
+            <a:solidFill>
+              <a:schemeClr val="tx1"/>
+            </a:solidFill>
+          </a:ln>
+        </p:spPr>
+        <p:txBody>
+          <a:bodyPr wrap="square" rtlCol="0">
+            <a:spAutoFit/>
+          </a:bodyPr>
+          <a:lstStyle/>
+          <a:p>
+            <a:pPr algn="ctr"/>
+            <a:r>
+              <a:rPr lang="en-US" dirty="0"/>
+              <a:t>"John Smith"</a:t>
+            </a:r>
+          </a:p>
+        </p:txBody>
+      </p:sp>
+      <p:sp>
+        <p:nvSpPr>
+          <p:cNvPr id="34" name="TextBox 33">
+            <a:extLst>
+              <a:ext uri="{FF2B5EF4-FFF2-40B4-BE49-F238E27FC236}">
+                <a16:creationId xmlns:a16="http://schemas.microsoft.com/office/drawing/2014/main" id="{BB19126B-5B1B-D645-8F0A-EF0A5274D453}"/>
+              </a:ext>
+            </a:extLst>
+          </p:cNvPr>
+          <p:cNvSpPr txBox="1"/>
+          <p:nvPr/>
+        </p:nvSpPr>
+        <p:spPr>
+          <a:xfrm>
+            <a:off x="8406633" y="3846942"/>
+            <a:ext cx="1454227" cy="369332"/>
+          </a:xfrm>
+          <a:prstGeom prst="rect">
+            <a:avLst/>
+          </a:prstGeom>
+          <a:solidFill>
+            <a:schemeClr val="accent1">
+              <a:lumMod val="20000"/>
+              <a:lumOff val="80000"/>
+            </a:schemeClr>
+          </a:solidFill>
+          <a:ln w="38100">
+            <a:solidFill>
+              <a:schemeClr val="tx1"/>
+            </a:solidFill>
+          </a:ln>
+        </p:spPr>
+        <p:txBody>
+          <a:bodyPr wrap="square" rtlCol="0">
+            <a:spAutoFit/>
+          </a:bodyPr>
+          <a:lstStyle/>
+          <a:p>
+            <a:pPr algn="ctr"/>
+            <a:r>
+              <a:rPr lang="en-US" dirty="0"/>
+              <a:t>"</a:t>
+            </a:r>
+            <a:r>
+              <a:rPr lang="en-US" dirty="0" err="1"/>
+              <a:t>job_title</a:t>
+            </a:r>
+            <a:r>
+              <a:rPr lang="en-US" dirty="0"/>
+              <a:t>"</a:t>
+            </a:r>
+          </a:p>
+        </p:txBody>
+      </p:sp>
+      <p:sp>
+        <p:nvSpPr>
+          <p:cNvPr id="35" name="TextBox 34">
+            <a:extLst>
+              <a:ext uri="{FF2B5EF4-FFF2-40B4-BE49-F238E27FC236}">
+                <a16:creationId xmlns:a16="http://schemas.microsoft.com/office/drawing/2014/main" id="{5AA53942-AE45-8C4F-A55D-921FD803EF53}"/>
+              </a:ext>
+            </a:extLst>
+          </p:cNvPr>
+          <p:cNvSpPr txBox="1"/>
+          <p:nvPr/>
+        </p:nvSpPr>
+        <p:spPr>
+          <a:xfrm>
+            <a:off x="9844143" y="3838701"/>
+            <a:ext cx="1454227" cy="369332"/>
+          </a:xfrm>
+          <a:prstGeom prst="rect">
+            <a:avLst/>
+          </a:prstGeom>
+          <a:solidFill>
+            <a:schemeClr val="accent2">
+              <a:lumMod val="20000"/>
+              <a:lumOff val="80000"/>
+            </a:schemeClr>
+          </a:solidFill>
+          <a:ln w="38100">
+            <a:solidFill>
+              <a:schemeClr val="tx1"/>
+            </a:solidFill>
+          </a:ln>
+        </p:spPr>
+        <p:txBody>
+          <a:bodyPr wrap="square" rtlCol="0">
+            <a:spAutoFit/>
+          </a:bodyPr>
+          <a:lstStyle/>
+          <a:p>
+            <a:pPr algn="ctr"/>
+            <a:r>
+              <a:rPr lang="en-US" dirty="0"/>
+              <a:t>"Accountant"</a:t>
+            </a:r>
+          </a:p>
+        </p:txBody>
+      </p:sp>
+      <p:cxnSp>
+        <p:nvCxnSpPr>
+          <p:cNvPr id="36" name="Straight Connector 35">
+            <a:extLst>
+              <a:ext uri="{FF2B5EF4-FFF2-40B4-BE49-F238E27FC236}">
+                <a16:creationId xmlns:a16="http://schemas.microsoft.com/office/drawing/2014/main" id="{31983750-57EA-D249-87E9-43F4FBC2B964}"/>
+              </a:ext>
+            </a:extLst>
+          </p:cNvPr>
+          <p:cNvCxnSpPr>
+            <a:cxnSpLocks/>
+          </p:cNvCxnSpPr>
+          <p:nvPr/>
+        </p:nvCxnSpPr>
+        <p:spPr>
+          <a:xfrm>
+            <a:off x="8171948" y="3402208"/>
+            <a:ext cx="0" cy="667264"/>
+          </a:xfrm>
+          <a:prstGeom prst="line">
+            <a:avLst/>
+          </a:prstGeom>
+          <a:ln w="38100"/>
+        </p:spPr>
+        <p:style>
+          <a:lnRef idx="1">
+            <a:schemeClr val="accent1"/>
+          </a:lnRef>
+          <a:fillRef idx="0">
+            <a:schemeClr val="accent1"/>
+          </a:fillRef>
+          <a:effectRef idx="0">
+            <a:schemeClr val="accent1"/>
+          </a:effectRef>
+          <a:fontRef idx="minor">
+            <a:schemeClr val="tx1"/>
+          </a:fontRef>
+        </p:style>
+      </p:cxnSp>
+      <p:cxnSp>
+        <p:nvCxnSpPr>
+          <p:cNvPr id="37" name="Straight Connector 36">
+            <a:extLst>
+              <a:ext uri="{FF2B5EF4-FFF2-40B4-BE49-F238E27FC236}">
+                <a16:creationId xmlns:a16="http://schemas.microsoft.com/office/drawing/2014/main" id="{9329E4AC-3A2C-834A-A499-D000B275F297}"/>
+              </a:ext>
+            </a:extLst>
+          </p:cNvPr>
+          <p:cNvCxnSpPr>
+            <a:cxnSpLocks/>
+            <a:endCxn id="31" idx="1"/>
+          </p:cNvCxnSpPr>
+          <p:nvPr/>
+        </p:nvCxnSpPr>
+        <p:spPr>
+          <a:xfrm>
+            <a:off x="8171948" y="3397292"/>
+            <a:ext cx="230569" cy="0"/>
+          </a:xfrm>
+          <a:prstGeom prst="line">
+            <a:avLst/>
+          </a:prstGeom>
+          <a:ln w="38100"/>
+        </p:spPr>
+        <p:style>
+          <a:lnRef idx="1">
+            <a:schemeClr val="accent1"/>
+          </a:lnRef>
+          <a:fillRef idx="0">
+            <a:schemeClr val="accent1"/>
+          </a:fillRef>
+          <a:effectRef idx="0">
+            <a:schemeClr val="accent1"/>
+          </a:effectRef>
+          <a:fontRef idx="minor">
+            <a:schemeClr val="tx1"/>
+          </a:fontRef>
+        </p:style>
+      </p:cxnSp>
+      <p:cxnSp>
+        <p:nvCxnSpPr>
+          <p:cNvPr id="38" name="Straight Connector 37">
+            <a:extLst>
+              <a:ext uri="{FF2B5EF4-FFF2-40B4-BE49-F238E27FC236}">
+                <a16:creationId xmlns:a16="http://schemas.microsoft.com/office/drawing/2014/main" id="{10C9C948-4BB8-C447-8800-B67AAFB385FD}"/>
+              </a:ext>
+            </a:extLst>
+          </p:cNvPr>
+          <p:cNvCxnSpPr>
+            <a:cxnSpLocks/>
+          </p:cNvCxnSpPr>
+          <p:nvPr/>
+        </p:nvCxnSpPr>
+        <p:spPr>
+          <a:xfrm>
+            <a:off x="8171948" y="4043965"/>
+            <a:ext cx="234685" cy="0"/>
+          </a:xfrm>
+          <a:prstGeom prst="line">
+            <a:avLst/>
+          </a:prstGeom>
+          <a:ln w="38100"/>
+        </p:spPr>
+        <p:style>
+          <a:lnRef idx="1">
+            <a:schemeClr val="accent1"/>
+          </a:lnRef>
+          <a:fillRef idx="0">
+            <a:schemeClr val="accent1"/>
+          </a:fillRef>
+          <a:effectRef idx="0">
+            <a:schemeClr val="accent1"/>
+          </a:effectRef>
+          <a:fontRef idx="minor">
+            <a:schemeClr val="tx1"/>
+          </a:fontRef>
+        </p:style>
+      </p:cxnSp>
+      <p:cxnSp>
+        <p:nvCxnSpPr>
+          <p:cNvPr id="46" name="Straight Connector 45">
+            <a:extLst>
+              <a:ext uri="{FF2B5EF4-FFF2-40B4-BE49-F238E27FC236}">
+                <a16:creationId xmlns:a16="http://schemas.microsoft.com/office/drawing/2014/main" id="{9FE0E766-E9F0-6345-BA40-FF9028507187}"/>
+              </a:ext>
+            </a:extLst>
+          </p:cNvPr>
+          <p:cNvCxnSpPr>
+            <a:cxnSpLocks/>
+          </p:cNvCxnSpPr>
+          <p:nvPr/>
+        </p:nvCxnSpPr>
+        <p:spPr>
+          <a:xfrm>
+            <a:off x="6096165" y="3034843"/>
+            <a:ext cx="197553" cy="0"/>
+          </a:xfrm>
+          <a:prstGeom prst="line">
+            <a:avLst/>
+          </a:prstGeom>
+          <a:ln w="38100"/>
+        </p:spPr>
+        <p:style>
+          <a:lnRef idx="1">
+            <a:schemeClr val="accent1"/>
+          </a:lnRef>
+          <a:fillRef idx="0">
+            <a:schemeClr val="accent1"/>
+          </a:fillRef>
+          <a:effectRef idx="0">
+            <a:schemeClr val="accent1"/>
+          </a:effectRef>
+          <a:fontRef idx="minor">
+            <a:schemeClr val="tx1"/>
+          </a:fontRef>
+        </p:style>
+      </p:cxnSp>
+      <p:cxnSp>
+        <p:nvCxnSpPr>
+          <p:cNvPr id="48" name="Straight Connector 47">
+            <a:extLst>
+              <a:ext uri="{FF2B5EF4-FFF2-40B4-BE49-F238E27FC236}">
+                <a16:creationId xmlns:a16="http://schemas.microsoft.com/office/drawing/2014/main" id="{ADC1802D-DB49-3545-AF41-0F5CA55D030A}"/>
+              </a:ext>
+            </a:extLst>
+          </p:cNvPr>
+          <p:cNvCxnSpPr>
+            <a:cxnSpLocks/>
+          </p:cNvCxnSpPr>
+          <p:nvPr/>
+        </p:nvCxnSpPr>
+        <p:spPr>
+          <a:xfrm flipH="1">
+            <a:off x="6285482" y="2388169"/>
+            <a:ext cx="8236" cy="1285099"/>
+          </a:xfrm>
+          <a:prstGeom prst="line">
+            <a:avLst/>
+          </a:prstGeom>
+          <a:ln w="38100"/>
+        </p:spPr>
+        <p:style>
+          <a:lnRef idx="1">
+            <a:schemeClr val="accent1"/>
+          </a:lnRef>
+          <a:fillRef idx="0">
+            <a:schemeClr val="accent1"/>
+          </a:fillRef>
+          <a:effectRef idx="0">
+            <a:schemeClr val="accent1"/>
+          </a:effectRef>
+          <a:fontRef idx="minor">
+            <a:schemeClr val="tx1"/>
+          </a:fontRef>
+        </p:style>
+      </p:cxnSp>
+      <p:cxnSp>
+        <p:nvCxnSpPr>
+          <p:cNvPr id="49" name="Straight Connector 48">
+            <a:extLst>
+              <a:ext uri="{FF2B5EF4-FFF2-40B4-BE49-F238E27FC236}">
+                <a16:creationId xmlns:a16="http://schemas.microsoft.com/office/drawing/2014/main" id="{39CF07DF-C598-F542-9DE9-A5538406BCE3}"/>
+              </a:ext>
+            </a:extLst>
+          </p:cNvPr>
+          <p:cNvCxnSpPr>
+            <a:cxnSpLocks/>
+          </p:cNvCxnSpPr>
+          <p:nvPr/>
+        </p:nvCxnSpPr>
+        <p:spPr>
+          <a:xfrm>
+            <a:off x="6293718" y="2384038"/>
+            <a:ext cx="230569" cy="0"/>
+          </a:xfrm>
+          <a:prstGeom prst="line">
+            <a:avLst/>
+          </a:prstGeom>
+          <a:ln w="38100"/>
+        </p:spPr>
+        <p:style>
+          <a:lnRef idx="1">
+            <a:schemeClr val="accent1"/>
+          </a:lnRef>
+          <a:fillRef idx="0">
+            <a:schemeClr val="accent1"/>
+          </a:fillRef>
+          <a:effectRef idx="0">
+            <a:schemeClr val="accent1"/>
+          </a:effectRef>
+          <a:fontRef idx="minor">
+            <a:schemeClr val="tx1"/>
+          </a:fontRef>
+        </p:style>
+      </p:cxnSp>
+      <p:cxnSp>
+        <p:nvCxnSpPr>
+          <p:cNvPr id="50" name="Straight Connector 49">
+            <a:extLst>
+              <a:ext uri="{FF2B5EF4-FFF2-40B4-BE49-F238E27FC236}">
+                <a16:creationId xmlns:a16="http://schemas.microsoft.com/office/drawing/2014/main" id="{BEE01309-F1DE-AA46-8C4A-FC4F22BA4CDB}"/>
+              </a:ext>
+            </a:extLst>
+          </p:cNvPr>
+          <p:cNvCxnSpPr>
+            <a:cxnSpLocks/>
+          </p:cNvCxnSpPr>
+          <p:nvPr/>
+        </p:nvCxnSpPr>
+        <p:spPr>
+          <a:xfrm>
+            <a:off x="6293718" y="3673268"/>
+            <a:ext cx="234685" cy="0"/>
+          </a:xfrm>
+          <a:prstGeom prst="line">
+            <a:avLst/>
+          </a:prstGeom>
+          <a:ln w="38100"/>
+        </p:spPr>
+        <p:style>
+          <a:lnRef idx="1">
+            <a:schemeClr val="accent1"/>
+          </a:lnRef>
+          <a:fillRef idx="0">
+            <a:schemeClr val="accent1"/>
+          </a:fillRef>
+          <a:effectRef idx="0">
+            <a:schemeClr val="accent1"/>
+          </a:effectRef>
+          <a:fontRef idx="minor">
+            <a:schemeClr val="tx1"/>
+          </a:fontRef>
+        </p:style>
+      </p:cxnSp>
+      <p:sp>
+        <p:nvSpPr>
+          <p:cNvPr id="40" name="TextBox 39">
+            <a:extLst>
+              <a:ext uri="{FF2B5EF4-FFF2-40B4-BE49-F238E27FC236}">
+                <a16:creationId xmlns:a16="http://schemas.microsoft.com/office/drawing/2014/main" id="{AD9FE9D1-B41E-074B-98F6-0D3D410206D1}"/>
+              </a:ext>
+            </a:extLst>
+          </p:cNvPr>
+          <p:cNvSpPr txBox="1"/>
+          <p:nvPr/>
+        </p:nvSpPr>
+        <p:spPr>
+          <a:xfrm>
+            <a:off x="4637809" y="4711930"/>
+            <a:ext cx="1454227" cy="369332"/>
+          </a:xfrm>
+          <a:prstGeom prst="rect">
+            <a:avLst/>
+          </a:prstGeom>
+          <a:solidFill>
+            <a:schemeClr val="accent1">
+              <a:lumMod val="20000"/>
+              <a:lumOff val="80000"/>
+            </a:schemeClr>
+          </a:solidFill>
+          <a:ln w="38100">
+            <a:solidFill>
+              <a:schemeClr val="tx1"/>
+            </a:solidFill>
+          </a:ln>
+        </p:spPr>
+        <p:txBody>
+          <a:bodyPr wrap="square" rtlCol="0">
+            <a:spAutoFit/>
+          </a:bodyPr>
+          <a:lstStyle/>
+          <a:p>
+            <a:pPr algn="ctr"/>
+            <a:r>
+              <a:rPr lang="en-US" dirty="0"/>
+              <a:t>"Bristol"</a:t>
+            </a:r>
+          </a:p>
+        </p:txBody>
+      </p:sp>
+      <p:sp>
+        <p:nvSpPr>
+          <p:cNvPr id="41" name="TextBox 40">
+            <a:extLst>
+              <a:ext uri="{FF2B5EF4-FFF2-40B4-BE49-F238E27FC236}">
+                <a16:creationId xmlns:a16="http://schemas.microsoft.com/office/drawing/2014/main" id="{BE1F8686-B383-D245-AC69-875674C928B1}"/>
+              </a:ext>
+            </a:extLst>
+          </p:cNvPr>
+          <p:cNvSpPr txBox="1"/>
+          <p:nvPr/>
+        </p:nvSpPr>
+        <p:spPr>
+          <a:xfrm>
+            <a:off x="6520161" y="4716046"/>
+            <a:ext cx="1454227" cy="369332"/>
+          </a:xfrm>
+          <a:prstGeom prst="rect">
+            <a:avLst/>
+          </a:prstGeom>
+          <a:solidFill>
+            <a:schemeClr val="accent1">
+              <a:lumMod val="20000"/>
+              <a:lumOff val="80000"/>
+            </a:schemeClr>
+          </a:solidFill>
+          <a:ln w="38100">
+            <a:solidFill>
+              <a:schemeClr val="tx1"/>
+            </a:solidFill>
+          </a:ln>
+        </p:spPr>
+        <p:txBody>
+          <a:bodyPr wrap="square" rtlCol="0">
+            <a:spAutoFit/>
+          </a:bodyPr>
+          <a:lstStyle/>
+          <a:p>
+            <a:pPr algn="ctr"/>
+            <a:r>
+              <a:rPr lang="en-US" dirty="0"/>
+              <a:t>987654321</a:t>
+            </a:r>
+          </a:p>
+        </p:txBody>
+      </p:sp>
+      <p:cxnSp>
+        <p:nvCxnSpPr>
+          <p:cNvPr id="43" name="Straight Connector 42">
+            <a:extLst>
+              <a:ext uri="{FF2B5EF4-FFF2-40B4-BE49-F238E27FC236}">
+                <a16:creationId xmlns:a16="http://schemas.microsoft.com/office/drawing/2014/main" id="{D600E78C-B70F-D246-ACAC-41A5C1A72177}"/>
+              </a:ext>
+            </a:extLst>
+          </p:cNvPr>
+          <p:cNvCxnSpPr>
+            <a:cxnSpLocks/>
+            <a:endCxn id="41" idx="1"/>
+          </p:cNvCxnSpPr>
+          <p:nvPr/>
+        </p:nvCxnSpPr>
+        <p:spPr>
+          <a:xfrm>
+            <a:off x="6092039" y="4896596"/>
+            <a:ext cx="428122" cy="4116"/>
+          </a:xfrm>
+          <a:prstGeom prst="line">
+            <a:avLst/>
+          </a:prstGeom>
+          <a:ln w="38100"/>
+        </p:spPr>
+        <p:style>
+          <a:lnRef idx="1">
+            <a:schemeClr val="accent1"/>
+          </a:lnRef>
+          <a:fillRef idx="0">
+            <a:schemeClr val="accent1"/>
+          </a:fillRef>
+          <a:effectRef idx="0">
+            <a:schemeClr val="accent1"/>
+          </a:effectRef>
+          <a:fontRef idx="minor">
+            <a:schemeClr val="tx1"/>
+          </a:fontRef>
+        </p:style>
+      </p:cxnSp>
+      <p:cxnSp>
+        <p:nvCxnSpPr>
+          <p:cNvPr id="52" name="Straight Connector 51">
+            <a:extLst>
+              <a:ext uri="{FF2B5EF4-FFF2-40B4-BE49-F238E27FC236}">
+                <a16:creationId xmlns:a16="http://schemas.microsoft.com/office/drawing/2014/main" id="{C00D2E55-1373-804A-A327-7297330EC6D7}"/>
+              </a:ext>
+            </a:extLst>
+          </p:cNvPr>
+          <p:cNvCxnSpPr>
+            <a:cxnSpLocks/>
+          </p:cNvCxnSpPr>
+          <p:nvPr/>
+        </p:nvCxnSpPr>
+        <p:spPr>
+          <a:xfrm>
+            <a:off x="4209694" y="4002794"/>
+            <a:ext cx="197553" cy="0"/>
+          </a:xfrm>
+          <a:prstGeom prst="line">
+            <a:avLst/>
+          </a:prstGeom>
+          <a:ln w="38100"/>
+        </p:spPr>
+        <p:style>
+          <a:lnRef idx="1">
+            <a:schemeClr val="accent1"/>
+          </a:lnRef>
+          <a:fillRef idx="0">
+            <a:schemeClr val="accent1"/>
+          </a:fillRef>
+          <a:effectRef idx="0">
+            <a:schemeClr val="accent1"/>
+          </a:effectRef>
+          <a:fontRef idx="minor">
+            <a:schemeClr val="tx1"/>
+          </a:fontRef>
+        </p:style>
+      </p:cxnSp>
+      <p:cxnSp>
+        <p:nvCxnSpPr>
+          <p:cNvPr id="53" name="Straight Connector 52">
+            <a:extLst>
+              <a:ext uri="{FF2B5EF4-FFF2-40B4-BE49-F238E27FC236}">
+                <a16:creationId xmlns:a16="http://schemas.microsoft.com/office/drawing/2014/main" id="{4FE77270-9BF3-5D4B-A233-01E126B7D76A}"/>
+              </a:ext>
+            </a:extLst>
+          </p:cNvPr>
+          <p:cNvCxnSpPr>
+            <a:cxnSpLocks/>
+          </p:cNvCxnSpPr>
+          <p:nvPr/>
+        </p:nvCxnSpPr>
+        <p:spPr>
+          <a:xfrm>
+            <a:off x="4399011" y="3034843"/>
+            <a:ext cx="0" cy="1882342"/>
+          </a:xfrm>
+          <a:prstGeom prst="line">
+            <a:avLst/>
+          </a:prstGeom>
+          <a:ln w="38100"/>
+        </p:spPr>
+        <p:style>
+          <a:lnRef idx="1">
+            <a:schemeClr val="accent1"/>
+          </a:lnRef>
+          <a:fillRef idx="0">
+            <a:schemeClr val="accent1"/>
+          </a:fillRef>
+          <a:effectRef idx="0">
+            <a:schemeClr val="accent1"/>
+          </a:effectRef>
+          <a:fontRef idx="minor">
+            <a:schemeClr val="tx1"/>
+          </a:fontRef>
+        </p:style>
+      </p:cxnSp>
+      <p:cxnSp>
+        <p:nvCxnSpPr>
+          <p:cNvPr id="54" name="Straight Connector 53">
+            <a:extLst>
+              <a:ext uri="{FF2B5EF4-FFF2-40B4-BE49-F238E27FC236}">
+                <a16:creationId xmlns:a16="http://schemas.microsoft.com/office/drawing/2014/main" id="{E58A8B46-D70D-F848-99A0-9651F131305C}"/>
+              </a:ext>
+            </a:extLst>
+          </p:cNvPr>
+          <p:cNvCxnSpPr>
+            <a:cxnSpLocks/>
+          </p:cNvCxnSpPr>
+          <p:nvPr/>
+        </p:nvCxnSpPr>
+        <p:spPr>
+          <a:xfrm>
+            <a:off x="4407247" y="3067778"/>
+            <a:ext cx="230569" cy="0"/>
+          </a:xfrm>
+          <a:prstGeom prst="line">
+            <a:avLst/>
+          </a:prstGeom>
+          <a:ln w="38100"/>
+        </p:spPr>
+        <p:style>
+          <a:lnRef idx="1">
+            <a:schemeClr val="accent1"/>
+          </a:lnRef>
+          <a:fillRef idx="0">
+            <a:schemeClr val="accent1"/>
+          </a:fillRef>
+          <a:effectRef idx="0">
+            <a:schemeClr val="accent1"/>
+          </a:effectRef>
+          <a:fontRef idx="minor">
+            <a:schemeClr val="tx1"/>
+          </a:fontRef>
+        </p:style>
+      </p:cxnSp>
+      <p:cxnSp>
+        <p:nvCxnSpPr>
+          <p:cNvPr id="55" name="Straight Connector 54">
+            <a:extLst>
+              <a:ext uri="{FF2B5EF4-FFF2-40B4-BE49-F238E27FC236}">
+                <a16:creationId xmlns:a16="http://schemas.microsoft.com/office/drawing/2014/main" id="{B8550718-94E0-0F47-9768-1A49C31A346B}"/>
+              </a:ext>
+            </a:extLst>
+          </p:cNvPr>
+          <p:cNvCxnSpPr>
+            <a:cxnSpLocks/>
+          </p:cNvCxnSpPr>
+          <p:nvPr/>
+        </p:nvCxnSpPr>
+        <p:spPr>
+          <a:xfrm>
+            <a:off x="4407247" y="4900716"/>
+            <a:ext cx="234685" cy="0"/>
+          </a:xfrm>
+          <a:prstGeom prst="line">
+            <a:avLst/>
+          </a:prstGeom>
+          <a:ln w="38100"/>
+        </p:spPr>
+        <p:style>
+          <a:lnRef idx="1">
+            <a:schemeClr val="accent1"/>
+          </a:lnRef>
+          <a:fillRef idx="0">
+            <a:schemeClr val="accent1"/>
+          </a:fillRef>
+          <a:effectRef idx="0">
+            <a:schemeClr val="accent1"/>
+          </a:effectRef>
+          <a:fontRef idx="minor">
+            <a:schemeClr val="tx1"/>
+          </a:fontRef>
+        </p:style>
+      </p:cxnSp>
+      <p:sp>
+        <p:nvSpPr>
+          <p:cNvPr id="56" name="TextBox 55">
+            <a:extLst>
+              <a:ext uri="{FF2B5EF4-FFF2-40B4-BE49-F238E27FC236}">
+                <a16:creationId xmlns:a16="http://schemas.microsoft.com/office/drawing/2014/main" id="{D46579A6-8F05-9D4A-8E02-48DBD81FD95A}"/>
+              </a:ext>
+            </a:extLst>
+          </p:cNvPr>
+          <p:cNvSpPr txBox="1"/>
+          <p:nvPr/>
+        </p:nvSpPr>
+        <p:spPr>
+          <a:xfrm>
+            <a:off x="8394276" y="4427710"/>
+            <a:ext cx="1454227" cy="369332"/>
+          </a:xfrm>
+          <a:prstGeom prst="rect">
+            <a:avLst/>
+          </a:prstGeom>
+          <a:solidFill>
+            <a:schemeClr val="accent1">
+              <a:lumMod val="20000"/>
+              <a:lumOff val="80000"/>
+            </a:schemeClr>
+          </a:solidFill>
+          <a:ln w="38100">
+            <a:solidFill>
+              <a:schemeClr val="tx1"/>
+            </a:solidFill>
+          </a:ln>
+        </p:spPr>
+        <p:txBody>
+          <a:bodyPr wrap="square" rtlCol="0">
+            <a:spAutoFit/>
+          </a:bodyPr>
+          <a:lstStyle/>
+          <a:p>
+            <a:pPr algn="ctr"/>
+            <a:r>
+              <a:rPr lang="en-US" dirty="0"/>
+              <a:t>"name"</a:t>
+            </a:r>
+          </a:p>
+        </p:txBody>
+      </p:sp>
+      <p:cxnSp>
+        <p:nvCxnSpPr>
+          <p:cNvPr id="57" name="Straight Connector 56">
+            <a:extLst>
+              <a:ext uri="{FF2B5EF4-FFF2-40B4-BE49-F238E27FC236}">
+                <a16:creationId xmlns:a16="http://schemas.microsoft.com/office/drawing/2014/main" id="{069E7C1F-6498-AA4A-96AE-DF0F1C0EFE00}"/>
+              </a:ext>
+            </a:extLst>
+          </p:cNvPr>
+          <p:cNvCxnSpPr>
+            <a:cxnSpLocks/>
+          </p:cNvCxnSpPr>
+          <p:nvPr/>
+        </p:nvCxnSpPr>
+        <p:spPr>
+          <a:xfrm>
+            <a:off x="7966154" y="4917185"/>
+            <a:ext cx="197553" cy="0"/>
+          </a:xfrm>
+          <a:prstGeom prst="line">
+            <a:avLst/>
+          </a:prstGeom>
+          <a:ln w="38100"/>
+        </p:spPr>
+        <p:style>
+          <a:lnRef idx="1">
+            <a:schemeClr val="accent1"/>
+          </a:lnRef>
+          <a:fillRef idx="0">
+            <a:schemeClr val="accent1"/>
+          </a:fillRef>
+          <a:effectRef idx="0">
+            <a:schemeClr val="accent1"/>
+          </a:effectRef>
+          <a:fontRef idx="minor">
+            <a:schemeClr val="tx1"/>
+          </a:fontRef>
+        </p:style>
+      </p:cxnSp>
+      <p:sp>
+        <p:nvSpPr>
+          <p:cNvPr id="58" name="TextBox 57">
+            <a:extLst>
+              <a:ext uri="{FF2B5EF4-FFF2-40B4-BE49-F238E27FC236}">
+                <a16:creationId xmlns:a16="http://schemas.microsoft.com/office/drawing/2014/main" id="{347B5CBE-07CD-664D-958C-3B86FD234C15}"/>
+              </a:ext>
+            </a:extLst>
+          </p:cNvPr>
+          <p:cNvSpPr txBox="1"/>
+          <p:nvPr/>
+        </p:nvSpPr>
+        <p:spPr>
+          <a:xfrm>
+            <a:off x="9831786" y="4419469"/>
+            <a:ext cx="1454227" cy="369332"/>
+          </a:xfrm>
+          <a:prstGeom prst="rect">
+            <a:avLst/>
+          </a:prstGeom>
+          <a:solidFill>
+            <a:schemeClr val="accent2">
+              <a:lumMod val="20000"/>
+              <a:lumOff val="80000"/>
+            </a:schemeClr>
+          </a:solidFill>
+          <a:ln w="38100">
+            <a:solidFill>
+              <a:schemeClr val="tx1"/>
+            </a:solidFill>
+          </a:ln>
+        </p:spPr>
+        <p:txBody>
+          <a:bodyPr wrap="square" rtlCol="0">
+            <a:spAutoFit/>
+          </a:bodyPr>
+          <a:lstStyle/>
+          <a:p>
+            <a:pPr algn="ctr"/>
+            <a:r>
+              <a:rPr lang="en-US" dirty="0"/>
+              <a:t>"John Smith"</a:t>
+            </a:r>
+          </a:p>
+        </p:txBody>
+      </p:sp>
+      <p:sp>
+        <p:nvSpPr>
+          <p:cNvPr id="59" name="TextBox 58">
+            <a:extLst>
+              <a:ext uri="{FF2B5EF4-FFF2-40B4-BE49-F238E27FC236}">
+                <a16:creationId xmlns:a16="http://schemas.microsoft.com/office/drawing/2014/main" id="{EC4A2C90-6627-ED48-86F9-B37B7E409ACE}"/>
+              </a:ext>
+            </a:extLst>
+          </p:cNvPr>
+          <p:cNvSpPr txBox="1"/>
+          <p:nvPr/>
+        </p:nvSpPr>
+        <p:spPr>
+          <a:xfrm>
+            <a:off x="8398392" y="5062026"/>
+            <a:ext cx="1454227" cy="369332"/>
+          </a:xfrm>
+          <a:prstGeom prst="rect">
+            <a:avLst/>
+          </a:prstGeom>
+          <a:solidFill>
+            <a:schemeClr val="accent1">
+              <a:lumMod val="20000"/>
+              <a:lumOff val="80000"/>
+            </a:schemeClr>
+          </a:solidFill>
+          <a:ln w="38100">
+            <a:solidFill>
+              <a:schemeClr val="tx1"/>
+            </a:solidFill>
+          </a:ln>
+        </p:spPr>
+        <p:txBody>
+          <a:bodyPr wrap="square" rtlCol="0">
+            <a:spAutoFit/>
+          </a:bodyPr>
+          <a:lstStyle/>
+          <a:p>
+            <a:pPr algn="ctr"/>
+            <a:r>
+              <a:rPr lang="en-US" dirty="0"/>
+              <a:t>"</a:t>
+            </a:r>
+            <a:r>
+              <a:rPr lang="en-US" dirty="0" err="1"/>
+              <a:t>job_title</a:t>
+            </a:r>
+            <a:r>
+              <a:rPr lang="en-US" dirty="0"/>
+              <a:t>"</a:t>
+            </a:r>
+          </a:p>
+        </p:txBody>
+      </p:sp>
+      <p:cxnSp>
+        <p:nvCxnSpPr>
+          <p:cNvPr id="61" name="Straight Connector 60">
+            <a:extLst>
+              <a:ext uri="{FF2B5EF4-FFF2-40B4-BE49-F238E27FC236}">
+                <a16:creationId xmlns:a16="http://schemas.microsoft.com/office/drawing/2014/main" id="{ED8E7AEB-1429-1340-9D3B-802AC83FF776}"/>
+              </a:ext>
+            </a:extLst>
+          </p:cNvPr>
+          <p:cNvCxnSpPr>
+            <a:cxnSpLocks/>
+          </p:cNvCxnSpPr>
+          <p:nvPr/>
+        </p:nvCxnSpPr>
+        <p:spPr>
+          <a:xfrm>
+            <a:off x="8163707" y="4617292"/>
+            <a:ext cx="0" cy="667264"/>
+          </a:xfrm>
+          <a:prstGeom prst="line">
+            <a:avLst/>
+          </a:prstGeom>
+          <a:ln w="38100"/>
+        </p:spPr>
+        <p:style>
+          <a:lnRef idx="1">
+            <a:schemeClr val="accent1"/>
+          </a:lnRef>
+          <a:fillRef idx="0">
+            <a:schemeClr val="accent1"/>
+          </a:fillRef>
+          <a:effectRef idx="0">
+            <a:schemeClr val="accent1"/>
+          </a:effectRef>
+          <a:fontRef idx="minor">
+            <a:schemeClr val="tx1"/>
+          </a:fontRef>
+        </p:style>
+      </p:cxnSp>
+      <p:cxnSp>
+        <p:nvCxnSpPr>
+          <p:cNvPr id="62" name="Straight Connector 61">
+            <a:extLst>
+              <a:ext uri="{FF2B5EF4-FFF2-40B4-BE49-F238E27FC236}">
+                <a16:creationId xmlns:a16="http://schemas.microsoft.com/office/drawing/2014/main" id="{7842B537-C770-1A48-B93F-0CE25AB9284A}"/>
+              </a:ext>
+            </a:extLst>
+          </p:cNvPr>
+          <p:cNvCxnSpPr>
+            <a:cxnSpLocks/>
+            <a:endCxn id="56" idx="1"/>
+          </p:cNvCxnSpPr>
+          <p:nvPr/>
+        </p:nvCxnSpPr>
+        <p:spPr>
+          <a:xfrm>
+            <a:off x="8163707" y="4612376"/>
+            <a:ext cx="230569" cy="0"/>
+          </a:xfrm>
+          <a:prstGeom prst="line">
+            <a:avLst/>
+          </a:prstGeom>
+          <a:ln w="38100"/>
+        </p:spPr>
+        <p:style>
+          <a:lnRef idx="1">
+            <a:schemeClr val="accent1"/>
+          </a:lnRef>
+          <a:fillRef idx="0">
+            <a:schemeClr val="accent1"/>
+          </a:fillRef>
+          <a:effectRef idx="0">
+            <a:schemeClr val="accent1"/>
+          </a:effectRef>
+          <a:fontRef idx="minor">
+            <a:schemeClr val="tx1"/>
+          </a:fontRef>
+        </p:style>
+      </p:cxnSp>
+      <p:cxnSp>
+        <p:nvCxnSpPr>
+          <p:cNvPr id="63" name="Straight Connector 62">
+            <a:extLst>
+              <a:ext uri="{FF2B5EF4-FFF2-40B4-BE49-F238E27FC236}">
+                <a16:creationId xmlns:a16="http://schemas.microsoft.com/office/drawing/2014/main" id="{B4E45706-1EB9-5D44-96A9-A83E90A02CAA}"/>
+              </a:ext>
+            </a:extLst>
+          </p:cNvPr>
+          <p:cNvCxnSpPr>
+            <a:cxnSpLocks/>
+          </p:cNvCxnSpPr>
+          <p:nvPr/>
+        </p:nvCxnSpPr>
+        <p:spPr>
+          <a:xfrm>
+            <a:off x="8163707" y="5259049"/>
+            <a:ext cx="234685" cy="0"/>
+          </a:xfrm>
+          <a:prstGeom prst="line">
+            <a:avLst/>
+          </a:prstGeom>
+          <a:ln w="38100"/>
+        </p:spPr>
+        <p:style>
+          <a:lnRef idx="1">
+            <a:schemeClr val="accent1"/>
+          </a:lnRef>
+          <a:fillRef idx="0">
+            <a:schemeClr val="accent1"/>
+          </a:fillRef>
+          <a:effectRef idx="0">
+            <a:schemeClr val="accent1"/>
+          </a:effectRef>
+          <a:fontRef idx="minor">
+            <a:schemeClr val="tx1"/>
+          </a:fontRef>
+        </p:style>
+      </p:cxnSp>
+      <p:sp>
+        <p:nvSpPr>
+          <p:cNvPr id="64" name="TextBox 63">
+            <a:extLst>
+              <a:ext uri="{FF2B5EF4-FFF2-40B4-BE49-F238E27FC236}">
+                <a16:creationId xmlns:a16="http://schemas.microsoft.com/office/drawing/2014/main" id="{FFF49C89-51A5-3B4E-8FC2-7D8BB72F2D57}"/>
+              </a:ext>
+            </a:extLst>
+          </p:cNvPr>
+          <p:cNvSpPr txBox="1"/>
+          <p:nvPr/>
+        </p:nvSpPr>
+        <p:spPr>
+          <a:xfrm>
+            <a:off x="9848259" y="5066148"/>
+            <a:ext cx="1454227" cy="369332"/>
+          </a:xfrm>
+          <a:prstGeom prst="rect">
+            <a:avLst/>
+          </a:prstGeom>
+          <a:solidFill>
+            <a:schemeClr val="accent2">
+              <a:lumMod val="20000"/>
+              <a:lumOff val="80000"/>
+            </a:schemeClr>
+          </a:solidFill>
+          <a:ln w="38100">
+            <a:solidFill>
+              <a:schemeClr val="tx1"/>
+            </a:solidFill>
+          </a:ln>
+        </p:spPr>
+        <p:txBody>
+          <a:bodyPr wrap="square" rtlCol="0">
+            <a:spAutoFit/>
+          </a:bodyPr>
+          <a:lstStyle/>
+          <a:p>
+            <a:pPr algn="ctr"/>
+            <a:r>
+              <a:rPr lang="en-US" dirty="0"/>
+              <a:t>"Clerk"</a:t>
+            </a:r>
+          </a:p>
+        </p:txBody>
+      </p:sp>
+      <p:sp>
+        <p:nvSpPr>
+          <p:cNvPr id="2" name="TextBox 1">
+            <a:extLst>
+              <a:ext uri="{FF2B5EF4-FFF2-40B4-BE49-F238E27FC236}">
+                <a16:creationId xmlns:a16="http://schemas.microsoft.com/office/drawing/2014/main" id="{38ABEF23-7D6D-224B-B740-24B05D72CC88}"/>
+              </a:ext>
+            </a:extLst>
+          </p:cNvPr>
+          <p:cNvSpPr txBox="1"/>
+          <p:nvPr/>
+        </p:nvSpPr>
+        <p:spPr>
+          <a:xfrm>
+            <a:off x="8712504" y="2071218"/>
+            <a:ext cx="1868012" cy="646331"/>
+          </a:xfrm>
+          <a:prstGeom prst="rect">
+            <a:avLst/>
+          </a:prstGeom>
+          <a:noFill/>
+        </p:spPr>
+        <p:txBody>
+          <a:bodyPr wrap="none" rtlCol="0">
+            <a:spAutoFit/>
+          </a:bodyPr>
+          <a:lstStyle/>
+          <a:p>
+            <a:pPr algn="ctr"/>
+            <a:r>
+              <a:rPr lang="en-US" dirty="0">
+                <a:solidFill>
+                  <a:srgbClr val="FF0000"/>
+                </a:solidFill>
+              </a:rPr>
+              <a:t>No longer has any</a:t>
+            </a:r>
+          </a:p>
+          <a:p>
+            <a:pPr algn="ctr"/>
+            <a:r>
+              <a:rPr lang="en-US" dirty="0">
+                <a:solidFill>
+                  <a:srgbClr val="FF0000"/>
+                </a:solidFill>
+              </a:rPr>
+              <a:t>Child Nodes</a:t>
+            </a:r>
+          </a:p>
+        </p:txBody>
+      </p:sp>
+      <p:cxnSp>
+        <p:nvCxnSpPr>
+          <p:cNvPr id="6" name="Straight Arrow Connector 5">
+            <a:extLst>
+              <a:ext uri="{FF2B5EF4-FFF2-40B4-BE49-F238E27FC236}">
+                <a16:creationId xmlns:a16="http://schemas.microsoft.com/office/drawing/2014/main" id="{C6E0C152-7354-A240-BE76-B547E4AD7DAB}"/>
+              </a:ext>
+            </a:extLst>
+          </p:cNvPr>
+          <p:cNvCxnSpPr>
+            <a:cxnSpLocks/>
+          </p:cNvCxnSpPr>
+          <p:nvPr/>
+        </p:nvCxnSpPr>
+        <p:spPr>
+          <a:xfrm flipH="1">
+            <a:off x="8093692" y="2394384"/>
+            <a:ext cx="581741" cy="0"/>
+          </a:xfrm>
+          <a:prstGeom prst="straightConnector1">
+            <a:avLst/>
+          </a:prstGeom>
+          <a:ln w="47625">
+            <a:solidFill>
+              <a:schemeClr val="tx1"/>
+            </a:solidFill>
+            <a:tailEnd type="triangle"/>
+          </a:ln>
+        </p:spPr>
+        <p:style>
+          <a:lnRef idx="1">
+            <a:schemeClr val="accent1"/>
+          </a:lnRef>
+          <a:fillRef idx="0">
+            <a:schemeClr val="accent1"/>
+          </a:fillRef>
+          <a:effectRef idx="0">
+            <a:schemeClr val="accent1"/>
+          </a:effectRef>
+          <a:fontRef idx="minor">
+            <a:schemeClr val="tx1"/>
+          </a:fontRef>
+        </p:style>
+      </p:cxnSp>
+    </p:spTree>
+    <p:extLst>
+      <p:ext uri="{BB962C8B-B14F-4D97-AF65-F5344CB8AC3E}">
+        <p14:creationId xmlns:p14="http://schemas.microsoft.com/office/powerpoint/2010/main" val="3069531840"/>
+      </p:ext>
+    </p:extLst>
+  </p:cSld>
+  <p:clrMapOvr>
+    <a:masterClrMapping/>
+  </p:clrMapOvr>
+</p:sld>
+</file>
+
+<file path=ppt/slides/slide9.xml><?xml version="1.0" encoding="utf-8"?>
+<p:sld xmlns:a="http://schemas.openxmlformats.org/drawingml/2006/main" xmlns:r="http://schemas.openxmlformats.org/officeDocument/2006/relationships" xmlns:p="http://schemas.openxmlformats.org/presentationml/2006/main">
+  <p:cSld>
+    <p:spTree>
+      <p:nvGrpSpPr>
+        <p:cNvPr id="1" name=""/>
+        <p:cNvGrpSpPr/>
+        <p:nvPr/>
+      </p:nvGrpSpPr>
+      <p:grpSpPr>
+        <a:xfrm>
+          <a:off x="0" y="0"/>
+          <a:ext cx="0" cy="0"/>
+          <a:chOff x="0" y="0"/>
+          <a:chExt cx="0" cy="0"/>
+        </a:xfrm>
+      </p:grpSpPr>
+      <p:sp>
+        <p:nvSpPr>
+          <p:cNvPr id="4" name="TextBox 3">
+            <a:extLst>
+              <a:ext uri="{FF2B5EF4-FFF2-40B4-BE49-F238E27FC236}">
+                <a16:creationId xmlns:a16="http://schemas.microsoft.com/office/drawing/2014/main" id="{B162801C-762F-E94B-A835-73FA42117F87}"/>
+              </a:ext>
+            </a:extLst>
+          </p:cNvPr>
+          <p:cNvSpPr txBox="1"/>
+          <p:nvPr/>
+        </p:nvSpPr>
+        <p:spPr>
+          <a:xfrm>
+            <a:off x="881349" y="3822256"/>
+            <a:ext cx="1454227" cy="369332"/>
+          </a:xfrm>
+          <a:prstGeom prst="rect">
+            <a:avLst/>
+          </a:prstGeom>
+          <a:solidFill>
+            <a:schemeClr val="accent6">
+              <a:lumMod val="20000"/>
+              <a:lumOff val="80000"/>
+            </a:schemeClr>
+          </a:solidFill>
+          <a:ln w="38100">
+            <a:solidFill>
+              <a:schemeClr val="tx1"/>
+            </a:solidFill>
+          </a:ln>
+        </p:spPr>
+        <p:txBody>
+          <a:bodyPr wrap="square" rtlCol="0">
+            <a:spAutoFit/>
+          </a:bodyPr>
+          <a:lstStyle/>
+          <a:p>
+            <a:pPr algn="ctr"/>
+            <a:r>
+              <a:rPr lang="en-US" dirty="0"/>
+              <a:t>employee</a:t>
+            </a:r>
+          </a:p>
+        </p:txBody>
+      </p:sp>
+      <p:sp>
+        <p:nvSpPr>
+          <p:cNvPr id="5" name="TextBox 4">
+            <a:extLst>
+              <a:ext uri="{FF2B5EF4-FFF2-40B4-BE49-F238E27FC236}">
+                <a16:creationId xmlns:a16="http://schemas.microsoft.com/office/drawing/2014/main" id="{1A2AC16F-7704-3D42-B4B8-F48A39849A4C}"/>
+              </a:ext>
+            </a:extLst>
+          </p:cNvPr>
+          <p:cNvSpPr txBox="1"/>
+          <p:nvPr/>
+        </p:nvSpPr>
+        <p:spPr>
+          <a:xfrm>
+            <a:off x="2763698" y="3826372"/>
+            <a:ext cx="1454227" cy="369332"/>
+          </a:xfrm>
+          <a:prstGeom prst="rect">
+            <a:avLst/>
+          </a:prstGeom>
+          <a:solidFill>
+            <a:schemeClr val="accent1">
+              <a:lumMod val="20000"/>
+              <a:lumOff val="80000"/>
+            </a:schemeClr>
+          </a:solidFill>
+          <a:ln w="38100">
+            <a:solidFill>
+              <a:schemeClr val="tx1"/>
+            </a:solidFill>
+          </a:ln>
+        </p:spPr>
+        <p:txBody>
+          <a:bodyPr wrap="square" rtlCol="0">
+            <a:spAutoFit/>
+          </a:bodyPr>
+          <a:lstStyle/>
+          <a:p>
+            <a:pPr algn="ctr"/>
+            <a:r>
+              <a:rPr lang="en-US" dirty="0"/>
+              <a:t>"UK"</a:t>
+            </a:r>
+          </a:p>
+        </p:txBody>
+      </p:sp>
+      <p:cxnSp>
+        <p:nvCxnSpPr>
+          <p:cNvPr id="7" name="Straight Connector 6">
+            <a:extLst>
+              <a:ext uri="{FF2B5EF4-FFF2-40B4-BE49-F238E27FC236}">
+                <a16:creationId xmlns:a16="http://schemas.microsoft.com/office/drawing/2014/main" id="{4C8FD840-F06D-E24A-8F64-A9669EC19673}"/>
+              </a:ext>
+            </a:extLst>
+          </p:cNvPr>
+          <p:cNvCxnSpPr>
+            <a:cxnSpLocks/>
+            <a:stCxn id="4" idx="3"/>
+            <a:endCxn id="5" idx="1"/>
+          </p:cNvCxnSpPr>
+          <p:nvPr/>
+        </p:nvCxnSpPr>
+        <p:spPr>
+          <a:xfrm>
+            <a:off x="2335576" y="4006922"/>
+            <a:ext cx="428122" cy="4116"/>
+          </a:xfrm>
+          <a:prstGeom prst="line">
+            <a:avLst/>
+          </a:prstGeom>
+          <a:ln w="38100"/>
+        </p:spPr>
+        <p:style>
+          <a:lnRef idx="1">
+            <a:schemeClr val="accent1"/>
+          </a:lnRef>
+          <a:fillRef idx="0">
+            <a:schemeClr val="accent1"/>
+          </a:fillRef>
+          <a:effectRef idx="0">
+            <a:schemeClr val="accent1"/>
+          </a:effectRef>
+          <a:fontRef idx="minor">
+            <a:schemeClr val="tx1"/>
+          </a:fontRef>
+        </p:style>
+      </p:cxnSp>
+      <p:sp>
+        <p:nvSpPr>
+          <p:cNvPr id="9" name="TextBox 8">
+            <a:extLst>
+              <a:ext uri="{FF2B5EF4-FFF2-40B4-BE49-F238E27FC236}">
+                <a16:creationId xmlns:a16="http://schemas.microsoft.com/office/drawing/2014/main" id="{B1A35203-CBEA-F24D-9D57-F613AC9A0D4E}"/>
+              </a:ext>
+            </a:extLst>
+          </p:cNvPr>
+          <p:cNvSpPr txBox="1"/>
+          <p:nvPr/>
+        </p:nvSpPr>
+        <p:spPr>
+          <a:xfrm>
+            <a:off x="4633693" y="2866658"/>
+            <a:ext cx="1454227" cy="369332"/>
+          </a:xfrm>
+          <a:prstGeom prst="rect">
+            <a:avLst/>
+          </a:prstGeom>
+          <a:solidFill>
+            <a:schemeClr val="accent1">
+              <a:lumMod val="20000"/>
+              <a:lumOff val="80000"/>
+            </a:schemeClr>
+          </a:solidFill>
+          <a:ln w="38100">
+            <a:solidFill>
+              <a:schemeClr val="tx1"/>
+            </a:solidFill>
+          </a:ln>
+        </p:spPr>
+        <p:txBody>
+          <a:bodyPr wrap="square" rtlCol="0">
+            <a:spAutoFit/>
+          </a:bodyPr>
+          <a:lstStyle/>
+          <a:p>
+            <a:pPr algn="ctr"/>
+            <a:r>
+              <a:rPr lang="en-US" dirty="0"/>
+              <a:t>"London"</a:t>
+            </a:r>
+          </a:p>
+        </p:txBody>
+      </p:sp>
+      <p:cxnSp>
+        <p:nvCxnSpPr>
+          <p:cNvPr id="17" name="Straight Connector 16">
+            <a:extLst>
+              <a:ext uri="{FF2B5EF4-FFF2-40B4-BE49-F238E27FC236}">
+                <a16:creationId xmlns:a16="http://schemas.microsoft.com/office/drawing/2014/main" id="{320DBBA8-7C04-EE43-A613-532B3EE9E790}"/>
+              </a:ext>
+            </a:extLst>
+          </p:cNvPr>
+          <p:cNvCxnSpPr>
+            <a:cxnSpLocks/>
+          </p:cNvCxnSpPr>
+          <p:nvPr/>
+        </p:nvCxnSpPr>
+        <p:spPr>
+          <a:xfrm>
+            <a:off x="2545490" y="766101"/>
+            <a:ext cx="0" cy="5399921"/>
+          </a:xfrm>
+          <a:prstGeom prst="line">
+            <a:avLst/>
+          </a:prstGeom>
+          <a:ln w="34925">
+            <a:solidFill>
+              <a:schemeClr val="accent2">
+                <a:lumMod val="20000"/>
+                <a:lumOff val="80000"/>
+              </a:schemeClr>
+            </a:solidFill>
+            <a:prstDash val="dash"/>
+          </a:ln>
+        </p:spPr>
+        <p:style>
+          <a:lnRef idx="1">
+            <a:schemeClr val="accent1"/>
+          </a:lnRef>
+          <a:fillRef idx="0">
+            <a:schemeClr val="accent1"/>
+          </a:fillRef>
+          <a:effectRef idx="0">
+            <a:schemeClr val="accent1"/>
+          </a:effectRef>
+          <a:fontRef idx="minor">
+            <a:schemeClr val="tx1"/>
+          </a:fontRef>
+        </p:style>
+      </p:cxnSp>
+      <p:sp>
+        <p:nvSpPr>
+          <p:cNvPr id="18" name="TextBox 17">
+            <a:extLst>
+              <a:ext uri="{FF2B5EF4-FFF2-40B4-BE49-F238E27FC236}">
+                <a16:creationId xmlns:a16="http://schemas.microsoft.com/office/drawing/2014/main" id="{E80276C6-8FDC-D341-A35D-8C9F4B564AF3}"/>
+              </a:ext>
+            </a:extLst>
+          </p:cNvPr>
+          <p:cNvSpPr txBox="1"/>
+          <p:nvPr/>
+        </p:nvSpPr>
+        <p:spPr>
+          <a:xfrm>
+            <a:off x="976182" y="1075022"/>
+            <a:ext cx="1265090" cy="338554"/>
+          </a:xfrm>
+          <a:prstGeom prst="rect">
+            <a:avLst/>
+          </a:prstGeom>
+          <a:noFill/>
+        </p:spPr>
+        <p:txBody>
+          <a:bodyPr wrap="none" rtlCol="0">
+            <a:spAutoFit/>
+          </a:bodyPr>
+          <a:lstStyle/>
+          <a:p>
+            <a:r>
+              <a:rPr lang="en-US" sz="1600" dirty="0"/>
+              <a:t>Global Name</a:t>
+            </a:r>
+          </a:p>
+        </p:txBody>
+      </p:sp>
+      <p:cxnSp>
+        <p:nvCxnSpPr>
+          <p:cNvPr id="19" name="Straight Connector 18">
+            <a:extLst>
+              <a:ext uri="{FF2B5EF4-FFF2-40B4-BE49-F238E27FC236}">
+                <a16:creationId xmlns:a16="http://schemas.microsoft.com/office/drawing/2014/main" id="{AB2ADC5D-0300-FB4A-B8EC-96F24DD908B5}"/>
+              </a:ext>
+            </a:extLst>
+          </p:cNvPr>
+          <p:cNvCxnSpPr>
+            <a:cxnSpLocks/>
+          </p:cNvCxnSpPr>
+          <p:nvPr/>
+        </p:nvCxnSpPr>
+        <p:spPr>
+          <a:xfrm>
+            <a:off x="4390771" y="782574"/>
+            <a:ext cx="0" cy="5284594"/>
+          </a:xfrm>
+          <a:prstGeom prst="line">
+            <a:avLst/>
+          </a:prstGeom>
+          <a:ln w="34925">
+            <a:solidFill>
+              <a:schemeClr val="accent2">
+                <a:lumMod val="20000"/>
+                <a:lumOff val="80000"/>
+              </a:schemeClr>
+            </a:solidFill>
+            <a:prstDash val="dash"/>
+          </a:ln>
+        </p:spPr>
+        <p:style>
+          <a:lnRef idx="1">
+            <a:schemeClr val="accent1"/>
+          </a:lnRef>
+          <a:fillRef idx="0">
+            <a:schemeClr val="accent1"/>
+          </a:fillRef>
+          <a:effectRef idx="0">
+            <a:schemeClr val="accent1"/>
+          </a:effectRef>
+          <a:fontRef idx="minor">
+            <a:schemeClr val="tx1"/>
+          </a:fontRef>
+        </p:style>
+      </p:cxnSp>
+      <p:cxnSp>
+        <p:nvCxnSpPr>
+          <p:cNvPr id="20" name="Straight Connector 19">
+            <a:extLst>
+              <a:ext uri="{FF2B5EF4-FFF2-40B4-BE49-F238E27FC236}">
+                <a16:creationId xmlns:a16="http://schemas.microsoft.com/office/drawing/2014/main" id="{DF0C5A21-5B86-7B4D-93F0-7BE91F3E7E0B}"/>
+              </a:ext>
+            </a:extLst>
+          </p:cNvPr>
+          <p:cNvCxnSpPr>
+            <a:cxnSpLocks/>
+          </p:cNvCxnSpPr>
+          <p:nvPr/>
+        </p:nvCxnSpPr>
+        <p:spPr>
+          <a:xfrm>
+            <a:off x="6285482" y="774333"/>
+            <a:ext cx="0" cy="5292835"/>
+          </a:xfrm>
+          <a:prstGeom prst="line">
+            <a:avLst/>
+          </a:prstGeom>
+          <a:ln w="34925">
+            <a:solidFill>
+              <a:schemeClr val="accent2">
+                <a:lumMod val="20000"/>
+                <a:lumOff val="80000"/>
+              </a:schemeClr>
+            </a:solidFill>
+            <a:prstDash val="dash"/>
+          </a:ln>
+        </p:spPr>
+        <p:style>
+          <a:lnRef idx="1">
+            <a:schemeClr val="accent1"/>
+          </a:lnRef>
+          <a:fillRef idx="0">
+            <a:schemeClr val="accent1"/>
+          </a:fillRef>
+          <a:effectRef idx="0">
+            <a:schemeClr val="accent1"/>
+          </a:effectRef>
+          <a:fontRef idx="minor">
+            <a:schemeClr val="tx1"/>
+          </a:fontRef>
+        </p:style>
+      </p:cxnSp>
+      <p:cxnSp>
+        <p:nvCxnSpPr>
+          <p:cNvPr id="21" name="Straight Connector 20">
+            <a:extLst>
+              <a:ext uri="{FF2B5EF4-FFF2-40B4-BE49-F238E27FC236}">
+                <a16:creationId xmlns:a16="http://schemas.microsoft.com/office/drawing/2014/main" id="{AAF2CCAF-6B30-3B47-A46F-B86F699F5B48}"/>
+              </a:ext>
+            </a:extLst>
+          </p:cNvPr>
+          <p:cNvCxnSpPr>
+            <a:cxnSpLocks/>
+          </p:cNvCxnSpPr>
+          <p:nvPr/>
+        </p:nvCxnSpPr>
+        <p:spPr>
+          <a:xfrm flipH="1">
+            <a:off x="8163707" y="778449"/>
+            <a:ext cx="4125" cy="5288719"/>
+          </a:xfrm>
+          <a:prstGeom prst="line">
+            <a:avLst/>
+          </a:prstGeom>
+          <a:ln w="34925">
+            <a:solidFill>
+              <a:schemeClr val="accent2">
+                <a:lumMod val="20000"/>
+                <a:lumOff val="80000"/>
+              </a:schemeClr>
+            </a:solidFill>
+            <a:prstDash val="dash"/>
+          </a:ln>
+        </p:spPr>
+        <p:style>
+          <a:lnRef idx="1">
+            <a:schemeClr val="accent1"/>
+          </a:lnRef>
+          <a:fillRef idx="0">
+            <a:schemeClr val="accent1"/>
+          </a:fillRef>
+          <a:effectRef idx="0">
+            <a:schemeClr val="accent1"/>
+          </a:effectRef>
+          <a:fontRef idx="minor">
+            <a:schemeClr val="tx1"/>
+          </a:fontRef>
+        </p:style>
+      </p:cxnSp>
+      <p:cxnSp>
+        <p:nvCxnSpPr>
+          <p:cNvPr id="22" name="Straight Connector 21">
+            <a:extLst>
+              <a:ext uri="{FF2B5EF4-FFF2-40B4-BE49-F238E27FC236}">
+                <a16:creationId xmlns:a16="http://schemas.microsoft.com/office/drawing/2014/main" id="{4ECBD974-738A-AD4A-92A1-2461968AB80E}"/>
+              </a:ext>
+            </a:extLst>
+          </p:cNvPr>
+          <p:cNvCxnSpPr>
+            <a:cxnSpLocks/>
+          </p:cNvCxnSpPr>
+          <p:nvPr/>
+        </p:nvCxnSpPr>
+        <p:spPr>
+          <a:xfrm>
+            <a:off x="9840117" y="782565"/>
+            <a:ext cx="16627" cy="5383457"/>
+          </a:xfrm>
+          <a:prstGeom prst="line">
+            <a:avLst/>
+          </a:prstGeom>
+          <a:ln w="34925">
+            <a:solidFill>
+              <a:schemeClr val="accent2">
+                <a:lumMod val="20000"/>
+                <a:lumOff val="80000"/>
+              </a:schemeClr>
+            </a:solidFill>
+            <a:prstDash val="dash"/>
+          </a:ln>
+        </p:spPr>
+        <p:style>
+          <a:lnRef idx="1">
+            <a:schemeClr val="accent1"/>
+          </a:lnRef>
+          <a:fillRef idx="0">
+            <a:schemeClr val="accent1"/>
+          </a:fillRef>
+          <a:effectRef idx="0">
+            <a:schemeClr val="accent1"/>
+          </a:effectRef>
+          <a:fontRef idx="minor">
+            <a:schemeClr val="tx1"/>
+          </a:fontRef>
+        </p:style>
+      </p:cxnSp>
+      <p:sp>
+        <p:nvSpPr>
+          <p:cNvPr id="23" name="TextBox 22">
+            <a:extLst>
+              <a:ext uri="{FF2B5EF4-FFF2-40B4-BE49-F238E27FC236}">
+                <a16:creationId xmlns:a16="http://schemas.microsoft.com/office/drawing/2014/main" id="{3939CBED-D6CD-A143-B64F-C89AE1D78FA0}"/>
+              </a:ext>
+            </a:extLst>
+          </p:cNvPr>
+          <p:cNvSpPr txBox="1"/>
+          <p:nvPr/>
+        </p:nvSpPr>
+        <p:spPr>
+          <a:xfrm>
+            <a:off x="2809104" y="881426"/>
+            <a:ext cx="1158972" cy="584775"/>
+          </a:xfrm>
+          <a:prstGeom prst="rect">
+            <a:avLst/>
+          </a:prstGeom>
+          <a:noFill/>
+        </p:spPr>
+        <p:txBody>
+          <a:bodyPr wrap="none" rtlCol="0">
+            <a:spAutoFit/>
+          </a:bodyPr>
+          <a:lstStyle/>
+          <a:p>
+            <a:pPr algn="ctr"/>
+            <a:r>
+              <a:rPr lang="en-US" sz="1600" dirty="0"/>
+              <a:t>Subscript 1:</a:t>
+            </a:r>
+          </a:p>
+          <a:p>
+            <a:pPr algn="ctr"/>
+            <a:r>
+              <a:rPr lang="en-US" sz="1600" dirty="0"/>
+              <a:t>Country</a:t>
+            </a:r>
+          </a:p>
+        </p:txBody>
+      </p:sp>
+      <p:sp>
+        <p:nvSpPr>
+          <p:cNvPr id="24" name="TextBox 23">
+            <a:extLst>
+              <a:ext uri="{FF2B5EF4-FFF2-40B4-BE49-F238E27FC236}">
+                <a16:creationId xmlns:a16="http://schemas.microsoft.com/office/drawing/2014/main" id="{2E80D592-FA8F-B145-8311-FEF1796BB219}"/>
+              </a:ext>
+            </a:extLst>
+          </p:cNvPr>
+          <p:cNvSpPr txBox="1"/>
+          <p:nvPr/>
+        </p:nvSpPr>
+        <p:spPr>
+          <a:xfrm>
+            <a:off x="4679095" y="885542"/>
+            <a:ext cx="1158972" cy="584775"/>
+          </a:xfrm>
+          <a:prstGeom prst="rect">
+            <a:avLst/>
+          </a:prstGeom>
+          <a:noFill/>
+        </p:spPr>
+        <p:txBody>
+          <a:bodyPr wrap="none" rtlCol="0">
+            <a:spAutoFit/>
+          </a:bodyPr>
+          <a:lstStyle/>
+          <a:p>
+            <a:pPr algn="ctr"/>
+            <a:r>
+              <a:rPr lang="en-US" sz="1600" dirty="0"/>
+              <a:t>Subscript 2:</a:t>
+            </a:r>
+          </a:p>
+          <a:p>
+            <a:pPr algn="ctr"/>
+            <a:r>
+              <a:rPr lang="en-US" sz="1600" dirty="0"/>
+              <a:t>City/Office</a:t>
+            </a:r>
+          </a:p>
+        </p:txBody>
+      </p:sp>
+      <p:sp>
+        <p:nvSpPr>
+          <p:cNvPr id="25" name="TextBox 24">
+            <a:extLst>
+              <a:ext uri="{FF2B5EF4-FFF2-40B4-BE49-F238E27FC236}">
+                <a16:creationId xmlns:a16="http://schemas.microsoft.com/office/drawing/2014/main" id="{E46261D8-4F1A-E641-91D0-7FF895D2A5FC}"/>
+              </a:ext>
+            </a:extLst>
+          </p:cNvPr>
+          <p:cNvSpPr txBox="1"/>
+          <p:nvPr/>
+        </p:nvSpPr>
+        <p:spPr>
+          <a:xfrm>
+            <a:off x="6572097" y="877301"/>
+            <a:ext cx="1211807" cy="584775"/>
+          </a:xfrm>
+          <a:prstGeom prst="rect">
+            <a:avLst/>
+          </a:prstGeom>
+          <a:noFill/>
+        </p:spPr>
+        <p:txBody>
+          <a:bodyPr wrap="none" rtlCol="0">
+            <a:spAutoFit/>
+          </a:bodyPr>
+          <a:lstStyle/>
+          <a:p>
+            <a:pPr algn="ctr"/>
+            <a:r>
+              <a:rPr lang="en-US" sz="1600" dirty="0"/>
+              <a:t>Subscript 3:</a:t>
+            </a:r>
+          </a:p>
+          <a:p>
+            <a:pPr algn="ctr"/>
+            <a:r>
+              <a:rPr lang="en-US" sz="1600" dirty="0"/>
+              <a:t>Employee Id</a:t>
+            </a:r>
+          </a:p>
+        </p:txBody>
+      </p:sp>
+      <p:sp>
+        <p:nvSpPr>
+          <p:cNvPr id="26" name="TextBox 25">
+            <a:extLst>
+              <a:ext uri="{FF2B5EF4-FFF2-40B4-BE49-F238E27FC236}">
+                <a16:creationId xmlns:a16="http://schemas.microsoft.com/office/drawing/2014/main" id="{847DA4B7-832F-9C4E-9450-4247FCAD7815}"/>
+              </a:ext>
+            </a:extLst>
+          </p:cNvPr>
+          <p:cNvSpPr txBox="1"/>
+          <p:nvPr/>
+        </p:nvSpPr>
+        <p:spPr>
+          <a:xfrm>
+            <a:off x="8307776" y="881417"/>
+            <a:ext cx="1455720" cy="584775"/>
+          </a:xfrm>
+          <a:prstGeom prst="rect">
+            <a:avLst/>
+          </a:prstGeom>
+          <a:noFill/>
+        </p:spPr>
+        <p:txBody>
+          <a:bodyPr wrap="none" rtlCol="0">
+            <a:spAutoFit/>
+          </a:bodyPr>
+          <a:lstStyle/>
+          <a:p>
+            <a:pPr algn="ctr"/>
+            <a:r>
+              <a:rPr lang="en-US" sz="1600" dirty="0"/>
+              <a:t>Subscript 4:</a:t>
+            </a:r>
+          </a:p>
+          <a:p>
+            <a:pPr algn="ctr"/>
+            <a:r>
+              <a:rPr lang="en-US" sz="1600" dirty="0"/>
+              <a:t>Property Name</a:t>
+            </a:r>
+          </a:p>
+        </p:txBody>
+      </p:sp>
+      <p:sp>
+        <p:nvSpPr>
+          <p:cNvPr id="27" name="TextBox 26">
+            <a:extLst>
+              <a:ext uri="{FF2B5EF4-FFF2-40B4-BE49-F238E27FC236}">
+                <a16:creationId xmlns:a16="http://schemas.microsoft.com/office/drawing/2014/main" id="{F6574DA6-1B61-5940-A8B3-179390BA80FD}"/>
+              </a:ext>
+            </a:extLst>
+          </p:cNvPr>
+          <p:cNvSpPr txBox="1"/>
+          <p:nvPr/>
+        </p:nvSpPr>
+        <p:spPr>
+          <a:xfrm>
+            <a:off x="10166238" y="1000411"/>
+            <a:ext cx="644536" cy="338554"/>
+          </a:xfrm>
+          <a:prstGeom prst="rect">
+            <a:avLst/>
+          </a:prstGeom>
+          <a:noFill/>
+        </p:spPr>
+        <p:txBody>
+          <a:bodyPr wrap="none" rtlCol="0">
+            <a:spAutoFit/>
+          </a:bodyPr>
+          <a:lstStyle/>
+          <a:p>
+            <a:pPr algn="ctr"/>
+            <a:r>
+              <a:rPr lang="en-US" sz="1600" dirty="0"/>
+              <a:t>Value</a:t>
+            </a:r>
+          </a:p>
+        </p:txBody>
+      </p:sp>
+      <p:sp>
+        <p:nvSpPr>
+          <p:cNvPr id="30" name="TextBox 29">
+            <a:extLst>
+              <a:ext uri="{FF2B5EF4-FFF2-40B4-BE49-F238E27FC236}">
+                <a16:creationId xmlns:a16="http://schemas.microsoft.com/office/drawing/2014/main" id="{D24C21CD-22DA-9747-BC76-901699199EDC}"/>
+              </a:ext>
+            </a:extLst>
+          </p:cNvPr>
+          <p:cNvSpPr txBox="1"/>
+          <p:nvPr/>
+        </p:nvSpPr>
+        <p:spPr>
+          <a:xfrm>
+            <a:off x="6520161" y="3517435"/>
+            <a:ext cx="1454227" cy="369332"/>
+          </a:xfrm>
+          <a:prstGeom prst="rect">
+            <a:avLst/>
+          </a:prstGeom>
+          <a:solidFill>
+            <a:schemeClr val="accent1">
+              <a:lumMod val="20000"/>
+              <a:lumOff val="80000"/>
+            </a:schemeClr>
+          </a:solidFill>
+          <a:ln w="38100">
+            <a:solidFill>
+              <a:schemeClr val="tx1"/>
+            </a:solidFill>
+          </a:ln>
+        </p:spPr>
+        <p:txBody>
+          <a:bodyPr wrap="square" rtlCol="0">
+            <a:spAutoFit/>
+          </a:bodyPr>
+          <a:lstStyle/>
+          <a:p>
+            <a:pPr algn="ctr"/>
+            <a:r>
+              <a:rPr lang="en-US" dirty="0"/>
+              <a:t>123456464</a:t>
+            </a:r>
+          </a:p>
+        </p:txBody>
+      </p:sp>
+      <p:sp>
+        <p:nvSpPr>
+          <p:cNvPr id="31" name="TextBox 30">
+            <a:extLst>
+              <a:ext uri="{FF2B5EF4-FFF2-40B4-BE49-F238E27FC236}">
+                <a16:creationId xmlns:a16="http://schemas.microsoft.com/office/drawing/2014/main" id="{C9C44824-2556-BE48-B0D4-8F5EDD64FF2E}"/>
+              </a:ext>
+            </a:extLst>
+          </p:cNvPr>
+          <p:cNvSpPr txBox="1"/>
+          <p:nvPr/>
+        </p:nvSpPr>
+        <p:spPr>
+          <a:xfrm>
+            <a:off x="8402517" y="3212626"/>
+            <a:ext cx="1454227" cy="369332"/>
+          </a:xfrm>
+          <a:prstGeom prst="rect">
+            <a:avLst/>
+          </a:prstGeom>
+          <a:solidFill>
+            <a:schemeClr val="accent1">
+              <a:lumMod val="20000"/>
+              <a:lumOff val="80000"/>
+            </a:schemeClr>
+          </a:solidFill>
+          <a:ln w="38100">
+            <a:solidFill>
+              <a:schemeClr val="tx1"/>
+            </a:solidFill>
+          </a:ln>
+        </p:spPr>
+        <p:txBody>
+          <a:bodyPr wrap="square" rtlCol="0">
+            <a:spAutoFit/>
+          </a:bodyPr>
+          <a:lstStyle/>
+          <a:p>
+            <a:pPr algn="ctr"/>
+            <a:r>
+              <a:rPr lang="en-US" dirty="0"/>
+              <a:t>"name"</a:t>
+            </a:r>
+          </a:p>
+        </p:txBody>
+      </p:sp>
+      <p:cxnSp>
+        <p:nvCxnSpPr>
+          <p:cNvPr id="32" name="Straight Connector 31">
+            <a:extLst>
+              <a:ext uri="{FF2B5EF4-FFF2-40B4-BE49-F238E27FC236}">
+                <a16:creationId xmlns:a16="http://schemas.microsoft.com/office/drawing/2014/main" id="{0891CC21-40F5-0347-A6B9-11B6A9B5BEBD}"/>
+              </a:ext>
+            </a:extLst>
+          </p:cNvPr>
+          <p:cNvCxnSpPr>
+            <a:cxnSpLocks/>
+          </p:cNvCxnSpPr>
+          <p:nvPr/>
+        </p:nvCxnSpPr>
+        <p:spPr>
+          <a:xfrm>
+            <a:off x="7974395" y="3702101"/>
+            <a:ext cx="197553" cy="0"/>
+          </a:xfrm>
+          <a:prstGeom prst="line">
+            <a:avLst/>
+          </a:prstGeom>
+          <a:ln w="38100"/>
+        </p:spPr>
+        <p:style>
+          <a:lnRef idx="1">
+            <a:schemeClr val="accent1"/>
+          </a:lnRef>
+          <a:fillRef idx="0">
+            <a:schemeClr val="accent1"/>
+          </a:fillRef>
+          <a:effectRef idx="0">
+            <a:schemeClr val="accent1"/>
+          </a:effectRef>
+          <a:fontRef idx="minor">
+            <a:schemeClr val="tx1"/>
+          </a:fontRef>
+        </p:style>
+      </p:cxnSp>
+      <p:sp>
+        <p:nvSpPr>
+          <p:cNvPr id="33" name="TextBox 32">
+            <a:extLst>
+              <a:ext uri="{FF2B5EF4-FFF2-40B4-BE49-F238E27FC236}">
+                <a16:creationId xmlns:a16="http://schemas.microsoft.com/office/drawing/2014/main" id="{3A91990D-02EB-A74F-95D4-A853E30F6B23}"/>
+              </a:ext>
+            </a:extLst>
+          </p:cNvPr>
+          <p:cNvSpPr txBox="1"/>
+          <p:nvPr/>
+        </p:nvSpPr>
+        <p:spPr>
+          <a:xfrm>
+            <a:off x="9840027" y="3216742"/>
+            <a:ext cx="1454227" cy="369332"/>
+          </a:xfrm>
+          <a:prstGeom prst="rect">
+            <a:avLst/>
+          </a:prstGeom>
+          <a:solidFill>
+            <a:schemeClr val="accent2">
+              <a:lumMod val="20000"/>
+              <a:lumOff val="80000"/>
+            </a:schemeClr>
+          </a:solidFill>
+          <a:ln w="38100">
+            <a:solidFill>
+              <a:schemeClr val="tx1"/>
+            </a:solidFill>
+          </a:ln>
+        </p:spPr>
+        <p:txBody>
+          <a:bodyPr wrap="square" rtlCol="0">
+            <a:spAutoFit/>
+          </a:bodyPr>
+          <a:lstStyle/>
+          <a:p>
+            <a:pPr algn="ctr"/>
+            <a:r>
+              <a:rPr lang="en-US" dirty="0"/>
+              <a:t>"John Smith"</a:t>
+            </a:r>
+          </a:p>
+        </p:txBody>
+      </p:sp>
+      <p:sp>
+        <p:nvSpPr>
+          <p:cNvPr id="34" name="TextBox 33">
+            <a:extLst>
+              <a:ext uri="{FF2B5EF4-FFF2-40B4-BE49-F238E27FC236}">
+                <a16:creationId xmlns:a16="http://schemas.microsoft.com/office/drawing/2014/main" id="{BB19126B-5B1B-D645-8F0A-EF0A5274D453}"/>
+              </a:ext>
+            </a:extLst>
+          </p:cNvPr>
+          <p:cNvSpPr txBox="1"/>
+          <p:nvPr/>
+        </p:nvSpPr>
+        <p:spPr>
+          <a:xfrm>
+            <a:off x="8406633" y="3846942"/>
+            <a:ext cx="1454227" cy="369332"/>
+          </a:xfrm>
+          <a:prstGeom prst="rect">
+            <a:avLst/>
+          </a:prstGeom>
+          <a:solidFill>
+            <a:schemeClr val="accent1">
+              <a:lumMod val="20000"/>
+              <a:lumOff val="80000"/>
+            </a:schemeClr>
+          </a:solidFill>
+          <a:ln w="38100">
+            <a:solidFill>
+              <a:schemeClr val="tx1"/>
+            </a:solidFill>
+          </a:ln>
+        </p:spPr>
+        <p:txBody>
+          <a:bodyPr wrap="square" rtlCol="0">
+            <a:spAutoFit/>
+          </a:bodyPr>
+          <a:lstStyle/>
+          <a:p>
+            <a:pPr algn="ctr"/>
+            <a:r>
+              <a:rPr lang="en-US" dirty="0"/>
+              <a:t>"</a:t>
+            </a:r>
+            <a:r>
+              <a:rPr lang="en-US" dirty="0" err="1"/>
+              <a:t>job_title</a:t>
+            </a:r>
+            <a:r>
+              <a:rPr lang="en-US" dirty="0"/>
+              <a:t>"</a:t>
+            </a:r>
+          </a:p>
+        </p:txBody>
+      </p:sp>
+      <p:sp>
+        <p:nvSpPr>
+          <p:cNvPr id="35" name="TextBox 34">
+            <a:extLst>
+              <a:ext uri="{FF2B5EF4-FFF2-40B4-BE49-F238E27FC236}">
+                <a16:creationId xmlns:a16="http://schemas.microsoft.com/office/drawing/2014/main" id="{5AA53942-AE45-8C4F-A55D-921FD803EF53}"/>
+              </a:ext>
+            </a:extLst>
+          </p:cNvPr>
+          <p:cNvSpPr txBox="1"/>
+          <p:nvPr/>
+        </p:nvSpPr>
+        <p:spPr>
+          <a:xfrm>
+            <a:off x="9844143" y="3838701"/>
+            <a:ext cx="1454227" cy="369332"/>
+          </a:xfrm>
+          <a:prstGeom prst="rect">
+            <a:avLst/>
+          </a:prstGeom>
+          <a:solidFill>
+            <a:schemeClr val="accent2">
+              <a:lumMod val="20000"/>
+              <a:lumOff val="80000"/>
+            </a:schemeClr>
+          </a:solidFill>
+          <a:ln w="38100">
+            <a:solidFill>
+              <a:schemeClr val="tx1"/>
+            </a:solidFill>
+          </a:ln>
+        </p:spPr>
+        <p:txBody>
+          <a:bodyPr wrap="square" rtlCol="0">
+            <a:spAutoFit/>
+          </a:bodyPr>
+          <a:lstStyle/>
+          <a:p>
+            <a:pPr algn="ctr"/>
+            <a:r>
+              <a:rPr lang="en-US" dirty="0"/>
+              <a:t>"Accountant"</a:t>
+            </a:r>
+          </a:p>
+        </p:txBody>
+      </p:sp>
+      <p:cxnSp>
+        <p:nvCxnSpPr>
+          <p:cNvPr id="36" name="Straight Connector 35">
+            <a:extLst>
+              <a:ext uri="{FF2B5EF4-FFF2-40B4-BE49-F238E27FC236}">
+                <a16:creationId xmlns:a16="http://schemas.microsoft.com/office/drawing/2014/main" id="{31983750-57EA-D249-87E9-43F4FBC2B964}"/>
+              </a:ext>
+            </a:extLst>
+          </p:cNvPr>
+          <p:cNvCxnSpPr>
+            <a:cxnSpLocks/>
+          </p:cNvCxnSpPr>
+          <p:nvPr/>
+        </p:nvCxnSpPr>
+        <p:spPr>
+          <a:xfrm>
+            <a:off x="8171948" y="3402208"/>
+            <a:ext cx="0" cy="667264"/>
+          </a:xfrm>
+          <a:prstGeom prst="line">
+            <a:avLst/>
+          </a:prstGeom>
+          <a:ln w="38100"/>
+        </p:spPr>
+        <p:style>
+          <a:lnRef idx="1">
+            <a:schemeClr val="accent1"/>
+          </a:lnRef>
+          <a:fillRef idx="0">
+            <a:schemeClr val="accent1"/>
+          </a:fillRef>
+          <a:effectRef idx="0">
+            <a:schemeClr val="accent1"/>
+          </a:effectRef>
+          <a:fontRef idx="minor">
+            <a:schemeClr val="tx1"/>
+          </a:fontRef>
+        </p:style>
+      </p:cxnSp>
+      <p:cxnSp>
+        <p:nvCxnSpPr>
+          <p:cNvPr id="37" name="Straight Connector 36">
+            <a:extLst>
+              <a:ext uri="{FF2B5EF4-FFF2-40B4-BE49-F238E27FC236}">
+                <a16:creationId xmlns:a16="http://schemas.microsoft.com/office/drawing/2014/main" id="{9329E4AC-3A2C-834A-A499-D000B275F297}"/>
+              </a:ext>
+            </a:extLst>
+          </p:cNvPr>
+          <p:cNvCxnSpPr>
+            <a:cxnSpLocks/>
+            <a:endCxn id="31" idx="1"/>
+          </p:cNvCxnSpPr>
+          <p:nvPr/>
+        </p:nvCxnSpPr>
+        <p:spPr>
+          <a:xfrm>
+            <a:off x="8171948" y="3397292"/>
+            <a:ext cx="230569" cy="0"/>
+          </a:xfrm>
+          <a:prstGeom prst="line">
+            <a:avLst/>
+          </a:prstGeom>
+          <a:ln w="38100"/>
+        </p:spPr>
+        <p:style>
+          <a:lnRef idx="1">
+            <a:schemeClr val="accent1"/>
+          </a:lnRef>
+          <a:fillRef idx="0">
+            <a:schemeClr val="accent1"/>
+          </a:fillRef>
+          <a:effectRef idx="0">
+            <a:schemeClr val="accent1"/>
+          </a:effectRef>
+          <a:fontRef idx="minor">
+            <a:schemeClr val="tx1"/>
+          </a:fontRef>
+        </p:style>
+      </p:cxnSp>
+      <p:cxnSp>
+        <p:nvCxnSpPr>
+          <p:cNvPr id="38" name="Straight Connector 37">
+            <a:extLst>
+              <a:ext uri="{FF2B5EF4-FFF2-40B4-BE49-F238E27FC236}">
+                <a16:creationId xmlns:a16="http://schemas.microsoft.com/office/drawing/2014/main" id="{10C9C948-4BB8-C447-8800-B67AAFB385FD}"/>
+              </a:ext>
+            </a:extLst>
+          </p:cNvPr>
+          <p:cNvCxnSpPr>
+            <a:cxnSpLocks/>
+          </p:cNvCxnSpPr>
+          <p:nvPr/>
+        </p:nvCxnSpPr>
+        <p:spPr>
+          <a:xfrm>
+            <a:off x="8171948" y="4043965"/>
+            <a:ext cx="234685" cy="0"/>
+          </a:xfrm>
+          <a:prstGeom prst="line">
+            <a:avLst/>
+          </a:prstGeom>
+          <a:ln w="38100"/>
+        </p:spPr>
+        <p:style>
+          <a:lnRef idx="1">
+            <a:schemeClr val="accent1"/>
+          </a:lnRef>
+          <a:fillRef idx="0">
+            <a:schemeClr val="accent1"/>
+          </a:fillRef>
+          <a:effectRef idx="0">
+            <a:schemeClr val="accent1"/>
+          </a:effectRef>
+          <a:fontRef idx="minor">
+            <a:schemeClr val="tx1"/>
+          </a:fontRef>
+        </p:style>
+      </p:cxnSp>
+      <p:cxnSp>
+        <p:nvCxnSpPr>
+          <p:cNvPr id="46" name="Straight Connector 45">
+            <a:extLst>
+              <a:ext uri="{FF2B5EF4-FFF2-40B4-BE49-F238E27FC236}">
+                <a16:creationId xmlns:a16="http://schemas.microsoft.com/office/drawing/2014/main" id="{9FE0E766-E9F0-6345-BA40-FF9028507187}"/>
+              </a:ext>
+            </a:extLst>
+          </p:cNvPr>
+          <p:cNvCxnSpPr>
+            <a:cxnSpLocks/>
+          </p:cNvCxnSpPr>
+          <p:nvPr/>
+        </p:nvCxnSpPr>
+        <p:spPr>
+          <a:xfrm>
+            <a:off x="6096165" y="3034843"/>
+            <a:ext cx="197553" cy="0"/>
+          </a:xfrm>
+          <a:prstGeom prst="line">
+            <a:avLst/>
+          </a:prstGeom>
+          <a:ln w="38100"/>
+        </p:spPr>
+        <p:style>
+          <a:lnRef idx="1">
+            <a:schemeClr val="accent1"/>
+          </a:lnRef>
+          <a:fillRef idx="0">
+            <a:schemeClr val="accent1"/>
+          </a:fillRef>
+          <a:effectRef idx="0">
+            <a:schemeClr val="accent1"/>
+          </a:effectRef>
+          <a:fontRef idx="minor">
+            <a:schemeClr val="tx1"/>
+          </a:fontRef>
+        </p:style>
+      </p:cxnSp>
+      <p:cxnSp>
+        <p:nvCxnSpPr>
+          <p:cNvPr id="48" name="Straight Connector 47">
+            <a:extLst>
+              <a:ext uri="{FF2B5EF4-FFF2-40B4-BE49-F238E27FC236}">
+                <a16:creationId xmlns:a16="http://schemas.microsoft.com/office/drawing/2014/main" id="{ADC1802D-DB49-3545-AF41-0F5CA55D030A}"/>
+              </a:ext>
+            </a:extLst>
+          </p:cNvPr>
+          <p:cNvCxnSpPr>
+            <a:cxnSpLocks/>
+          </p:cNvCxnSpPr>
+          <p:nvPr/>
+        </p:nvCxnSpPr>
+        <p:spPr>
+          <a:xfrm>
+            <a:off x="6285482" y="3034843"/>
+            <a:ext cx="0" cy="638425"/>
+          </a:xfrm>
+          <a:prstGeom prst="line">
+            <a:avLst/>
+          </a:prstGeom>
+          <a:ln w="38100"/>
+        </p:spPr>
+        <p:style>
+          <a:lnRef idx="1">
+            <a:schemeClr val="accent1"/>
+          </a:lnRef>
+          <a:fillRef idx="0">
+            <a:schemeClr val="accent1"/>
+          </a:fillRef>
+          <a:effectRef idx="0">
+            <a:schemeClr val="accent1"/>
+          </a:effectRef>
+          <a:fontRef idx="minor">
+            <a:schemeClr val="tx1"/>
+          </a:fontRef>
+        </p:style>
+      </p:cxnSp>
+      <p:cxnSp>
+        <p:nvCxnSpPr>
+          <p:cNvPr id="50" name="Straight Connector 49">
+            <a:extLst>
+              <a:ext uri="{FF2B5EF4-FFF2-40B4-BE49-F238E27FC236}">
+                <a16:creationId xmlns:a16="http://schemas.microsoft.com/office/drawing/2014/main" id="{BEE01309-F1DE-AA46-8C4A-FC4F22BA4CDB}"/>
+              </a:ext>
+            </a:extLst>
+          </p:cNvPr>
+          <p:cNvCxnSpPr>
+            <a:cxnSpLocks/>
+          </p:cNvCxnSpPr>
+          <p:nvPr/>
+        </p:nvCxnSpPr>
+        <p:spPr>
+          <a:xfrm>
+            <a:off x="6293718" y="3673268"/>
+            <a:ext cx="234685" cy="0"/>
+          </a:xfrm>
+          <a:prstGeom prst="line">
+            <a:avLst/>
+          </a:prstGeom>
+          <a:ln w="38100"/>
+        </p:spPr>
+        <p:style>
+          <a:lnRef idx="1">
+            <a:schemeClr val="accent1"/>
+          </a:lnRef>
+          <a:fillRef idx="0">
+            <a:schemeClr val="accent1"/>
+          </a:fillRef>
+          <a:effectRef idx="0">
+            <a:schemeClr val="accent1"/>
+          </a:effectRef>
+          <a:fontRef idx="minor">
+            <a:schemeClr val="tx1"/>
+          </a:fontRef>
+        </p:style>
+      </p:cxnSp>
+      <p:sp>
+        <p:nvSpPr>
+          <p:cNvPr id="40" name="TextBox 39">
+            <a:extLst>
+              <a:ext uri="{FF2B5EF4-FFF2-40B4-BE49-F238E27FC236}">
+                <a16:creationId xmlns:a16="http://schemas.microsoft.com/office/drawing/2014/main" id="{AD9FE9D1-B41E-074B-98F6-0D3D410206D1}"/>
+              </a:ext>
+            </a:extLst>
+          </p:cNvPr>
+          <p:cNvSpPr txBox="1"/>
+          <p:nvPr/>
+        </p:nvSpPr>
+        <p:spPr>
+          <a:xfrm>
+            <a:off x="4637809" y="4711930"/>
+            <a:ext cx="1454227" cy="369332"/>
+          </a:xfrm>
+          <a:prstGeom prst="rect">
+            <a:avLst/>
+          </a:prstGeom>
+          <a:solidFill>
+            <a:schemeClr val="accent1">
+              <a:lumMod val="20000"/>
+              <a:lumOff val="80000"/>
+            </a:schemeClr>
+          </a:solidFill>
+          <a:ln w="38100">
+            <a:solidFill>
+              <a:schemeClr val="tx1"/>
+            </a:solidFill>
+          </a:ln>
+        </p:spPr>
+        <p:txBody>
+          <a:bodyPr wrap="square" rtlCol="0">
+            <a:spAutoFit/>
+          </a:bodyPr>
+          <a:lstStyle/>
+          <a:p>
+            <a:pPr algn="ctr"/>
+            <a:r>
+              <a:rPr lang="en-US" dirty="0"/>
+              <a:t>"Bristol"</a:t>
+            </a:r>
+          </a:p>
+        </p:txBody>
+      </p:sp>
+      <p:sp>
+        <p:nvSpPr>
+          <p:cNvPr id="41" name="TextBox 40">
+            <a:extLst>
+              <a:ext uri="{FF2B5EF4-FFF2-40B4-BE49-F238E27FC236}">
+                <a16:creationId xmlns:a16="http://schemas.microsoft.com/office/drawing/2014/main" id="{BE1F8686-B383-D245-AC69-875674C928B1}"/>
+              </a:ext>
+            </a:extLst>
+          </p:cNvPr>
+          <p:cNvSpPr txBox="1"/>
+          <p:nvPr/>
+        </p:nvSpPr>
+        <p:spPr>
+          <a:xfrm>
+            <a:off x="6520161" y="4716046"/>
+            <a:ext cx="1454227" cy="369332"/>
+          </a:xfrm>
+          <a:prstGeom prst="rect">
+            <a:avLst/>
+          </a:prstGeom>
+          <a:solidFill>
+            <a:schemeClr val="accent1">
+              <a:lumMod val="20000"/>
+              <a:lumOff val="80000"/>
+            </a:schemeClr>
+          </a:solidFill>
+          <a:ln w="38100">
+            <a:solidFill>
+              <a:schemeClr val="tx1"/>
+            </a:solidFill>
+          </a:ln>
+        </p:spPr>
+        <p:txBody>
+          <a:bodyPr wrap="square" rtlCol="0">
+            <a:spAutoFit/>
+          </a:bodyPr>
+          <a:lstStyle/>
+          <a:p>
+            <a:pPr algn="ctr"/>
+            <a:r>
+              <a:rPr lang="en-US" dirty="0"/>
+              <a:t>987654321</a:t>
+            </a:r>
+          </a:p>
+        </p:txBody>
+      </p:sp>
+      <p:cxnSp>
+        <p:nvCxnSpPr>
+          <p:cNvPr id="43" name="Straight Connector 42">
+            <a:extLst>
+              <a:ext uri="{FF2B5EF4-FFF2-40B4-BE49-F238E27FC236}">
+                <a16:creationId xmlns:a16="http://schemas.microsoft.com/office/drawing/2014/main" id="{D600E78C-B70F-D246-ACAC-41A5C1A72177}"/>
+              </a:ext>
+            </a:extLst>
+          </p:cNvPr>
+          <p:cNvCxnSpPr>
+            <a:cxnSpLocks/>
+            <a:endCxn id="41" idx="1"/>
+          </p:cNvCxnSpPr>
+          <p:nvPr/>
+        </p:nvCxnSpPr>
+        <p:spPr>
+          <a:xfrm>
+            <a:off x="6092039" y="4896596"/>
+            <a:ext cx="428122" cy="4116"/>
+          </a:xfrm>
+          <a:prstGeom prst="line">
+            <a:avLst/>
+          </a:prstGeom>
+          <a:ln w="38100"/>
+        </p:spPr>
+        <p:style>
+          <a:lnRef idx="1">
+            <a:schemeClr val="accent1"/>
+          </a:lnRef>
+          <a:fillRef idx="0">
+            <a:schemeClr val="accent1"/>
+          </a:fillRef>
+          <a:effectRef idx="0">
+            <a:schemeClr val="accent1"/>
+          </a:effectRef>
+          <a:fontRef idx="minor">
+            <a:schemeClr val="tx1"/>
+          </a:fontRef>
+        </p:style>
+      </p:cxnSp>
+      <p:cxnSp>
+        <p:nvCxnSpPr>
+          <p:cNvPr id="52" name="Straight Connector 51">
+            <a:extLst>
+              <a:ext uri="{FF2B5EF4-FFF2-40B4-BE49-F238E27FC236}">
+                <a16:creationId xmlns:a16="http://schemas.microsoft.com/office/drawing/2014/main" id="{C00D2E55-1373-804A-A327-7297330EC6D7}"/>
+              </a:ext>
+            </a:extLst>
+          </p:cNvPr>
+          <p:cNvCxnSpPr>
+            <a:cxnSpLocks/>
+          </p:cNvCxnSpPr>
+          <p:nvPr/>
+        </p:nvCxnSpPr>
+        <p:spPr>
+          <a:xfrm>
+            <a:off x="4209694" y="4002794"/>
+            <a:ext cx="197553" cy="0"/>
+          </a:xfrm>
+          <a:prstGeom prst="line">
+            <a:avLst/>
+          </a:prstGeom>
+          <a:ln w="38100"/>
+        </p:spPr>
+        <p:style>
+          <a:lnRef idx="1">
+            <a:schemeClr val="accent1"/>
+          </a:lnRef>
+          <a:fillRef idx="0">
+            <a:schemeClr val="accent1"/>
+          </a:fillRef>
+          <a:effectRef idx="0">
+            <a:schemeClr val="accent1"/>
+          </a:effectRef>
+          <a:fontRef idx="minor">
+            <a:schemeClr val="tx1"/>
+          </a:fontRef>
+        </p:style>
+      </p:cxnSp>
+      <p:cxnSp>
+        <p:nvCxnSpPr>
+          <p:cNvPr id="53" name="Straight Connector 52">
+            <a:extLst>
+              <a:ext uri="{FF2B5EF4-FFF2-40B4-BE49-F238E27FC236}">
+                <a16:creationId xmlns:a16="http://schemas.microsoft.com/office/drawing/2014/main" id="{4FE77270-9BF3-5D4B-A233-01E126B7D76A}"/>
+              </a:ext>
+            </a:extLst>
+          </p:cNvPr>
+          <p:cNvCxnSpPr>
+            <a:cxnSpLocks/>
+          </p:cNvCxnSpPr>
+          <p:nvPr/>
+        </p:nvCxnSpPr>
+        <p:spPr>
+          <a:xfrm>
+            <a:off x="4399011" y="3034843"/>
+            <a:ext cx="0" cy="1882342"/>
+          </a:xfrm>
+          <a:prstGeom prst="line">
+            <a:avLst/>
+          </a:prstGeom>
+          <a:ln w="38100"/>
+        </p:spPr>
+        <p:style>
+          <a:lnRef idx="1">
+            <a:schemeClr val="accent1"/>
+          </a:lnRef>
+          <a:fillRef idx="0">
+            <a:schemeClr val="accent1"/>
+          </a:fillRef>
+          <a:effectRef idx="0">
+            <a:schemeClr val="accent1"/>
+          </a:effectRef>
+          <a:fontRef idx="minor">
+            <a:schemeClr val="tx1"/>
+          </a:fontRef>
+        </p:style>
+      </p:cxnSp>
+      <p:cxnSp>
+        <p:nvCxnSpPr>
+          <p:cNvPr id="54" name="Straight Connector 53">
+            <a:extLst>
+              <a:ext uri="{FF2B5EF4-FFF2-40B4-BE49-F238E27FC236}">
+                <a16:creationId xmlns:a16="http://schemas.microsoft.com/office/drawing/2014/main" id="{E58A8B46-D70D-F848-99A0-9651F131305C}"/>
+              </a:ext>
+            </a:extLst>
+          </p:cNvPr>
+          <p:cNvCxnSpPr>
+            <a:cxnSpLocks/>
+          </p:cNvCxnSpPr>
+          <p:nvPr/>
+        </p:nvCxnSpPr>
+        <p:spPr>
+          <a:xfrm>
+            <a:off x="4407247" y="3067778"/>
+            <a:ext cx="230569" cy="0"/>
+          </a:xfrm>
+          <a:prstGeom prst="line">
+            <a:avLst/>
+          </a:prstGeom>
+          <a:ln w="38100"/>
+        </p:spPr>
+        <p:style>
+          <a:lnRef idx="1">
+            <a:schemeClr val="accent1"/>
+          </a:lnRef>
+          <a:fillRef idx="0">
+            <a:schemeClr val="accent1"/>
+          </a:fillRef>
+          <a:effectRef idx="0">
+            <a:schemeClr val="accent1"/>
+          </a:effectRef>
+          <a:fontRef idx="minor">
+            <a:schemeClr val="tx1"/>
+          </a:fontRef>
+        </p:style>
+      </p:cxnSp>
+      <p:cxnSp>
+        <p:nvCxnSpPr>
+          <p:cNvPr id="55" name="Straight Connector 54">
+            <a:extLst>
+              <a:ext uri="{FF2B5EF4-FFF2-40B4-BE49-F238E27FC236}">
+                <a16:creationId xmlns:a16="http://schemas.microsoft.com/office/drawing/2014/main" id="{B8550718-94E0-0F47-9768-1A49C31A346B}"/>
+              </a:ext>
+            </a:extLst>
+          </p:cNvPr>
+          <p:cNvCxnSpPr>
+            <a:cxnSpLocks/>
+          </p:cNvCxnSpPr>
+          <p:nvPr/>
+        </p:nvCxnSpPr>
+        <p:spPr>
+          <a:xfrm>
+            <a:off x="4407247" y="4900716"/>
+            <a:ext cx="234685" cy="0"/>
+          </a:xfrm>
+          <a:prstGeom prst="line">
+            <a:avLst/>
+          </a:prstGeom>
+          <a:ln w="38100"/>
+        </p:spPr>
+        <p:style>
+          <a:lnRef idx="1">
+            <a:schemeClr val="accent1"/>
+          </a:lnRef>
+          <a:fillRef idx="0">
+            <a:schemeClr val="accent1"/>
+          </a:fillRef>
+          <a:effectRef idx="0">
+            <a:schemeClr val="accent1"/>
+          </a:effectRef>
+          <a:fontRef idx="minor">
+            <a:schemeClr val="tx1"/>
+          </a:fontRef>
+        </p:style>
+      </p:cxnSp>
+      <p:sp>
+        <p:nvSpPr>
+          <p:cNvPr id="56" name="TextBox 55">
+            <a:extLst>
+              <a:ext uri="{FF2B5EF4-FFF2-40B4-BE49-F238E27FC236}">
+                <a16:creationId xmlns:a16="http://schemas.microsoft.com/office/drawing/2014/main" id="{D46579A6-8F05-9D4A-8E02-48DBD81FD95A}"/>
+              </a:ext>
+            </a:extLst>
+          </p:cNvPr>
+          <p:cNvSpPr txBox="1"/>
+          <p:nvPr/>
+        </p:nvSpPr>
+        <p:spPr>
+          <a:xfrm>
+            <a:off x="8394276" y="4427710"/>
+            <a:ext cx="1454227" cy="369332"/>
+          </a:xfrm>
+          <a:prstGeom prst="rect">
+            <a:avLst/>
+          </a:prstGeom>
+          <a:solidFill>
+            <a:schemeClr val="accent1">
+              <a:lumMod val="20000"/>
+              <a:lumOff val="80000"/>
+            </a:schemeClr>
+          </a:solidFill>
+          <a:ln w="38100">
+            <a:solidFill>
+              <a:schemeClr val="tx1"/>
+            </a:solidFill>
+          </a:ln>
+        </p:spPr>
+        <p:txBody>
+          <a:bodyPr wrap="square" rtlCol="0">
+            <a:spAutoFit/>
+          </a:bodyPr>
+          <a:lstStyle/>
+          <a:p>
+            <a:pPr algn="ctr"/>
+            <a:r>
+              <a:rPr lang="en-US" dirty="0"/>
+              <a:t>"name"</a:t>
+            </a:r>
+          </a:p>
+        </p:txBody>
+      </p:sp>
+      <p:cxnSp>
+        <p:nvCxnSpPr>
+          <p:cNvPr id="57" name="Straight Connector 56">
+            <a:extLst>
+              <a:ext uri="{FF2B5EF4-FFF2-40B4-BE49-F238E27FC236}">
+                <a16:creationId xmlns:a16="http://schemas.microsoft.com/office/drawing/2014/main" id="{069E7C1F-6498-AA4A-96AE-DF0F1C0EFE00}"/>
+              </a:ext>
+            </a:extLst>
+          </p:cNvPr>
+          <p:cNvCxnSpPr>
+            <a:cxnSpLocks/>
+          </p:cNvCxnSpPr>
+          <p:nvPr/>
+        </p:nvCxnSpPr>
+        <p:spPr>
+          <a:xfrm>
+            <a:off x="7966154" y="4917185"/>
+            <a:ext cx="197553" cy="0"/>
+          </a:xfrm>
+          <a:prstGeom prst="line">
+            <a:avLst/>
+          </a:prstGeom>
+          <a:ln w="38100"/>
+        </p:spPr>
+        <p:style>
+          <a:lnRef idx="1">
+            <a:schemeClr val="accent1"/>
+          </a:lnRef>
+          <a:fillRef idx="0">
+            <a:schemeClr val="accent1"/>
+          </a:fillRef>
+          <a:effectRef idx="0">
+            <a:schemeClr val="accent1"/>
+          </a:effectRef>
+          <a:fontRef idx="minor">
+            <a:schemeClr val="tx1"/>
+          </a:fontRef>
+        </p:style>
+      </p:cxnSp>
+      <p:sp>
+        <p:nvSpPr>
+          <p:cNvPr id="58" name="TextBox 57">
+            <a:extLst>
+              <a:ext uri="{FF2B5EF4-FFF2-40B4-BE49-F238E27FC236}">
+                <a16:creationId xmlns:a16="http://schemas.microsoft.com/office/drawing/2014/main" id="{347B5CBE-07CD-664D-958C-3B86FD234C15}"/>
+              </a:ext>
+            </a:extLst>
+          </p:cNvPr>
+          <p:cNvSpPr txBox="1"/>
+          <p:nvPr/>
+        </p:nvSpPr>
+        <p:spPr>
+          <a:xfrm>
+            <a:off x="9831786" y="4419469"/>
+            <a:ext cx="1454227" cy="369332"/>
+          </a:xfrm>
+          <a:prstGeom prst="rect">
+            <a:avLst/>
+          </a:prstGeom>
+          <a:solidFill>
+            <a:schemeClr val="accent2">
+              <a:lumMod val="20000"/>
+              <a:lumOff val="80000"/>
+            </a:schemeClr>
+          </a:solidFill>
+          <a:ln w="38100">
+            <a:solidFill>
+              <a:schemeClr val="tx1"/>
+            </a:solidFill>
+          </a:ln>
+        </p:spPr>
+        <p:txBody>
+          <a:bodyPr wrap="square" rtlCol="0">
+            <a:spAutoFit/>
+          </a:bodyPr>
+          <a:lstStyle/>
+          <a:p>
+            <a:pPr algn="ctr"/>
+            <a:r>
+              <a:rPr lang="en-US" dirty="0"/>
+              <a:t>"John Smith"</a:t>
+            </a:r>
+          </a:p>
+        </p:txBody>
+      </p:sp>
+      <p:sp>
+        <p:nvSpPr>
+          <p:cNvPr id="59" name="TextBox 58">
+            <a:extLst>
+              <a:ext uri="{FF2B5EF4-FFF2-40B4-BE49-F238E27FC236}">
+                <a16:creationId xmlns:a16="http://schemas.microsoft.com/office/drawing/2014/main" id="{EC4A2C90-6627-ED48-86F9-B37B7E409ACE}"/>
+              </a:ext>
+            </a:extLst>
+          </p:cNvPr>
+          <p:cNvSpPr txBox="1"/>
+          <p:nvPr/>
+        </p:nvSpPr>
+        <p:spPr>
+          <a:xfrm>
+            <a:off x="8398392" y="5062026"/>
+            <a:ext cx="1454227" cy="369332"/>
+          </a:xfrm>
+          <a:prstGeom prst="rect">
+            <a:avLst/>
+          </a:prstGeom>
+          <a:solidFill>
+            <a:schemeClr val="accent1">
+              <a:lumMod val="20000"/>
+              <a:lumOff val="80000"/>
+            </a:schemeClr>
+          </a:solidFill>
+          <a:ln w="38100">
+            <a:solidFill>
+              <a:schemeClr val="tx1"/>
+            </a:solidFill>
+          </a:ln>
+        </p:spPr>
+        <p:txBody>
+          <a:bodyPr wrap="square" rtlCol="0">
+            <a:spAutoFit/>
+          </a:bodyPr>
+          <a:lstStyle/>
+          <a:p>
+            <a:pPr algn="ctr"/>
+            <a:r>
+              <a:rPr lang="en-US" dirty="0"/>
+              <a:t>"</a:t>
+            </a:r>
+            <a:r>
+              <a:rPr lang="en-US" dirty="0" err="1"/>
+              <a:t>job_title</a:t>
+            </a:r>
+            <a:r>
+              <a:rPr lang="en-US" dirty="0"/>
+              <a:t>"</a:t>
+            </a:r>
+          </a:p>
+        </p:txBody>
+      </p:sp>
+      <p:cxnSp>
+        <p:nvCxnSpPr>
+          <p:cNvPr id="61" name="Straight Connector 60">
+            <a:extLst>
+              <a:ext uri="{FF2B5EF4-FFF2-40B4-BE49-F238E27FC236}">
+                <a16:creationId xmlns:a16="http://schemas.microsoft.com/office/drawing/2014/main" id="{ED8E7AEB-1429-1340-9D3B-802AC83FF776}"/>
+              </a:ext>
+            </a:extLst>
+          </p:cNvPr>
+          <p:cNvCxnSpPr>
+            <a:cxnSpLocks/>
+          </p:cNvCxnSpPr>
+          <p:nvPr/>
+        </p:nvCxnSpPr>
+        <p:spPr>
+          <a:xfrm>
+            <a:off x="8163707" y="4617292"/>
+            <a:ext cx="0" cy="667264"/>
+          </a:xfrm>
+          <a:prstGeom prst="line">
+            <a:avLst/>
+          </a:prstGeom>
+          <a:ln w="38100"/>
+        </p:spPr>
+        <p:style>
+          <a:lnRef idx="1">
+            <a:schemeClr val="accent1"/>
+          </a:lnRef>
+          <a:fillRef idx="0">
+            <a:schemeClr val="accent1"/>
+          </a:fillRef>
+          <a:effectRef idx="0">
+            <a:schemeClr val="accent1"/>
+          </a:effectRef>
+          <a:fontRef idx="minor">
+            <a:schemeClr val="tx1"/>
+          </a:fontRef>
+        </p:style>
+      </p:cxnSp>
+      <p:cxnSp>
+        <p:nvCxnSpPr>
+          <p:cNvPr id="62" name="Straight Connector 61">
+            <a:extLst>
+              <a:ext uri="{FF2B5EF4-FFF2-40B4-BE49-F238E27FC236}">
+                <a16:creationId xmlns:a16="http://schemas.microsoft.com/office/drawing/2014/main" id="{7842B537-C770-1A48-B93F-0CE25AB9284A}"/>
+              </a:ext>
+            </a:extLst>
+          </p:cNvPr>
+          <p:cNvCxnSpPr>
+            <a:cxnSpLocks/>
+            <a:endCxn id="56" idx="1"/>
+          </p:cNvCxnSpPr>
+          <p:nvPr/>
+        </p:nvCxnSpPr>
+        <p:spPr>
+          <a:xfrm>
+            <a:off x="8163707" y="4612376"/>
+            <a:ext cx="230569" cy="0"/>
+          </a:xfrm>
+          <a:prstGeom prst="line">
+            <a:avLst/>
+          </a:prstGeom>
+          <a:ln w="38100"/>
+        </p:spPr>
+        <p:style>
+          <a:lnRef idx="1">
+            <a:schemeClr val="accent1"/>
+          </a:lnRef>
+          <a:fillRef idx="0">
+            <a:schemeClr val="accent1"/>
+          </a:fillRef>
+          <a:effectRef idx="0">
+            <a:schemeClr val="accent1"/>
+          </a:effectRef>
+          <a:fontRef idx="minor">
+            <a:schemeClr val="tx1"/>
+          </a:fontRef>
+        </p:style>
+      </p:cxnSp>
+      <p:cxnSp>
+        <p:nvCxnSpPr>
+          <p:cNvPr id="63" name="Straight Connector 62">
+            <a:extLst>
+              <a:ext uri="{FF2B5EF4-FFF2-40B4-BE49-F238E27FC236}">
+                <a16:creationId xmlns:a16="http://schemas.microsoft.com/office/drawing/2014/main" id="{B4E45706-1EB9-5D44-96A9-A83E90A02CAA}"/>
+              </a:ext>
+            </a:extLst>
+          </p:cNvPr>
+          <p:cNvCxnSpPr>
+            <a:cxnSpLocks/>
+          </p:cNvCxnSpPr>
+          <p:nvPr/>
+        </p:nvCxnSpPr>
+        <p:spPr>
+          <a:xfrm>
+            <a:off x="8163707" y="5259049"/>
+            <a:ext cx="234685" cy="0"/>
+          </a:xfrm>
+          <a:prstGeom prst="line">
+            <a:avLst/>
+          </a:prstGeom>
+          <a:ln w="38100"/>
+        </p:spPr>
+        <p:style>
+          <a:lnRef idx="1">
+            <a:schemeClr val="accent1"/>
+          </a:lnRef>
+          <a:fillRef idx="0">
+            <a:schemeClr val="accent1"/>
+          </a:fillRef>
+          <a:effectRef idx="0">
+            <a:schemeClr val="accent1"/>
+          </a:effectRef>
+          <a:fontRef idx="minor">
+            <a:schemeClr val="tx1"/>
+          </a:fontRef>
+        </p:style>
+      </p:cxnSp>
+      <p:sp>
+        <p:nvSpPr>
+          <p:cNvPr id="64" name="TextBox 63">
+            <a:extLst>
+              <a:ext uri="{FF2B5EF4-FFF2-40B4-BE49-F238E27FC236}">
+                <a16:creationId xmlns:a16="http://schemas.microsoft.com/office/drawing/2014/main" id="{FFF49C89-51A5-3B4E-8FC2-7D8BB72F2D57}"/>
+              </a:ext>
+            </a:extLst>
+          </p:cNvPr>
+          <p:cNvSpPr txBox="1"/>
+          <p:nvPr/>
+        </p:nvSpPr>
+        <p:spPr>
+          <a:xfrm>
+            <a:off x="9848259" y="5066148"/>
+            <a:ext cx="1454227" cy="369332"/>
+          </a:xfrm>
+          <a:prstGeom prst="rect">
+            <a:avLst/>
+          </a:prstGeom>
+          <a:solidFill>
+            <a:schemeClr val="accent2">
+              <a:lumMod val="20000"/>
+              <a:lumOff val="80000"/>
+            </a:schemeClr>
+          </a:solidFill>
+          <a:ln w="38100">
+            <a:solidFill>
+              <a:schemeClr val="tx1"/>
+            </a:solidFill>
+          </a:ln>
+        </p:spPr>
+        <p:txBody>
+          <a:bodyPr wrap="square" rtlCol="0">
+            <a:spAutoFit/>
+          </a:bodyPr>
+          <a:lstStyle/>
+          <a:p>
+            <a:pPr algn="ctr"/>
+            <a:r>
+              <a:rPr lang="en-US" dirty="0"/>
+              <a:t>"Clerk"</a:t>
+            </a:r>
+          </a:p>
+        </p:txBody>
+      </p:sp>
+    </p:spTree>
+    <p:extLst>
+      <p:ext uri="{BB962C8B-B14F-4D97-AF65-F5344CB8AC3E}">
+        <p14:creationId xmlns:p14="http://schemas.microsoft.com/office/powerpoint/2010/main" val="3341236400"/>
       </p:ext>
     </p:extLst>
   </p:cSld>

--- a/diagrams/global_storage.pptx
+++ b/diagrams/global_storage.pptx
@@ -34,6 +34,7 @@
     <p:sldId id="283" r:id="rId28"/>
     <p:sldId id="284" r:id="rId29"/>
     <p:sldId id="285" r:id="rId30"/>
+    <p:sldId id="286" r:id="rId31"/>
   </p:sldIdLst>
   <p:sldSz cx="12192000" cy="6858000"/>
   <p:notesSz cx="6858000" cy="9144000"/>
@@ -43501,6 +43502,423 @@
     <p:extLst>
       <p:ext uri="{BB962C8B-B14F-4D97-AF65-F5344CB8AC3E}">
         <p14:creationId xmlns:p14="http://schemas.microsoft.com/office/powerpoint/2010/main" val="1223731933"/>
+      </p:ext>
+    </p:extLst>
+  </p:cSld>
+  <p:clrMapOvr>
+    <a:masterClrMapping/>
+  </p:clrMapOvr>
+</p:sld>
+</file>
+
+<file path=ppt/slides/slide30.xml><?xml version="1.0" encoding="utf-8"?>
+<p:sld xmlns:a="http://schemas.openxmlformats.org/drawingml/2006/main" xmlns:r="http://schemas.openxmlformats.org/officeDocument/2006/relationships" xmlns:p="http://schemas.openxmlformats.org/presentationml/2006/main">
+  <p:cSld>
+    <p:spTree>
+      <p:nvGrpSpPr>
+        <p:cNvPr id="1" name=""/>
+        <p:cNvGrpSpPr/>
+        <p:nvPr/>
+      </p:nvGrpSpPr>
+      <p:grpSpPr>
+        <a:xfrm>
+          <a:off x="0" y="0"/>
+          <a:ext cx="0" cy="0"/>
+          <a:chOff x="0" y="0"/>
+          <a:chExt cx="0" cy="0"/>
+        </a:xfrm>
+      </p:grpSpPr>
+      <p:sp>
+        <p:nvSpPr>
+          <p:cNvPr id="4" name="TextBox 3">
+            <a:extLst>
+              <a:ext uri="{FF2B5EF4-FFF2-40B4-BE49-F238E27FC236}">
+                <a16:creationId xmlns:a16="http://schemas.microsoft.com/office/drawing/2014/main" id="{B162801C-762F-E94B-A835-73FA42117F87}"/>
+              </a:ext>
+            </a:extLst>
+          </p:cNvPr>
+          <p:cNvSpPr txBox="1"/>
+          <p:nvPr/>
+        </p:nvSpPr>
+        <p:spPr>
+          <a:xfrm>
+            <a:off x="881349" y="3822256"/>
+            <a:ext cx="1454227" cy="369332"/>
+          </a:xfrm>
+          <a:prstGeom prst="rect">
+            <a:avLst/>
+          </a:prstGeom>
+          <a:solidFill>
+            <a:schemeClr val="accent6">
+              <a:lumMod val="20000"/>
+              <a:lumOff val="80000"/>
+            </a:schemeClr>
+          </a:solidFill>
+          <a:ln w="38100">
+            <a:solidFill>
+              <a:schemeClr val="tx1"/>
+            </a:solidFill>
+          </a:ln>
+        </p:spPr>
+        <p:txBody>
+          <a:bodyPr wrap="square" rtlCol="0">
+            <a:spAutoFit/>
+          </a:bodyPr>
+          <a:lstStyle/>
+          <a:p>
+            <a:pPr algn="ctr"/>
+            <a:r>
+              <a:rPr lang="en-US" dirty="0"/>
+              <a:t>telephone</a:t>
+            </a:r>
+          </a:p>
+        </p:txBody>
+      </p:sp>
+      <p:sp>
+        <p:nvSpPr>
+          <p:cNvPr id="56" name="TextBox 55">
+            <a:extLst>
+              <a:ext uri="{FF2B5EF4-FFF2-40B4-BE49-F238E27FC236}">
+                <a16:creationId xmlns:a16="http://schemas.microsoft.com/office/drawing/2014/main" id="{D46579A6-8F05-9D4A-8E02-48DBD81FD95A}"/>
+              </a:ext>
+            </a:extLst>
+          </p:cNvPr>
+          <p:cNvSpPr txBox="1"/>
+          <p:nvPr/>
+        </p:nvSpPr>
+        <p:spPr>
+          <a:xfrm>
+            <a:off x="2747219" y="3525661"/>
+            <a:ext cx="1849559" cy="369332"/>
+          </a:xfrm>
+          <a:prstGeom prst="rect">
+            <a:avLst/>
+          </a:prstGeom>
+          <a:solidFill>
+            <a:schemeClr val="accent1">
+              <a:lumMod val="20000"/>
+              <a:lumOff val="80000"/>
+            </a:schemeClr>
+          </a:solidFill>
+          <a:ln w="38100">
+            <a:solidFill>
+              <a:schemeClr val="tx1"/>
+            </a:solidFill>
+          </a:ln>
+        </p:spPr>
+        <p:txBody>
+          <a:bodyPr wrap="square" rtlCol="0">
+            <a:spAutoFit/>
+          </a:bodyPr>
+          <a:lstStyle/>
+          <a:p>
+            <a:pPr algn="ctr"/>
+            <a:r>
+              <a:rPr lang="en-US" dirty="0"/>
+              <a:t>"211-555-9012"</a:t>
+            </a:r>
+          </a:p>
+        </p:txBody>
+      </p:sp>
+      <p:cxnSp>
+        <p:nvCxnSpPr>
+          <p:cNvPr id="57" name="Straight Connector 56">
+            <a:extLst>
+              <a:ext uri="{FF2B5EF4-FFF2-40B4-BE49-F238E27FC236}">
+                <a16:creationId xmlns:a16="http://schemas.microsoft.com/office/drawing/2014/main" id="{069E7C1F-6498-AA4A-96AE-DF0F1C0EFE00}"/>
+              </a:ext>
+            </a:extLst>
+          </p:cNvPr>
+          <p:cNvCxnSpPr>
+            <a:cxnSpLocks/>
+          </p:cNvCxnSpPr>
+          <p:nvPr/>
+        </p:nvCxnSpPr>
+        <p:spPr>
+          <a:xfrm>
+            <a:off x="2319097" y="4015136"/>
+            <a:ext cx="197553" cy="0"/>
+          </a:xfrm>
+          <a:prstGeom prst="line">
+            <a:avLst/>
+          </a:prstGeom>
+          <a:ln w="38100"/>
+        </p:spPr>
+        <p:style>
+          <a:lnRef idx="1">
+            <a:schemeClr val="accent1"/>
+          </a:lnRef>
+          <a:fillRef idx="0">
+            <a:schemeClr val="accent1"/>
+          </a:fillRef>
+          <a:effectRef idx="0">
+            <a:schemeClr val="accent1"/>
+          </a:effectRef>
+          <a:fontRef idx="minor">
+            <a:schemeClr val="tx1"/>
+          </a:fontRef>
+        </p:style>
+      </p:cxnSp>
+      <p:sp>
+        <p:nvSpPr>
+          <p:cNvPr id="58" name="TextBox 57">
+            <a:extLst>
+              <a:ext uri="{FF2B5EF4-FFF2-40B4-BE49-F238E27FC236}">
+                <a16:creationId xmlns:a16="http://schemas.microsoft.com/office/drawing/2014/main" id="{347B5CBE-07CD-664D-958C-3B86FD234C15}"/>
+              </a:ext>
+            </a:extLst>
+          </p:cNvPr>
+          <p:cNvSpPr txBox="1"/>
+          <p:nvPr/>
+        </p:nvSpPr>
+        <p:spPr>
+          <a:xfrm>
+            <a:off x="4592502" y="3517420"/>
+            <a:ext cx="1849555" cy="369332"/>
+          </a:xfrm>
+          <a:prstGeom prst="rect">
+            <a:avLst/>
+          </a:prstGeom>
+          <a:solidFill>
+            <a:schemeClr val="accent2">
+              <a:lumMod val="20000"/>
+              <a:lumOff val="80000"/>
+            </a:schemeClr>
+          </a:solidFill>
+          <a:ln w="38100">
+            <a:solidFill>
+              <a:schemeClr val="tx1"/>
+            </a:solidFill>
+          </a:ln>
+        </p:spPr>
+        <p:txBody>
+          <a:bodyPr wrap="square" rtlCol="0">
+            <a:spAutoFit/>
+          </a:bodyPr>
+          <a:lstStyle/>
+          <a:p>
+            <a:pPr algn="ctr"/>
+            <a:r>
+              <a:rPr lang="en-US" dirty="0"/>
+              <a:t>"James, George"</a:t>
+            </a:r>
+          </a:p>
+        </p:txBody>
+      </p:sp>
+      <p:cxnSp>
+        <p:nvCxnSpPr>
+          <p:cNvPr id="61" name="Straight Connector 60">
+            <a:extLst>
+              <a:ext uri="{FF2B5EF4-FFF2-40B4-BE49-F238E27FC236}">
+                <a16:creationId xmlns:a16="http://schemas.microsoft.com/office/drawing/2014/main" id="{ED8E7AEB-1429-1340-9D3B-802AC83FF776}"/>
+              </a:ext>
+            </a:extLst>
+          </p:cNvPr>
+          <p:cNvCxnSpPr>
+            <a:cxnSpLocks/>
+          </p:cNvCxnSpPr>
+          <p:nvPr/>
+        </p:nvCxnSpPr>
+        <p:spPr>
+          <a:xfrm>
+            <a:off x="2516650" y="3715243"/>
+            <a:ext cx="0" cy="667264"/>
+          </a:xfrm>
+          <a:prstGeom prst="line">
+            <a:avLst/>
+          </a:prstGeom>
+          <a:ln w="38100"/>
+        </p:spPr>
+        <p:style>
+          <a:lnRef idx="1">
+            <a:schemeClr val="accent1"/>
+          </a:lnRef>
+          <a:fillRef idx="0">
+            <a:schemeClr val="accent1"/>
+          </a:fillRef>
+          <a:effectRef idx="0">
+            <a:schemeClr val="accent1"/>
+          </a:effectRef>
+          <a:fontRef idx="minor">
+            <a:schemeClr val="tx1"/>
+          </a:fontRef>
+        </p:style>
+      </p:cxnSp>
+      <p:cxnSp>
+        <p:nvCxnSpPr>
+          <p:cNvPr id="62" name="Straight Connector 61">
+            <a:extLst>
+              <a:ext uri="{FF2B5EF4-FFF2-40B4-BE49-F238E27FC236}">
+                <a16:creationId xmlns:a16="http://schemas.microsoft.com/office/drawing/2014/main" id="{7842B537-C770-1A48-B93F-0CE25AB9284A}"/>
+              </a:ext>
+            </a:extLst>
+          </p:cNvPr>
+          <p:cNvCxnSpPr>
+            <a:cxnSpLocks/>
+            <a:endCxn id="56" idx="1"/>
+          </p:cNvCxnSpPr>
+          <p:nvPr/>
+        </p:nvCxnSpPr>
+        <p:spPr>
+          <a:xfrm>
+            <a:off x="2516650" y="3710327"/>
+            <a:ext cx="230569" cy="0"/>
+          </a:xfrm>
+          <a:prstGeom prst="line">
+            <a:avLst/>
+          </a:prstGeom>
+          <a:ln w="38100"/>
+        </p:spPr>
+        <p:style>
+          <a:lnRef idx="1">
+            <a:schemeClr val="accent1"/>
+          </a:lnRef>
+          <a:fillRef idx="0">
+            <a:schemeClr val="accent1"/>
+          </a:fillRef>
+          <a:effectRef idx="0">
+            <a:schemeClr val="accent1"/>
+          </a:effectRef>
+          <a:fontRef idx="minor">
+            <a:schemeClr val="tx1"/>
+          </a:fontRef>
+        </p:style>
+      </p:cxnSp>
+      <p:cxnSp>
+        <p:nvCxnSpPr>
+          <p:cNvPr id="63" name="Straight Connector 62">
+            <a:extLst>
+              <a:ext uri="{FF2B5EF4-FFF2-40B4-BE49-F238E27FC236}">
+                <a16:creationId xmlns:a16="http://schemas.microsoft.com/office/drawing/2014/main" id="{B4E45706-1EB9-5D44-96A9-A83E90A02CAA}"/>
+              </a:ext>
+            </a:extLst>
+          </p:cNvPr>
+          <p:cNvCxnSpPr>
+            <a:cxnSpLocks/>
+          </p:cNvCxnSpPr>
+          <p:nvPr/>
+        </p:nvCxnSpPr>
+        <p:spPr>
+          <a:xfrm>
+            <a:off x="2516650" y="4357000"/>
+            <a:ext cx="234685" cy="0"/>
+          </a:xfrm>
+          <a:prstGeom prst="line">
+            <a:avLst/>
+          </a:prstGeom>
+          <a:ln w="38100"/>
+        </p:spPr>
+        <p:style>
+          <a:lnRef idx="1">
+            <a:schemeClr val="accent1"/>
+          </a:lnRef>
+          <a:fillRef idx="0">
+            <a:schemeClr val="accent1"/>
+          </a:fillRef>
+          <a:effectRef idx="0">
+            <a:schemeClr val="accent1"/>
+          </a:effectRef>
+          <a:fontRef idx="minor">
+            <a:schemeClr val="tx1"/>
+          </a:fontRef>
+        </p:style>
+      </p:cxnSp>
+      <p:sp>
+        <p:nvSpPr>
+          <p:cNvPr id="30" name="TextBox 29">
+            <a:extLst>
+              <a:ext uri="{FF2B5EF4-FFF2-40B4-BE49-F238E27FC236}">
+                <a16:creationId xmlns:a16="http://schemas.microsoft.com/office/drawing/2014/main" id="{E83AB936-A317-5144-85F5-E3F691F78B42}"/>
+              </a:ext>
+            </a:extLst>
+          </p:cNvPr>
+          <p:cNvSpPr txBox="1"/>
+          <p:nvPr/>
+        </p:nvSpPr>
+        <p:spPr>
+          <a:xfrm>
+            <a:off x="2751335" y="4147621"/>
+            <a:ext cx="1849559" cy="369332"/>
+          </a:xfrm>
+          <a:prstGeom prst="rect">
+            <a:avLst/>
+          </a:prstGeom>
+          <a:solidFill>
+            <a:schemeClr val="accent1">
+              <a:lumMod val="20000"/>
+              <a:lumOff val="80000"/>
+            </a:schemeClr>
+          </a:solidFill>
+          <a:ln w="38100">
+            <a:solidFill>
+              <a:schemeClr val="tx1"/>
+            </a:solidFill>
+          </a:ln>
+        </p:spPr>
+        <p:txBody>
+          <a:bodyPr wrap="square" rtlCol="0">
+            <a:spAutoFit/>
+          </a:bodyPr>
+          <a:lstStyle/>
+          <a:p>
+            <a:pPr algn="ctr"/>
+            <a:r>
+              <a:rPr lang="en-US" dirty="0"/>
+              <a:t>"617-555-1414"</a:t>
+            </a:r>
+          </a:p>
+        </p:txBody>
+      </p:sp>
+      <p:sp>
+        <p:nvSpPr>
+          <p:cNvPr id="31" name="TextBox 30">
+            <a:extLst>
+              <a:ext uri="{FF2B5EF4-FFF2-40B4-BE49-F238E27FC236}">
+                <a16:creationId xmlns:a16="http://schemas.microsoft.com/office/drawing/2014/main" id="{BD85E0C2-E3F9-BF42-9BC0-2486FE89181D}"/>
+              </a:ext>
+            </a:extLst>
+          </p:cNvPr>
+          <p:cNvSpPr txBox="1"/>
+          <p:nvPr/>
+        </p:nvSpPr>
+        <p:spPr>
+          <a:xfrm>
+            <a:off x="4596618" y="4139380"/>
+            <a:ext cx="1845433" cy="369332"/>
+          </a:xfrm>
+          <a:prstGeom prst="rect">
+            <a:avLst/>
+          </a:prstGeom>
+          <a:solidFill>
+            <a:schemeClr val="accent2">
+              <a:lumMod val="20000"/>
+              <a:lumOff val="80000"/>
+            </a:schemeClr>
+          </a:solidFill>
+          <a:ln w="38100">
+            <a:solidFill>
+              <a:schemeClr val="tx1"/>
+            </a:solidFill>
+          </a:ln>
+        </p:spPr>
+        <p:txBody>
+          <a:bodyPr wrap="square" rtlCol="0">
+            <a:spAutoFit/>
+          </a:bodyPr>
+          <a:lstStyle/>
+          <a:p>
+            <a:pPr algn="ctr"/>
+            <a:r>
+              <a:rPr lang="en-US" dirty="0"/>
+              <a:t>"Tweed, Rob"</a:t>
+            </a:r>
+          </a:p>
+        </p:txBody>
+      </p:sp>
+    </p:spTree>
+    <p:extLst>
+      <p:ext uri="{BB962C8B-B14F-4D97-AF65-F5344CB8AC3E}">
+        <p14:creationId xmlns:p14="http://schemas.microsoft.com/office/powerpoint/2010/main" val="3441346461"/>
       </p:ext>
     </p:extLst>
   </p:cSld>
